--- a/documentation/Part I/Workshop-I.pptx
+++ b/documentation/Part I/Workshop-I.pptx
@@ -5,27 +5,34 @@
     <p:sldMasterId id="2147483661" r:id="rId4"/>
   </p:sldMasterIdLst>
   <p:notesMasterIdLst>
-    <p:notesMasterId r:id="rId23"/>
+    <p:notesMasterId r:id="rId30"/>
   </p:notesMasterIdLst>
   <p:sldIdLst>
     <p:sldId id="256" r:id="rId5"/>
-    <p:sldId id="260" r:id="rId6"/>
-    <p:sldId id="259" r:id="rId7"/>
-    <p:sldId id="272" r:id="rId8"/>
-    <p:sldId id="267" r:id="rId9"/>
-    <p:sldId id="261" r:id="rId10"/>
-    <p:sldId id="273" r:id="rId11"/>
-    <p:sldId id="262" r:id="rId12"/>
-    <p:sldId id="263" r:id="rId13"/>
-    <p:sldId id="270" r:id="rId14"/>
-    <p:sldId id="274" r:id="rId15"/>
-    <p:sldId id="264" r:id="rId16"/>
-    <p:sldId id="271" r:id="rId17"/>
-    <p:sldId id="268" r:id="rId18"/>
-    <p:sldId id="275" r:id="rId19"/>
-    <p:sldId id="265" r:id="rId20"/>
-    <p:sldId id="269" r:id="rId21"/>
-    <p:sldId id="276" r:id="rId22"/>
+    <p:sldId id="277" r:id="rId6"/>
+    <p:sldId id="282" r:id="rId7"/>
+    <p:sldId id="260" r:id="rId8"/>
+    <p:sldId id="259" r:id="rId9"/>
+    <p:sldId id="272" r:id="rId10"/>
+    <p:sldId id="278" r:id="rId11"/>
+    <p:sldId id="267" r:id="rId12"/>
+    <p:sldId id="261" r:id="rId13"/>
+    <p:sldId id="273" r:id="rId14"/>
+    <p:sldId id="262" r:id="rId15"/>
+    <p:sldId id="263" r:id="rId16"/>
+    <p:sldId id="270" r:id="rId17"/>
+    <p:sldId id="274" r:id="rId18"/>
+    <p:sldId id="279" r:id="rId19"/>
+    <p:sldId id="264" r:id="rId20"/>
+    <p:sldId id="271" r:id="rId21"/>
+    <p:sldId id="268" r:id="rId22"/>
+    <p:sldId id="275" r:id="rId23"/>
+    <p:sldId id="280" r:id="rId24"/>
+    <p:sldId id="265" r:id="rId25"/>
+    <p:sldId id="269" r:id="rId26"/>
+    <p:sldId id="276" r:id="rId27"/>
+    <p:sldId id="281" r:id="rId28"/>
+    <p:sldId id="285" r:id="rId29"/>
   </p:sldIdLst>
   <p:sldSz cx="18288000" cy="10288588"/>
   <p:notesSz cx="6858000" cy="9144000"/>
@@ -243,7 +250,7 @@
           <a:p>
             <a:fld id="{37E01EE1-980E-5041-99CA-AE19F2476FCE}" type="datetimeFigureOut">
               <a:rPr lang="ru-RU" smtClean="0"/>
-              <a:t>10.05.2023</a:t>
+              <a:t>16.06.2023</a:t>
             </a:fld>
             <a:endParaRPr lang="ru-RU"/>
           </a:p>
@@ -676,7 +683,7 @@
           <a:p>
             <a:fld id="{72202425-FF7F-4149-A7AB-444FA1A00A9F}" type="slidenum">
               <a:rPr lang="ru-RU" smtClean="0"/>
-              <a:t>2</a:t>
+              <a:t>4</a:t>
             </a:fld>
             <a:endParaRPr lang="ru-RU"/>
           </a:p>
@@ -11284,19 +11291,31 @@
           <a:lstStyle/>
           <a:p>
             <a:r>
-              <a:rPr lang="en-US" dirty="0"/>
-              <a:t>Deployment Affinity</a:t>
-            </a:r>
-            <a:endParaRPr lang="en-RU" dirty="0"/>
-          </a:p>
-        </p:txBody>
-      </p:sp>
-      <p:sp>
-        <p:nvSpPr>
-          <p:cNvPr id="4" name="TextBox 3">
+              <a:rPr lang="en-US" dirty="0">
+                <a:solidFill>
+                  <a:schemeClr val="accent1">
+                    <a:lumMod val="50000"/>
+                  </a:schemeClr>
+                </a:solidFill>
+              </a:rPr>
+              <a:t>Q&amp;A: story</a:t>
+            </a:r>
+            <a:endParaRPr lang="en-RU" dirty="0">
+              <a:solidFill>
+                <a:schemeClr val="accent1">
+                  <a:lumMod val="50000"/>
+                </a:schemeClr>
+              </a:solidFill>
+            </a:endParaRPr>
+          </a:p>
+        </p:txBody>
+      </p:sp>
+      <p:sp>
+        <p:nvSpPr>
+          <p:cNvPr id="2" name="TextBox 1">
             <a:extLst>
               <a:ext uri="{FF2B5EF4-FFF2-40B4-BE49-F238E27FC236}">
-                <a16:creationId xmlns:a16="http://schemas.microsoft.com/office/drawing/2014/main" id="{A518D08B-AF5A-728E-A98D-4E1C5FEE9B11}"/>
+                <a16:creationId xmlns:a16="http://schemas.microsoft.com/office/drawing/2014/main" id="{AA4ACA97-5B52-34DD-BDB2-C2C151A36505}"/>
               </a:ext>
             </a:extLst>
           </p:cNvPr>
@@ -11306,7 +11325,7 @@
         <p:spPr>
           <a:xfrm>
             <a:off x="10654302" y="1111118"/>
-            <a:ext cx="3513762" cy="923330"/>
+            <a:ext cx="3513762" cy="646331"/>
           </a:xfrm>
           <a:prstGeom prst="rect">
             <a:avLst/>
@@ -11320,24 +11339,56 @@
           <a:lstStyle/>
           <a:p>
             <a:r>
-              <a:rPr lang="en-US" dirty="0"/>
+              <a:rPr lang="en-US" dirty="0">
+                <a:solidFill>
+                  <a:schemeClr val="accent1">
+                    <a:lumMod val="50000"/>
+                  </a:schemeClr>
+                </a:solidFill>
+              </a:rPr>
               <a:t>WHY do we need this?</a:t>
             </a:r>
           </a:p>
           <a:p>
             <a:r>
-              <a:rPr lang="en-US" dirty="0"/>
-              <a:t>To manage scheduling process for pods.</a:t>
-            </a:r>
-          </a:p>
-        </p:txBody>
-      </p:sp>
-      <p:sp>
-        <p:nvSpPr>
-          <p:cNvPr id="5" name="TextBox 4">
+              <a:rPr lang="en-US" dirty="0">
+                <a:solidFill>
+                  <a:schemeClr val="accent1">
+                    <a:lumMod val="50000"/>
+                  </a:schemeClr>
+                </a:solidFill>
+              </a:rPr>
+              <a:t>To see </a:t>
+            </a:r>
+            <a:r>
+              <a:rPr lang="en-US" dirty="0" err="1">
+                <a:solidFill>
+                  <a:schemeClr val="accent1">
+                    <a:lumMod val="50000"/>
+                  </a:schemeClr>
+                </a:solidFill>
+              </a:rPr>
+              <a:t>usecases</a:t>
+            </a:r>
+            <a:r>
+              <a:rPr lang="en-US" dirty="0">
+                <a:solidFill>
+                  <a:schemeClr val="accent1">
+                    <a:lumMod val="50000"/>
+                  </a:schemeClr>
+                </a:solidFill>
+              </a:rPr>
+              <a:t>.</a:t>
+            </a:r>
+          </a:p>
+        </p:txBody>
+      </p:sp>
+      <p:sp>
+        <p:nvSpPr>
+          <p:cNvPr id="4" name="TextBox 3">
             <a:extLst>
               <a:ext uri="{FF2B5EF4-FFF2-40B4-BE49-F238E27FC236}">
-                <a16:creationId xmlns:a16="http://schemas.microsoft.com/office/drawing/2014/main" id="{BCEB8746-5508-172E-2CE7-B76A14ACFCF9}"/>
+                <a16:creationId xmlns:a16="http://schemas.microsoft.com/office/drawing/2014/main" id="{95BAC16E-7ACC-94DF-5B4C-368367FB7A4D}"/>
               </a:ext>
             </a:extLst>
           </p:cNvPr>
@@ -11346,8 +11397,8 @@
         </p:nvSpPr>
         <p:spPr>
           <a:xfrm>
-            <a:off x="6810177" y="3864748"/>
-            <a:ext cx="2449286" cy="707886"/>
+            <a:off x="17508906" y="9659383"/>
+            <a:ext cx="464024" cy="369332"/>
           </a:xfrm>
           <a:prstGeom prst="rect">
             <a:avLst/>
@@ -11361,18 +11412,115 @@
           <a:lstStyle/>
           <a:p>
             <a:r>
-              <a:rPr lang="en-US" sz="4000" dirty="0"/>
-              <a:t>Affinities</a:t>
-            </a:r>
-          </a:p>
-        </p:txBody>
-      </p:sp>
-      <p:sp>
-        <p:nvSpPr>
-          <p:cNvPr id="6" name="TextBox 5">
+              <a:rPr lang="en-US" dirty="0">
+                <a:solidFill>
+                  <a:schemeClr val="accent1">
+                    <a:lumMod val="50000"/>
+                  </a:schemeClr>
+                </a:solidFill>
+              </a:rPr>
+              <a:t>10</a:t>
+            </a:r>
+          </a:p>
+        </p:txBody>
+      </p:sp>
+      <p:sp>
+        <p:nvSpPr>
+          <p:cNvPr id="6" name="Thought Bubble: Cloud 5">
             <a:extLst>
               <a:ext uri="{FF2B5EF4-FFF2-40B4-BE49-F238E27FC236}">
-                <a16:creationId xmlns:a16="http://schemas.microsoft.com/office/drawing/2014/main" id="{D2AF39E9-08E3-BD7F-C631-700DC8D1C1B2}"/>
+                <a16:creationId xmlns:a16="http://schemas.microsoft.com/office/drawing/2014/main" id="{CE76AC75-F0A2-D695-3545-2D4B565B01CF}"/>
+              </a:ext>
+            </a:extLst>
+          </p:cNvPr>
+          <p:cNvSpPr/>
+          <p:nvPr/>
+        </p:nvSpPr>
+        <p:spPr>
+          <a:xfrm>
+            <a:off x="3275462" y="3671247"/>
+            <a:ext cx="5513696" cy="1922833"/>
+          </a:xfrm>
+          <a:prstGeom prst="cloudCallout">
+            <a:avLst>
+              <a:gd name="adj1" fmla="val -46637"/>
+              <a:gd name="adj2" fmla="val 61080"/>
+            </a:avLst>
+          </a:prstGeom>
+        </p:spPr>
+        <p:style>
+          <a:lnRef idx="2">
+            <a:schemeClr val="accent1">
+              <a:shade val="50000"/>
+            </a:schemeClr>
+          </a:lnRef>
+          <a:fillRef idx="1">
+            <a:schemeClr val="accent1"/>
+          </a:fillRef>
+          <a:effectRef idx="0">
+            <a:schemeClr val="accent1"/>
+          </a:effectRef>
+          <a:fontRef idx="minor">
+            <a:schemeClr val="lt1"/>
+          </a:fontRef>
+        </p:style>
+        <p:txBody>
+          <a:bodyPr rtlCol="0" anchor="ctr"/>
+          <a:lstStyle/>
+          <a:p>
+            <a:pPr algn="ctr"/>
+            <a:r>
+              <a:rPr lang="en-US" dirty="0"/>
+              <a:t>I need deployment, configuration and maintenance automatization for docker containers.</a:t>
+            </a:r>
+          </a:p>
+        </p:txBody>
+      </p:sp>
+      <p:pic>
+        <p:nvPicPr>
+          <p:cNvPr id="8" name="Graphic 7" descr="Female Profile with solid fill">
+            <a:extLst>
+              <a:ext uri="{FF2B5EF4-FFF2-40B4-BE49-F238E27FC236}">
+                <a16:creationId xmlns:a16="http://schemas.microsoft.com/office/drawing/2014/main" id="{5B2BDBD5-5678-202E-FAF3-A0DC4D68E807}"/>
+              </a:ext>
+            </a:extLst>
+          </p:cNvPr>
+          <p:cNvPicPr>
+            <a:picLocks noChangeAspect="1"/>
+          </p:cNvPicPr>
+          <p:nvPr/>
+        </p:nvPicPr>
+        <p:blipFill>
+          <a:blip r:embed="rId2">
+            <a:extLst>
+              <a:ext uri="{28A0092B-C50C-407E-A947-70E740481C1C}">
+                <a14:useLocalDpi xmlns:a14="http://schemas.microsoft.com/office/drawing/2010/main" val="0"/>
+              </a:ext>
+              <a:ext uri="{96DAC541-7B7A-43D3-8B79-37D633B846F1}">
+                <asvg:svgBlip xmlns:asvg="http://schemas.microsoft.com/office/drawing/2016/SVG/main" r:embed="rId3"/>
+              </a:ext>
+            </a:extLst>
+          </a:blip>
+          <a:stretch>
+            <a:fillRect/>
+          </a:stretch>
+        </p:blipFill>
+        <p:spPr>
+          <a:xfrm>
+            <a:off x="866400" y="5396777"/>
+            <a:ext cx="3323230" cy="3323230"/>
+          </a:xfrm>
+          <a:prstGeom prst="rect">
+            <a:avLst/>
+          </a:prstGeom>
+        </p:spPr>
+      </p:pic>
+      <p:sp>
+        <p:nvSpPr>
+          <p:cNvPr id="10" name="TextBox 9">
+            <a:extLst>
+              <a:ext uri="{FF2B5EF4-FFF2-40B4-BE49-F238E27FC236}">
+                <a16:creationId xmlns:a16="http://schemas.microsoft.com/office/drawing/2014/main" id="{AC8232B7-9F05-F8DC-FCC9-582380AC9605}"/>
               </a:ext>
             </a:extLst>
           </p:cNvPr>
@@ -11381,8 +11529,8 @@
         </p:nvSpPr>
         <p:spPr>
           <a:xfrm>
-            <a:off x="5868562" y="5053383"/>
-            <a:ext cx="2449286" cy="584775"/>
+            <a:off x="2186821" y="8322467"/>
+            <a:ext cx="982638" cy="369332"/>
           </a:xfrm>
           <a:prstGeom prst="rect">
             <a:avLst/>
@@ -11396,18 +11544,63 @@
           <a:lstStyle/>
           <a:p>
             <a:r>
-              <a:rPr lang="en-US" sz="3200" dirty="0"/>
-              <a:t>Node</a:t>
-            </a:r>
-          </a:p>
-        </p:txBody>
-      </p:sp>
-      <p:sp>
-        <p:nvSpPr>
-          <p:cNvPr id="7" name="TextBox 6">
+              <a:rPr lang="en-US" dirty="0">
+                <a:solidFill>
+                  <a:schemeClr val="accent1">
+                    <a:lumMod val="50000"/>
+                  </a:schemeClr>
+                </a:solidFill>
+              </a:rPr>
+              <a:t>Alice</a:t>
+            </a:r>
+          </a:p>
+        </p:txBody>
+      </p:sp>
+      <p:pic>
+        <p:nvPicPr>
+          <p:cNvPr id="12" name="Graphic 11" descr="Male profile with solid fill">
             <a:extLst>
               <a:ext uri="{FF2B5EF4-FFF2-40B4-BE49-F238E27FC236}">
-                <a16:creationId xmlns:a16="http://schemas.microsoft.com/office/drawing/2014/main" id="{73BFF6E4-D757-7AD4-6771-E0277B4AD725}"/>
+                <a16:creationId xmlns:a16="http://schemas.microsoft.com/office/drawing/2014/main" id="{E3414CCD-FACA-7861-4640-298E63FF41AD}"/>
+              </a:ext>
+            </a:extLst>
+          </p:cNvPr>
+          <p:cNvPicPr>
+            <a:picLocks noChangeAspect="1"/>
+          </p:cNvPicPr>
+          <p:nvPr/>
+        </p:nvPicPr>
+        <p:blipFill>
+          <a:blip r:embed="rId4">
+            <a:extLst>
+              <a:ext uri="{28A0092B-C50C-407E-A947-70E740481C1C}">
+                <a14:useLocalDpi xmlns:a14="http://schemas.microsoft.com/office/drawing/2010/main" val="0"/>
+              </a:ext>
+              <a:ext uri="{96DAC541-7B7A-43D3-8B79-37D633B846F1}">
+                <asvg:svgBlip xmlns:asvg="http://schemas.microsoft.com/office/drawing/2016/SVG/main" r:embed="rId5"/>
+              </a:ext>
+            </a:extLst>
+          </a:blip>
+          <a:stretch>
+            <a:fillRect/>
+          </a:stretch>
+        </p:blipFill>
+        <p:spPr>
+          <a:xfrm>
+            <a:off x="9144000" y="5368569"/>
+            <a:ext cx="3323230" cy="3323230"/>
+          </a:xfrm>
+          <a:prstGeom prst="rect">
+            <a:avLst/>
+          </a:prstGeom>
+        </p:spPr>
+      </p:pic>
+      <p:sp>
+        <p:nvSpPr>
+          <p:cNvPr id="13" name="TextBox 12">
+            <a:extLst>
+              <a:ext uri="{FF2B5EF4-FFF2-40B4-BE49-F238E27FC236}">
+                <a16:creationId xmlns:a16="http://schemas.microsoft.com/office/drawing/2014/main" id="{BD2861F6-C4E6-1ACF-9372-B7F2496D4888}"/>
               </a:ext>
             </a:extLst>
           </p:cNvPr>
@@ -11416,8 +11609,8 @@
         </p:nvSpPr>
         <p:spPr>
           <a:xfrm>
-            <a:off x="8852717" y="5053382"/>
-            <a:ext cx="2449286" cy="584775"/>
+            <a:off x="10490115" y="8322467"/>
+            <a:ext cx="982638" cy="369332"/>
           </a:xfrm>
           <a:prstGeom prst="rect">
             <a:avLst/>
@@ -11431,503 +11624,66 @@
           <a:lstStyle/>
           <a:p>
             <a:r>
-              <a:rPr lang="en-US" sz="3200" dirty="0"/>
-              <a:t>Pod</a:t>
-            </a:r>
-          </a:p>
-        </p:txBody>
-      </p:sp>
-      <p:cxnSp>
-        <p:nvCxnSpPr>
-          <p:cNvPr id="13" name="Straight Arrow Connector 12">
+              <a:rPr lang="en-US" dirty="0">
+                <a:solidFill>
+                  <a:schemeClr val="accent1">
+                    <a:lumMod val="50000"/>
+                  </a:schemeClr>
+                </a:solidFill>
+              </a:rPr>
+              <a:t>Bob</a:t>
+            </a:r>
+          </a:p>
+        </p:txBody>
+      </p:sp>
+      <p:sp>
+        <p:nvSpPr>
+          <p:cNvPr id="15" name="Speech Bubble: Oval 14">
             <a:extLst>
               <a:ext uri="{FF2B5EF4-FFF2-40B4-BE49-F238E27FC236}">
-                <a16:creationId xmlns:a16="http://schemas.microsoft.com/office/drawing/2014/main" id="{27108E6B-113D-3397-065A-3F812ED31274}"/>
+                <a16:creationId xmlns:a16="http://schemas.microsoft.com/office/drawing/2014/main" id="{B061D5B1-80BC-F4FB-3898-021F7B395B84}"/>
               </a:ext>
             </a:extLst>
           </p:cNvPr>
-          <p:cNvCxnSpPr>
-            <a:cxnSpLocks/>
-          </p:cNvCxnSpPr>
+          <p:cNvSpPr/>
           <p:nvPr/>
-        </p:nvCxnSpPr>
-        <p:spPr>
-          <a:xfrm flipH="1">
-            <a:off x="6516263" y="4572634"/>
-            <a:ext cx="1030877" cy="480748"/>
-          </a:xfrm>
-          <a:prstGeom prst="straightConnector1">
-            <a:avLst/>
+        </p:nvSpPr>
+        <p:spPr>
+          <a:xfrm>
+            <a:off x="11198220" y="3671247"/>
+            <a:ext cx="5513696" cy="1786355"/>
+          </a:xfrm>
+          <a:prstGeom prst="wedgeEllipseCallout">
+            <a:avLst>
+              <a:gd name="adj1" fmla="val -44188"/>
+              <a:gd name="adj2" fmla="val 65122"/>
+            </a:avLst>
           </a:prstGeom>
-          <a:ln w="28575">
-            <a:tailEnd type="triangle"/>
-          </a:ln>
         </p:spPr>
         <p:style>
-          <a:lnRef idx="1">
-            <a:schemeClr val="dk1"/>
+          <a:lnRef idx="2">
+            <a:schemeClr val="accent1">
+              <a:shade val="50000"/>
+            </a:schemeClr>
           </a:lnRef>
-          <a:fillRef idx="0">
-            <a:schemeClr val="dk1"/>
+          <a:fillRef idx="1">
+            <a:schemeClr val="accent1"/>
           </a:fillRef>
           <a:effectRef idx="0">
-            <a:schemeClr val="dk1"/>
+            <a:schemeClr val="accent1"/>
           </a:effectRef>
           <a:fontRef idx="minor">
-            <a:schemeClr val="tx1"/>
+            <a:schemeClr val="lt1"/>
           </a:fontRef>
         </p:style>
-      </p:cxnSp>
-      <p:cxnSp>
-        <p:nvCxnSpPr>
-          <p:cNvPr id="15" name="Straight Arrow Connector 14">
-            <a:extLst>
-              <a:ext uri="{FF2B5EF4-FFF2-40B4-BE49-F238E27FC236}">
-                <a16:creationId xmlns:a16="http://schemas.microsoft.com/office/drawing/2014/main" id="{77599BD0-206B-BE62-C874-CE0D16F2C4E3}"/>
-              </a:ext>
-            </a:extLst>
-          </p:cNvPr>
-          <p:cNvCxnSpPr>
-            <a:cxnSpLocks/>
-            <a:stCxn id="5" idx="2"/>
-          </p:cNvCxnSpPr>
-          <p:nvPr/>
-        </p:nvCxnSpPr>
-        <p:spPr>
-          <a:xfrm>
-            <a:off x="8034820" y="4572634"/>
-            <a:ext cx="1224643" cy="480748"/>
-          </a:xfrm>
-          <a:prstGeom prst="straightConnector1">
-            <a:avLst/>
-          </a:prstGeom>
-          <a:ln w="28575">
-            <a:tailEnd type="triangle"/>
-          </a:ln>
-        </p:spPr>
-        <p:style>
-          <a:lnRef idx="1">
-            <a:schemeClr val="dk1"/>
-          </a:lnRef>
-          <a:fillRef idx="0">
-            <a:schemeClr val="dk1"/>
-          </a:fillRef>
-          <a:effectRef idx="0">
-            <a:schemeClr val="dk1"/>
-          </a:effectRef>
-          <a:fontRef idx="minor">
-            <a:schemeClr val="tx1"/>
-          </a:fontRef>
-        </p:style>
-      </p:cxnSp>
-      <p:sp>
-        <p:nvSpPr>
-          <p:cNvPr id="18" name="TextBox 17">
-            <a:extLst>
-              <a:ext uri="{FF2B5EF4-FFF2-40B4-BE49-F238E27FC236}">
-                <a16:creationId xmlns:a16="http://schemas.microsoft.com/office/drawing/2014/main" id="{ADF5A837-ED60-3094-DF12-46E20834638F}"/>
-              </a:ext>
-            </a:extLst>
-          </p:cNvPr>
-          <p:cNvSpPr txBox="1"/>
-          <p:nvPr/>
-        </p:nvSpPr>
-        <p:spPr>
-          <a:xfrm>
-            <a:off x="2405399" y="6844972"/>
-            <a:ext cx="2449286" cy="707886"/>
-          </a:xfrm>
-          <a:prstGeom prst="rect">
-            <a:avLst/>
-          </a:prstGeom>
-          <a:noFill/>
-        </p:spPr>
-        <p:txBody>
-          <a:bodyPr wrap="square" rtlCol="0">
-            <a:spAutoFit/>
-          </a:bodyPr>
+        <p:txBody>
+          <a:bodyPr rtlCol="0" anchor="ctr"/>
           <a:lstStyle/>
           <a:p>
-            <a:r>
-              <a:rPr lang="en-US" sz="4000" dirty="0"/>
-              <a:t>Affinities</a:t>
-            </a:r>
-          </a:p>
-        </p:txBody>
-      </p:sp>
-      <p:sp>
-        <p:nvSpPr>
-          <p:cNvPr id="19" name="TextBox 18">
-            <a:extLst>
-              <a:ext uri="{FF2B5EF4-FFF2-40B4-BE49-F238E27FC236}">
-                <a16:creationId xmlns:a16="http://schemas.microsoft.com/office/drawing/2014/main" id="{27705BCF-8EBD-13DD-E3A0-A3F14524BA47}"/>
-              </a:ext>
-            </a:extLst>
-          </p:cNvPr>
-          <p:cNvSpPr txBox="1"/>
-          <p:nvPr/>
-        </p:nvSpPr>
-        <p:spPr>
-          <a:xfrm>
-            <a:off x="1463784" y="8033607"/>
-            <a:ext cx="2449286" cy="584775"/>
-          </a:xfrm>
-          <a:prstGeom prst="rect">
-            <a:avLst/>
-          </a:prstGeom>
-          <a:noFill/>
-        </p:spPr>
-        <p:txBody>
-          <a:bodyPr wrap="square" rtlCol="0">
-            <a:spAutoFit/>
-          </a:bodyPr>
-          <a:lstStyle/>
-          <a:p>
-            <a:r>
-              <a:rPr lang="en-US" sz="3200" dirty="0"/>
-              <a:t>Affinity</a:t>
-            </a:r>
-          </a:p>
-        </p:txBody>
-      </p:sp>
-      <p:sp>
-        <p:nvSpPr>
-          <p:cNvPr id="20" name="TextBox 19">
-            <a:extLst>
-              <a:ext uri="{FF2B5EF4-FFF2-40B4-BE49-F238E27FC236}">
-                <a16:creationId xmlns:a16="http://schemas.microsoft.com/office/drawing/2014/main" id="{FF0E920C-DB29-4027-646E-3F62FF6966D3}"/>
-              </a:ext>
-            </a:extLst>
-          </p:cNvPr>
-          <p:cNvSpPr txBox="1"/>
-          <p:nvPr/>
-        </p:nvSpPr>
-        <p:spPr>
-          <a:xfrm>
-            <a:off x="4447939" y="8033606"/>
-            <a:ext cx="2449286" cy="584775"/>
-          </a:xfrm>
-          <a:prstGeom prst="rect">
-            <a:avLst/>
-          </a:prstGeom>
-          <a:noFill/>
-        </p:spPr>
-        <p:txBody>
-          <a:bodyPr wrap="square" rtlCol="0">
-            <a:spAutoFit/>
-          </a:bodyPr>
-          <a:lstStyle/>
-          <a:p>
-            <a:r>
-              <a:rPr lang="en-US" sz="3200" dirty="0" err="1"/>
-              <a:t>AntiAffinity</a:t>
-            </a:r>
-            <a:endParaRPr lang="en-US" sz="3200" dirty="0"/>
-          </a:p>
-        </p:txBody>
-      </p:sp>
-      <p:cxnSp>
-        <p:nvCxnSpPr>
-          <p:cNvPr id="21" name="Straight Arrow Connector 20">
-            <a:extLst>
-              <a:ext uri="{FF2B5EF4-FFF2-40B4-BE49-F238E27FC236}">
-                <a16:creationId xmlns:a16="http://schemas.microsoft.com/office/drawing/2014/main" id="{AB29A5EB-337D-8501-0990-33073175C3A0}"/>
-              </a:ext>
-            </a:extLst>
-          </p:cNvPr>
-          <p:cNvCxnSpPr>
-            <a:cxnSpLocks/>
-          </p:cNvCxnSpPr>
-          <p:nvPr/>
-        </p:nvCxnSpPr>
-        <p:spPr>
-          <a:xfrm flipH="1">
-            <a:off x="2111485" y="7552858"/>
-            <a:ext cx="1030877" cy="480748"/>
-          </a:xfrm>
-          <a:prstGeom prst="straightConnector1">
-            <a:avLst/>
-          </a:prstGeom>
-          <a:ln w="28575">
-            <a:tailEnd type="triangle"/>
-          </a:ln>
-        </p:spPr>
-        <p:style>
-          <a:lnRef idx="1">
-            <a:schemeClr val="dk1"/>
-          </a:lnRef>
-          <a:fillRef idx="0">
-            <a:schemeClr val="dk1"/>
-          </a:fillRef>
-          <a:effectRef idx="0">
-            <a:schemeClr val="dk1"/>
-          </a:effectRef>
-          <a:fontRef idx="minor">
-            <a:schemeClr val="tx1"/>
-          </a:fontRef>
-        </p:style>
-      </p:cxnSp>
-      <p:cxnSp>
-        <p:nvCxnSpPr>
-          <p:cNvPr id="22" name="Straight Arrow Connector 21">
-            <a:extLst>
-              <a:ext uri="{FF2B5EF4-FFF2-40B4-BE49-F238E27FC236}">
-                <a16:creationId xmlns:a16="http://schemas.microsoft.com/office/drawing/2014/main" id="{98DEC4E8-FC52-43D1-CFA2-DBA55596D3C8}"/>
-              </a:ext>
-            </a:extLst>
-          </p:cNvPr>
-          <p:cNvCxnSpPr>
-            <a:cxnSpLocks/>
-            <a:stCxn id="18" idx="2"/>
-          </p:cNvCxnSpPr>
-          <p:nvPr/>
-        </p:nvCxnSpPr>
-        <p:spPr>
-          <a:xfrm>
-            <a:off x="3630042" y="7552858"/>
-            <a:ext cx="1224643" cy="480748"/>
-          </a:xfrm>
-          <a:prstGeom prst="straightConnector1">
-            <a:avLst/>
-          </a:prstGeom>
-          <a:ln w="28575">
-            <a:tailEnd type="triangle"/>
-          </a:ln>
-        </p:spPr>
-        <p:style>
-          <a:lnRef idx="1">
-            <a:schemeClr val="dk1"/>
-          </a:lnRef>
-          <a:fillRef idx="0">
-            <a:schemeClr val="dk1"/>
-          </a:fillRef>
-          <a:effectRef idx="0">
-            <a:schemeClr val="dk1"/>
-          </a:effectRef>
-          <a:fontRef idx="minor">
-            <a:schemeClr val="tx1"/>
-          </a:fontRef>
-        </p:style>
-      </p:cxnSp>
-      <p:sp>
-        <p:nvSpPr>
-          <p:cNvPr id="28" name="TextBox 27">
-            <a:extLst>
-              <a:ext uri="{FF2B5EF4-FFF2-40B4-BE49-F238E27FC236}">
-                <a16:creationId xmlns:a16="http://schemas.microsoft.com/office/drawing/2014/main" id="{DF25CBB2-8ECA-D77F-8370-E0C976D4964B}"/>
-              </a:ext>
-            </a:extLst>
-          </p:cNvPr>
-          <p:cNvSpPr txBox="1"/>
-          <p:nvPr/>
-        </p:nvSpPr>
-        <p:spPr>
-          <a:xfrm>
-            <a:off x="11595917" y="6760573"/>
-            <a:ext cx="2449286" cy="707886"/>
-          </a:xfrm>
-          <a:prstGeom prst="rect">
-            <a:avLst/>
-          </a:prstGeom>
-          <a:noFill/>
-        </p:spPr>
-        <p:txBody>
-          <a:bodyPr wrap="square" rtlCol="0">
-            <a:spAutoFit/>
-          </a:bodyPr>
-          <a:lstStyle/>
-          <a:p>
-            <a:r>
-              <a:rPr lang="en-US" sz="4000" dirty="0"/>
-              <a:t>Affinities</a:t>
-            </a:r>
-          </a:p>
-        </p:txBody>
-      </p:sp>
-      <p:sp>
-        <p:nvSpPr>
-          <p:cNvPr id="29" name="TextBox 28">
-            <a:extLst>
-              <a:ext uri="{FF2B5EF4-FFF2-40B4-BE49-F238E27FC236}">
-                <a16:creationId xmlns:a16="http://schemas.microsoft.com/office/drawing/2014/main" id="{4D3F62E1-7534-4389-0169-4A89C0799BF5}"/>
-              </a:ext>
-            </a:extLst>
-          </p:cNvPr>
-          <p:cNvSpPr txBox="1"/>
-          <p:nvPr/>
-        </p:nvSpPr>
-        <p:spPr>
-          <a:xfrm>
-            <a:off x="10654302" y="7949208"/>
-            <a:ext cx="2449286" cy="584775"/>
-          </a:xfrm>
-          <a:prstGeom prst="rect">
-            <a:avLst/>
-          </a:prstGeom>
-          <a:noFill/>
-        </p:spPr>
-        <p:txBody>
-          <a:bodyPr wrap="square" rtlCol="0">
-            <a:spAutoFit/>
-          </a:bodyPr>
-          <a:lstStyle/>
-          <a:p>
-            <a:r>
-              <a:rPr lang="en-US" sz="3200" dirty="0"/>
-              <a:t>Required</a:t>
-            </a:r>
-          </a:p>
-        </p:txBody>
-      </p:sp>
-      <p:sp>
-        <p:nvSpPr>
-          <p:cNvPr id="30" name="TextBox 29">
-            <a:extLst>
-              <a:ext uri="{FF2B5EF4-FFF2-40B4-BE49-F238E27FC236}">
-                <a16:creationId xmlns:a16="http://schemas.microsoft.com/office/drawing/2014/main" id="{2A23CE38-F54F-0CD8-5AC0-4E95E88430D5}"/>
-              </a:ext>
-            </a:extLst>
-          </p:cNvPr>
-          <p:cNvSpPr txBox="1"/>
-          <p:nvPr/>
-        </p:nvSpPr>
-        <p:spPr>
-          <a:xfrm>
-            <a:off x="13638457" y="7949207"/>
-            <a:ext cx="2449286" cy="584775"/>
-          </a:xfrm>
-          <a:prstGeom prst="rect">
-            <a:avLst/>
-          </a:prstGeom>
-          <a:noFill/>
-        </p:spPr>
-        <p:txBody>
-          <a:bodyPr wrap="square" rtlCol="0">
-            <a:spAutoFit/>
-          </a:bodyPr>
-          <a:lstStyle/>
-          <a:p>
-            <a:r>
-              <a:rPr lang="en-US" sz="3200" dirty="0"/>
-              <a:t>Preferred</a:t>
-            </a:r>
-          </a:p>
-        </p:txBody>
-      </p:sp>
-      <p:cxnSp>
-        <p:nvCxnSpPr>
-          <p:cNvPr id="31" name="Straight Arrow Connector 30">
-            <a:extLst>
-              <a:ext uri="{FF2B5EF4-FFF2-40B4-BE49-F238E27FC236}">
-                <a16:creationId xmlns:a16="http://schemas.microsoft.com/office/drawing/2014/main" id="{7BD81FBD-66DD-0E7D-4C64-5181C7AC1A60}"/>
-              </a:ext>
-            </a:extLst>
-          </p:cNvPr>
-          <p:cNvCxnSpPr>
-            <a:cxnSpLocks/>
-          </p:cNvCxnSpPr>
-          <p:nvPr/>
-        </p:nvCxnSpPr>
-        <p:spPr>
-          <a:xfrm flipH="1">
-            <a:off x="11302003" y="7468459"/>
-            <a:ext cx="1030877" cy="480748"/>
-          </a:xfrm>
-          <a:prstGeom prst="straightConnector1">
-            <a:avLst/>
-          </a:prstGeom>
-          <a:ln w="28575">
-            <a:tailEnd type="triangle"/>
-          </a:ln>
-        </p:spPr>
-        <p:style>
-          <a:lnRef idx="1">
-            <a:schemeClr val="dk1"/>
-          </a:lnRef>
-          <a:fillRef idx="0">
-            <a:schemeClr val="dk1"/>
-          </a:fillRef>
-          <a:effectRef idx="0">
-            <a:schemeClr val="dk1"/>
-          </a:effectRef>
-          <a:fontRef idx="minor">
-            <a:schemeClr val="tx1"/>
-          </a:fontRef>
-        </p:style>
-      </p:cxnSp>
-      <p:cxnSp>
-        <p:nvCxnSpPr>
-          <p:cNvPr id="32" name="Straight Arrow Connector 31">
-            <a:extLst>
-              <a:ext uri="{FF2B5EF4-FFF2-40B4-BE49-F238E27FC236}">
-                <a16:creationId xmlns:a16="http://schemas.microsoft.com/office/drawing/2014/main" id="{0A15B3BA-276A-658F-C3E6-1613A81B6DC7}"/>
-              </a:ext>
-            </a:extLst>
-          </p:cNvPr>
-          <p:cNvCxnSpPr>
-            <a:cxnSpLocks/>
-            <a:stCxn id="28" idx="2"/>
-          </p:cNvCxnSpPr>
-          <p:nvPr/>
-        </p:nvCxnSpPr>
-        <p:spPr>
-          <a:xfrm>
-            <a:off x="12820560" y="7468459"/>
-            <a:ext cx="1224643" cy="480748"/>
-          </a:xfrm>
-          <a:prstGeom prst="straightConnector1">
-            <a:avLst/>
-          </a:prstGeom>
-          <a:ln w="28575">
-            <a:tailEnd type="triangle"/>
-          </a:ln>
-        </p:spPr>
-        <p:style>
-          <a:lnRef idx="1">
-            <a:schemeClr val="dk1"/>
-          </a:lnRef>
-          <a:fillRef idx="0">
-            <a:schemeClr val="dk1"/>
-          </a:fillRef>
-          <a:effectRef idx="0">
-            <a:schemeClr val="dk1"/>
-          </a:effectRef>
-          <a:fontRef idx="minor">
-            <a:schemeClr val="tx1"/>
-          </a:fontRef>
-        </p:style>
-      </p:cxnSp>
-      <p:sp>
-        <p:nvSpPr>
-          <p:cNvPr id="2" name="TextBox 1">
-            <a:extLst>
-              <a:ext uri="{FF2B5EF4-FFF2-40B4-BE49-F238E27FC236}">
-                <a16:creationId xmlns:a16="http://schemas.microsoft.com/office/drawing/2014/main" id="{8386D9FE-532D-7485-EE20-6B0983201F39}"/>
-              </a:ext>
-            </a:extLst>
-          </p:cNvPr>
-          <p:cNvSpPr txBox="1"/>
-          <p:nvPr/>
-        </p:nvSpPr>
-        <p:spPr>
-          <a:xfrm>
-            <a:off x="17508906" y="9659383"/>
-            <a:ext cx="464024" cy="369332"/>
-          </a:xfrm>
-          <a:prstGeom prst="rect">
-            <a:avLst/>
-          </a:prstGeom>
-          <a:noFill/>
-        </p:spPr>
-        <p:txBody>
-          <a:bodyPr wrap="square" rtlCol="0">
-            <a:spAutoFit/>
-          </a:bodyPr>
-          <a:lstStyle/>
-          <a:p>
+            <a:pPr algn="ctr"/>
             <a:r>
               <a:rPr lang="en-US" dirty="0"/>
-              <a:t>10</a:t>
+              <a:t>Well, you need container orchestration system like Kubernetes.</a:t>
             </a:r>
           </a:p>
         </p:txBody>
@@ -11935,7 +11691,7 @@
     </p:spTree>
     <p:extLst>
       <p:ext uri="{BB962C8B-B14F-4D97-AF65-F5344CB8AC3E}">
-        <p14:creationId xmlns:p14="http://schemas.microsoft.com/office/powerpoint/2010/main" val="889136484"/>
+        <p14:creationId xmlns:p14="http://schemas.microsoft.com/office/powerpoint/2010/main" val="956246918"/>
       </p:ext>
     </p:extLst>
   </p:cSld>
@@ -11984,155 +11740,31 @@
           <a:lstStyle/>
           <a:p>
             <a:r>
-              <a:rPr lang="en-US" dirty="0"/>
-              <a:t>Q&amp;A: story</a:t>
-            </a:r>
-            <a:endParaRPr lang="en-RU" dirty="0"/>
-          </a:p>
-        </p:txBody>
-      </p:sp>
-      <p:sp>
-        <p:nvSpPr>
-          <p:cNvPr id="2" name="TextBox 1">
-            <a:extLst>
-              <a:ext uri="{FF2B5EF4-FFF2-40B4-BE49-F238E27FC236}">
-                <a16:creationId xmlns:a16="http://schemas.microsoft.com/office/drawing/2014/main" id="{AA4ACA97-5B52-34DD-BDB2-C2C151A36505}"/>
-              </a:ext>
-            </a:extLst>
-          </p:cNvPr>
-          <p:cNvSpPr txBox="1"/>
-          <p:nvPr/>
-        </p:nvSpPr>
-        <p:spPr>
-          <a:xfrm>
-            <a:off x="10654302" y="1111118"/>
-            <a:ext cx="3513762" cy="646331"/>
-          </a:xfrm>
-          <a:prstGeom prst="rect">
-            <a:avLst/>
-          </a:prstGeom>
-          <a:noFill/>
-        </p:spPr>
-        <p:txBody>
-          <a:bodyPr wrap="square" rtlCol="0">
-            <a:spAutoFit/>
-          </a:bodyPr>
-          <a:lstStyle/>
-          <a:p>
-            <a:r>
-              <a:rPr lang="en-US" dirty="0"/>
-              <a:t>WHY do we need this?</a:t>
-            </a:r>
-          </a:p>
-          <a:p>
-            <a:r>
-              <a:rPr lang="en-US" dirty="0"/>
-              <a:t>To see </a:t>
-            </a:r>
-            <a:r>
-              <a:rPr lang="en-US" dirty="0" err="1"/>
-              <a:t>usecases</a:t>
-            </a:r>
-            <a:r>
-              <a:rPr lang="en-US" dirty="0"/>
-              <a:t>.</a:t>
-            </a:r>
-          </a:p>
-        </p:txBody>
-      </p:sp>
-      <p:sp>
-        <p:nvSpPr>
-          <p:cNvPr id="4" name="TextBox 3">
-            <a:extLst>
-              <a:ext uri="{FF2B5EF4-FFF2-40B4-BE49-F238E27FC236}">
-                <a16:creationId xmlns:a16="http://schemas.microsoft.com/office/drawing/2014/main" id="{95BAC16E-7ACC-94DF-5B4C-368367FB7A4D}"/>
-              </a:ext>
-            </a:extLst>
-          </p:cNvPr>
-          <p:cNvSpPr txBox="1"/>
-          <p:nvPr/>
-        </p:nvSpPr>
-        <p:spPr>
-          <a:xfrm>
-            <a:off x="17508906" y="9659383"/>
-            <a:ext cx="464024" cy="369332"/>
-          </a:xfrm>
-          <a:prstGeom prst="rect">
-            <a:avLst/>
-          </a:prstGeom>
-          <a:noFill/>
-        </p:spPr>
-        <p:txBody>
-          <a:bodyPr wrap="square" rtlCol="0">
-            <a:spAutoFit/>
-          </a:bodyPr>
-          <a:lstStyle/>
-          <a:p>
-            <a:r>
-              <a:rPr lang="en-US" dirty="0"/>
-              <a:t>11</a:t>
-            </a:r>
-          </a:p>
-        </p:txBody>
-      </p:sp>
-      <p:sp>
-        <p:nvSpPr>
-          <p:cNvPr id="6" name="Thought Bubble: Cloud 5">
-            <a:extLst>
-              <a:ext uri="{FF2B5EF4-FFF2-40B4-BE49-F238E27FC236}">
-                <a16:creationId xmlns:a16="http://schemas.microsoft.com/office/drawing/2014/main" id="{CE76AC75-F0A2-D695-3545-2D4B565B01CF}"/>
-              </a:ext>
-            </a:extLst>
-          </p:cNvPr>
-          <p:cNvSpPr/>
-          <p:nvPr/>
-        </p:nvSpPr>
-        <p:spPr>
-          <a:xfrm>
-            <a:off x="3275462" y="3671247"/>
-            <a:ext cx="5513696" cy="1922833"/>
-          </a:xfrm>
-          <a:prstGeom prst="cloudCallout">
-            <a:avLst>
-              <a:gd name="adj1" fmla="val -46637"/>
-              <a:gd name="adj2" fmla="val 61080"/>
-            </a:avLst>
-          </a:prstGeom>
-        </p:spPr>
-        <p:style>
-          <a:lnRef idx="2">
-            <a:schemeClr val="accent1">
-              <a:shade val="50000"/>
-            </a:schemeClr>
-          </a:lnRef>
-          <a:fillRef idx="1">
-            <a:schemeClr val="accent1"/>
-          </a:fillRef>
-          <a:effectRef idx="0">
-            <a:schemeClr val="accent1"/>
-          </a:effectRef>
-          <a:fontRef idx="minor">
-            <a:schemeClr val="lt1"/>
-          </a:fontRef>
-        </p:style>
-        <p:txBody>
-          <a:bodyPr rtlCol="0" anchor="ctr"/>
-          <a:lstStyle/>
-          <a:p>
-            <a:pPr algn="ctr"/>
-            <a:r>
-              <a:rPr lang="en-US" dirty="0"/>
-              <a:t>I need to make my online tea-shop frontend scalable and fault-tolerant.</a:t>
-            </a:r>
+              <a:rPr lang="en-US" dirty="0">
+                <a:solidFill>
+                  <a:schemeClr val="accent2">
+                    <a:lumMod val="50000"/>
+                  </a:schemeClr>
+                </a:solidFill>
+              </a:rPr>
+              <a:t>Pods</a:t>
+            </a:r>
+            <a:endParaRPr lang="en-RU" dirty="0">
+              <a:solidFill>
+                <a:schemeClr val="accent2">
+                  <a:lumMod val="50000"/>
+                </a:schemeClr>
+              </a:solidFill>
+            </a:endParaRPr>
           </a:p>
         </p:txBody>
       </p:sp>
       <p:pic>
         <p:nvPicPr>
-          <p:cNvPr id="8" name="Graphic 7" descr="Female Profile with solid fill">
+          <p:cNvPr id="4" name="Picture 3">
             <a:extLst>
               <a:ext uri="{FF2B5EF4-FFF2-40B4-BE49-F238E27FC236}">
-                <a16:creationId xmlns:a16="http://schemas.microsoft.com/office/drawing/2014/main" id="{5B2BDBD5-5678-202E-FAF3-A0DC4D68E807}"/>
+                <a16:creationId xmlns:a16="http://schemas.microsoft.com/office/drawing/2014/main" id="{1EBC2B00-923A-C683-59B6-861349277516}"/>
               </a:ext>
             </a:extLst>
           </p:cNvPr>
@@ -12147,9 +11779,6 @@
               <a:ext uri="{28A0092B-C50C-407E-A947-70E740481C1C}">
                 <a14:useLocalDpi xmlns:a14="http://schemas.microsoft.com/office/drawing/2010/main" val="0"/>
               </a:ext>
-              <a:ext uri="{96DAC541-7B7A-43D3-8B79-37D633B846F1}">
-                <asvg:svgBlip xmlns:asvg="http://schemas.microsoft.com/office/drawing/2016/SVG/main" r:embed="rId3"/>
-              </a:ext>
             </a:extLst>
           </a:blip>
           <a:stretch>
@@ -12158,8 +11787,8 @@
         </p:blipFill>
         <p:spPr>
           <a:xfrm>
-            <a:off x="866400" y="5396777"/>
-            <a:ext cx="3323230" cy="3323230"/>
+            <a:off x="6312494" y="3069771"/>
+            <a:ext cx="5863908" cy="5840547"/>
           </a:xfrm>
           <a:prstGeom prst="rect">
             <a:avLst/>
@@ -12168,10 +11797,10 @@
       </p:pic>
       <p:sp>
         <p:nvSpPr>
-          <p:cNvPr id="10" name="TextBox 9">
+          <p:cNvPr id="6" name="TextBox 5">
             <a:extLst>
               <a:ext uri="{FF2B5EF4-FFF2-40B4-BE49-F238E27FC236}">
-                <a16:creationId xmlns:a16="http://schemas.microsoft.com/office/drawing/2014/main" id="{AC8232B7-9F05-F8DC-FCC9-582380AC9605}"/>
+                <a16:creationId xmlns:a16="http://schemas.microsoft.com/office/drawing/2014/main" id="{FC1BDF3A-33C9-E0D7-BE04-26E52D86563A}"/>
               </a:ext>
             </a:extLst>
           </p:cNvPr>
@@ -12180,8 +11809,8 @@
         </p:nvSpPr>
         <p:spPr>
           <a:xfrm>
-            <a:off x="2186821" y="8322467"/>
-            <a:ext cx="982638" cy="369332"/>
+            <a:off x="10654302" y="1111118"/>
+            <a:ext cx="3513762" cy="923330"/>
           </a:xfrm>
           <a:prstGeom prst="rect">
             <a:avLst/>
@@ -12195,57 +11824,36 @@
           <a:lstStyle/>
           <a:p>
             <a:r>
-              <a:rPr lang="en-US" dirty="0"/>
-              <a:t>Alice</a:t>
-            </a:r>
-          </a:p>
-        </p:txBody>
-      </p:sp>
-      <p:pic>
-        <p:nvPicPr>
-          <p:cNvPr id="12" name="Graphic 11" descr="Male profile with solid fill">
+              <a:rPr lang="en-US" dirty="0">
+                <a:solidFill>
+                  <a:schemeClr val="accent2">
+                    <a:lumMod val="50000"/>
+                  </a:schemeClr>
+                </a:solidFill>
+              </a:rPr>
+              <a:t>WHY do we need this?</a:t>
+            </a:r>
+          </a:p>
+          <a:p>
+            <a:r>
+              <a:rPr lang="en-US" dirty="0">
+                <a:solidFill>
+                  <a:schemeClr val="accent2">
+                    <a:lumMod val="50000"/>
+                  </a:schemeClr>
+                </a:solidFill>
+              </a:rPr>
+              <a:t>To configure and run docker container in an efficient way.</a:t>
+            </a:r>
+          </a:p>
+        </p:txBody>
+      </p:sp>
+      <p:sp>
+        <p:nvSpPr>
+          <p:cNvPr id="2" name="TextBox 1">
             <a:extLst>
               <a:ext uri="{FF2B5EF4-FFF2-40B4-BE49-F238E27FC236}">
-                <a16:creationId xmlns:a16="http://schemas.microsoft.com/office/drawing/2014/main" id="{E3414CCD-FACA-7861-4640-298E63FF41AD}"/>
-              </a:ext>
-            </a:extLst>
-          </p:cNvPr>
-          <p:cNvPicPr>
-            <a:picLocks noChangeAspect="1"/>
-          </p:cNvPicPr>
-          <p:nvPr/>
-        </p:nvPicPr>
-        <p:blipFill>
-          <a:blip r:embed="rId4">
-            <a:extLst>
-              <a:ext uri="{28A0092B-C50C-407E-A947-70E740481C1C}">
-                <a14:useLocalDpi xmlns:a14="http://schemas.microsoft.com/office/drawing/2010/main" val="0"/>
-              </a:ext>
-              <a:ext uri="{96DAC541-7B7A-43D3-8B79-37D633B846F1}">
-                <asvg:svgBlip xmlns:asvg="http://schemas.microsoft.com/office/drawing/2016/SVG/main" r:embed="rId5"/>
-              </a:ext>
-            </a:extLst>
-          </a:blip>
-          <a:stretch>
-            <a:fillRect/>
-          </a:stretch>
-        </p:blipFill>
-        <p:spPr>
-          <a:xfrm>
-            <a:off x="9144000" y="5368569"/>
-            <a:ext cx="3323230" cy="3323230"/>
-          </a:xfrm>
-          <a:prstGeom prst="rect">
-            <a:avLst/>
-          </a:prstGeom>
-        </p:spPr>
-      </p:pic>
-      <p:sp>
-        <p:nvSpPr>
-          <p:cNvPr id="13" name="TextBox 12">
-            <a:extLst>
-              <a:ext uri="{FF2B5EF4-FFF2-40B4-BE49-F238E27FC236}">
-                <a16:creationId xmlns:a16="http://schemas.microsoft.com/office/drawing/2014/main" id="{BD2861F6-C4E6-1ACF-9372-B7F2496D4888}"/>
+                <a16:creationId xmlns:a16="http://schemas.microsoft.com/office/drawing/2014/main" id="{933B8E0B-BB38-E855-19CC-4E3AB6764EAC}"/>
               </a:ext>
             </a:extLst>
           </p:cNvPr>
@@ -12254,8 +11862,8 @@
         </p:nvSpPr>
         <p:spPr>
           <a:xfrm>
-            <a:off x="10490115" y="8322467"/>
-            <a:ext cx="982638" cy="369332"/>
+            <a:off x="17508906" y="9659383"/>
+            <a:ext cx="464024" cy="369332"/>
           </a:xfrm>
           <a:prstGeom prst="rect">
             <a:avLst/>
@@ -12269,60 +11877,14 @@
           <a:lstStyle/>
           <a:p>
             <a:r>
-              <a:rPr lang="en-US" dirty="0"/>
-              <a:t>Bob</a:t>
-            </a:r>
-          </a:p>
-        </p:txBody>
-      </p:sp>
-      <p:sp>
-        <p:nvSpPr>
-          <p:cNvPr id="15" name="Speech Bubble: Oval 14">
-            <a:extLst>
-              <a:ext uri="{FF2B5EF4-FFF2-40B4-BE49-F238E27FC236}">
-                <a16:creationId xmlns:a16="http://schemas.microsoft.com/office/drawing/2014/main" id="{B061D5B1-80BC-F4FB-3898-021F7B395B84}"/>
-              </a:ext>
-            </a:extLst>
-          </p:cNvPr>
-          <p:cNvSpPr/>
-          <p:nvPr/>
-        </p:nvSpPr>
-        <p:spPr>
-          <a:xfrm>
-            <a:off x="11198220" y="3671247"/>
-            <a:ext cx="5513696" cy="1786355"/>
-          </a:xfrm>
-          <a:prstGeom prst="wedgeEllipseCallout">
-            <a:avLst>
-              <a:gd name="adj1" fmla="val -44188"/>
-              <a:gd name="adj2" fmla="val 65122"/>
-            </a:avLst>
-          </a:prstGeom>
-        </p:spPr>
-        <p:style>
-          <a:lnRef idx="2">
-            <a:schemeClr val="accent1">
-              <a:shade val="50000"/>
-            </a:schemeClr>
-          </a:lnRef>
-          <a:fillRef idx="1">
-            <a:schemeClr val="accent1"/>
-          </a:fillRef>
-          <a:effectRef idx="0">
-            <a:schemeClr val="accent1"/>
-          </a:effectRef>
-          <a:fontRef idx="minor">
-            <a:schemeClr val="lt1"/>
-          </a:fontRef>
-        </p:style>
-        <p:txBody>
-          <a:bodyPr rtlCol="0" anchor="ctr"/>
-          <a:lstStyle/>
-          <a:p>
-            <a:pPr algn="ctr"/>
-            <a:r>
-              <a:rPr lang="en-US" dirty="0"/>
-              <a:t>Try using deployment: it is ideal for this.</a:t>
+              <a:rPr lang="en-US" dirty="0">
+                <a:solidFill>
+                  <a:schemeClr val="accent2">
+                    <a:lumMod val="50000"/>
+                  </a:schemeClr>
+                </a:solidFill>
+              </a:rPr>
+              <a:t>11</a:t>
             </a:r>
           </a:p>
         </p:txBody>
@@ -12330,7 +11892,7 @@
     </p:spTree>
     <p:extLst>
       <p:ext uri="{BB962C8B-B14F-4D97-AF65-F5344CB8AC3E}">
-        <p14:creationId xmlns:p14="http://schemas.microsoft.com/office/powerpoint/2010/main" val="3537139668"/>
+        <p14:creationId xmlns:p14="http://schemas.microsoft.com/office/powerpoint/2010/main" val="3483448441"/>
       </p:ext>
     </p:extLst>
   </p:cSld>
@@ -12379,19 +11941,31 @@
           <a:lstStyle/>
           <a:p>
             <a:r>
-              <a:rPr lang="en-US" dirty="0"/>
-              <a:t>Service</a:t>
-            </a:r>
-            <a:endParaRPr lang="en-RU" dirty="0"/>
+              <a:rPr lang="en-US" dirty="0">
+                <a:solidFill>
+                  <a:schemeClr val="accent2">
+                    <a:lumMod val="50000"/>
+                  </a:schemeClr>
+                </a:solidFill>
+              </a:rPr>
+              <a:t>Deployment</a:t>
+            </a:r>
+            <a:endParaRPr lang="en-RU" dirty="0">
+              <a:solidFill>
+                <a:schemeClr val="accent2">
+                  <a:lumMod val="50000"/>
+                </a:schemeClr>
+              </a:solidFill>
+            </a:endParaRPr>
           </a:p>
         </p:txBody>
       </p:sp>
       <p:pic>
         <p:nvPicPr>
-          <p:cNvPr id="11" name="Picture 10">
+          <p:cNvPr id="2" name="Picture 1">
             <a:extLst>
               <a:ext uri="{FF2B5EF4-FFF2-40B4-BE49-F238E27FC236}">
-                <a16:creationId xmlns:a16="http://schemas.microsoft.com/office/drawing/2014/main" id="{191EC296-81C2-AAEE-1938-5C2F2F50270E}"/>
+                <a16:creationId xmlns:a16="http://schemas.microsoft.com/office/drawing/2014/main" id="{2A456C20-ECCF-C086-1082-362B6BEE2682}"/>
               </a:ext>
             </a:extLst>
           </p:cNvPr>
@@ -12414,8 +11988,8 @@
         </p:blipFill>
         <p:spPr>
           <a:xfrm>
-            <a:off x="5742305" y="2678677"/>
-            <a:ext cx="6803389" cy="5844838"/>
+            <a:off x="2704387" y="2774751"/>
+            <a:ext cx="12879226" cy="6366017"/>
           </a:xfrm>
           <a:prstGeom prst="rect">
             <a:avLst/>
@@ -12424,10 +11998,10 @@
       </p:pic>
       <p:sp>
         <p:nvSpPr>
-          <p:cNvPr id="12" name="TextBox 11">
+          <p:cNvPr id="4" name="TextBox 3">
             <a:extLst>
               <a:ext uri="{FF2B5EF4-FFF2-40B4-BE49-F238E27FC236}">
-                <a16:creationId xmlns:a16="http://schemas.microsoft.com/office/drawing/2014/main" id="{CB93B126-DD85-A37F-92D9-AB20DC5081F2}"/>
+                <a16:creationId xmlns:a16="http://schemas.microsoft.com/office/drawing/2014/main" id="{A518D08B-AF5A-728E-A98D-4E1C5FEE9B11}"/>
               </a:ext>
             </a:extLst>
           </p:cNvPr>
@@ -12437,7 +12011,7 @@
         <p:spPr>
           <a:xfrm>
             <a:off x="10654302" y="1111118"/>
-            <a:ext cx="3513762" cy="646331"/>
+            <a:ext cx="3513762" cy="923330"/>
           </a:xfrm>
           <a:prstGeom prst="rect">
             <a:avLst/>
@@ -12451,32 +12025,36 @@
           <a:lstStyle/>
           <a:p>
             <a:r>
-              <a:rPr lang="en-US" dirty="0"/>
+              <a:rPr lang="en-US" dirty="0">
+                <a:solidFill>
+                  <a:schemeClr val="accent2">
+                    <a:lumMod val="50000"/>
+                  </a:schemeClr>
+                </a:solidFill>
+              </a:rPr>
               <a:t>WHY do we need this?</a:t>
             </a:r>
           </a:p>
           <a:p>
             <a:r>
-              <a:rPr lang="en-US" dirty="0"/>
-              <a:t>To </a:t>
-            </a:r>
-            <a:r>
-              <a:rPr lang="en-US" dirty="0" err="1"/>
-              <a:t>loadbalance</a:t>
-            </a:r>
-            <a:r>
-              <a:rPr lang="en-US" dirty="0"/>
-              <a:t> traffic across pods.</a:t>
-            </a:r>
-          </a:p>
-        </p:txBody>
-      </p:sp>
-      <p:sp>
-        <p:nvSpPr>
-          <p:cNvPr id="2" name="TextBox 1">
+              <a:rPr lang="en-US" dirty="0">
+                <a:solidFill>
+                  <a:schemeClr val="accent2">
+                    <a:lumMod val="50000"/>
+                  </a:schemeClr>
+                </a:solidFill>
+              </a:rPr>
+              <a:t>To make pods scalable and fault-tolerant.</a:t>
+            </a:r>
+          </a:p>
+        </p:txBody>
+      </p:sp>
+      <p:sp>
+        <p:nvSpPr>
+          <p:cNvPr id="5" name="TextBox 4">
             <a:extLst>
               <a:ext uri="{FF2B5EF4-FFF2-40B4-BE49-F238E27FC236}">
-                <a16:creationId xmlns:a16="http://schemas.microsoft.com/office/drawing/2014/main" id="{F4B1668F-FF45-7F4F-1E8E-9BC6FD7566ED}"/>
+                <a16:creationId xmlns:a16="http://schemas.microsoft.com/office/drawing/2014/main" id="{9B2B8B01-2911-4280-51C4-8F2D3E831A35}"/>
               </a:ext>
             </a:extLst>
           </p:cNvPr>
@@ -12500,7 +12078,13 @@
           <a:lstStyle/>
           <a:p>
             <a:r>
-              <a:rPr lang="en-US" dirty="0"/>
+              <a:rPr lang="en-US" dirty="0">
+                <a:solidFill>
+                  <a:schemeClr val="accent2">
+                    <a:lumMod val="50000"/>
+                  </a:schemeClr>
+                </a:solidFill>
+              </a:rPr>
               <a:t>12</a:t>
             </a:r>
           </a:p>
@@ -12509,7 +12093,7 @@
     </p:spTree>
     <p:extLst>
       <p:ext uri="{BB962C8B-B14F-4D97-AF65-F5344CB8AC3E}">
-        <p14:creationId xmlns:p14="http://schemas.microsoft.com/office/powerpoint/2010/main" val="3320755889"/>
+        <p14:creationId xmlns:p14="http://schemas.microsoft.com/office/powerpoint/2010/main" val="1009337504"/>
       </p:ext>
     </p:extLst>
   </p:cSld>
@@ -12538,6 +12122,94 @@
       </p:grpSpPr>
       <p:sp>
         <p:nvSpPr>
+          <p:cNvPr id="9" name="Rectangle: Rounded Corners 8">
+            <a:extLst>
+              <a:ext uri="{FF2B5EF4-FFF2-40B4-BE49-F238E27FC236}">
+                <a16:creationId xmlns:a16="http://schemas.microsoft.com/office/drawing/2014/main" id="{3D0FA04C-1B7D-D64D-7A42-646D8B31C999}"/>
+              </a:ext>
+            </a:extLst>
+          </p:cNvPr>
+          <p:cNvSpPr/>
+          <p:nvPr/>
+        </p:nvSpPr>
+        <p:spPr>
+          <a:xfrm>
+            <a:off x="5340680" y="3166720"/>
+            <a:ext cx="4967771" cy="3084341"/>
+          </a:xfrm>
+          <a:prstGeom prst="roundRect">
+            <a:avLst/>
+          </a:prstGeom>
+        </p:spPr>
+        <p:style>
+          <a:lnRef idx="1">
+            <a:schemeClr val="accent2"/>
+          </a:lnRef>
+          <a:fillRef idx="2">
+            <a:schemeClr val="accent2"/>
+          </a:fillRef>
+          <a:effectRef idx="1">
+            <a:schemeClr val="accent2"/>
+          </a:effectRef>
+          <a:fontRef idx="minor">
+            <a:schemeClr val="dk1"/>
+          </a:fontRef>
+        </p:style>
+        <p:txBody>
+          <a:bodyPr rtlCol="0" anchor="ctr"/>
+          <a:lstStyle/>
+          <a:p>
+            <a:pPr algn="ctr"/>
+            <a:endParaRPr lang="en-US"/>
+          </a:p>
+        </p:txBody>
+      </p:sp>
+      <p:sp>
+        <p:nvSpPr>
+          <p:cNvPr id="10" name="Rectangle: Rounded Corners 9">
+            <a:extLst>
+              <a:ext uri="{FF2B5EF4-FFF2-40B4-BE49-F238E27FC236}">
+                <a16:creationId xmlns:a16="http://schemas.microsoft.com/office/drawing/2014/main" id="{B019233B-51F5-1748-FE75-C4C57FB6D075}"/>
+              </a:ext>
+            </a:extLst>
+          </p:cNvPr>
+          <p:cNvSpPr/>
+          <p:nvPr/>
+        </p:nvSpPr>
+        <p:spPr>
+          <a:xfrm>
+            <a:off x="1429184" y="6182466"/>
+            <a:ext cx="4967771" cy="3084341"/>
+          </a:xfrm>
+          <a:prstGeom prst="roundRect">
+            <a:avLst/>
+          </a:prstGeom>
+        </p:spPr>
+        <p:style>
+          <a:lnRef idx="1">
+            <a:schemeClr val="accent5"/>
+          </a:lnRef>
+          <a:fillRef idx="2">
+            <a:schemeClr val="accent5"/>
+          </a:fillRef>
+          <a:effectRef idx="1">
+            <a:schemeClr val="accent5"/>
+          </a:effectRef>
+          <a:fontRef idx="minor">
+            <a:schemeClr val="dk1"/>
+          </a:fontRef>
+        </p:style>
+        <p:txBody>
+          <a:bodyPr rtlCol="0" anchor="ctr"/>
+          <a:lstStyle/>
+          <a:p>
+            <a:pPr algn="ctr"/>
+            <a:endParaRPr lang="en-US"/>
+          </a:p>
+        </p:txBody>
+      </p:sp>
+      <p:sp>
+        <p:nvSpPr>
           <p:cNvPr id="3" name="Title 2">
             <a:extLst>
               <a:ext uri="{FF2B5EF4-FFF2-40B4-BE49-F238E27FC236}">
@@ -12558,19 +12230,31 @@
           <a:lstStyle/>
           <a:p>
             <a:r>
-              <a:rPr lang="en-US" dirty="0"/>
-              <a:t>Service exposing</a:t>
-            </a:r>
-            <a:endParaRPr lang="en-RU" dirty="0"/>
-          </a:p>
-        </p:txBody>
-      </p:sp>
-      <p:sp>
-        <p:nvSpPr>
-          <p:cNvPr id="12" name="TextBox 11">
+              <a:rPr lang="en-US" dirty="0">
+                <a:solidFill>
+                  <a:schemeClr val="accent2">
+                    <a:lumMod val="50000"/>
+                  </a:schemeClr>
+                </a:solidFill>
+              </a:rPr>
+              <a:t>Deployment Affinity</a:t>
+            </a:r>
+            <a:endParaRPr lang="en-RU" dirty="0">
+              <a:solidFill>
+                <a:schemeClr val="accent2">
+                  <a:lumMod val="50000"/>
+                </a:schemeClr>
+              </a:solidFill>
+            </a:endParaRPr>
+          </a:p>
+        </p:txBody>
+      </p:sp>
+      <p:sp>
+        <p:nvSpPr>
+          <p:cNvPr id="4" name="TextBox 3">
             <a:extLst>
               <a:ext uri="{FF2B5EF4-FFF2-40B4-BE49-F238E27FC236}">
-                <a16:creationId xmlns:a16="http://schemas.microsoft.com/office/drawing/2014/main" id="{CB93B126-DD85-A37F-92D9-AB20DC5081F2}"/>
+                <a16:creationId xmlns:a16="http://schemas.microsoft.com/office/drawing/2014/main" id="{A518D08B-AF5A-728E-A98D-4E1C5FEE9B11}"/>
               </a:ext>
             </a:extLst>
           </p:cNvPr>
@@ -12594,60 +12278,36 @@
           <a:lstStyle/>
           <a:p>
             <a:r>
-              <a:rPr lang="en-US" dirty="0"/>
+              <a:rPr lang="en-US" dirty="0">
+                <a:solidFill>
+                  <a:schemeClr val="accent2">
+                    <a:lumMod val="50000"/>
+                  </a:schemeClr>
+                </a:solidFill>
+              </a:rPr>
               <a:t>WHY do we need this?</a:t>
             </a:r>
           </a:p>
           <a:p>
             <a:r>
-              <a:rPr lang="en-US" dirty="0"/>
-              <a:t>To make service accessible from outside.</a:t>
-            </a:r>
-          </a:p>
-        </p:txBody>
-      </p:sp>
-      <p:pic>
-        <p:nvPicPr>
-          <p:cNvPr id="6" name="Picture 5">
+              <a:rPr lang="en-US" dirty="0">
+                <a:solidFill>
+                  <a:schemeClr val="accent2">
+                    <a:lumMod val="50000"/>
+                  </a:schemeClr>
+                </a:solidFill>
+              </a:rPr>
+              <a:t>To manage scheduling process for pods.</a:t>
+            </a:r>
+          </a:p>
+        </p:txBody>
+      </p:sp>
+      <p:sp>
+        <p:nvSpPr>
+          <p:cNvPr id="5" name="TextBox 4">
             <a:extLst>
               <a:ext uri="{FF2B5EF4-FFF2-40B4-BE49-F238E27FC236}">
-                <a16:creationId xmlns:a16="http://schemas.microsoft.com/office/drawing/2014/main" id="{A6009A1D-92F4-DFF2-4394-E8FE6F13B704}"/>
-              </a:ext>
-            </a:extLst>
-          </p:cNvPr>
-          <p:cNvPicPr>
-            <a:picLocks noChangeAspect="1"/>
-          </p:cNvPicPr>
-          <p:nvPr/>
-        </p:nvPicPr>
-        <p:blipFill>
-          <a:blip r:embed="rId2">
-            <a:extLst>
-              <a:ext uri="{28A0092B-C50C-407E-A947-70E740481C1C}">
-                <a14:useLocalDpi xmlns:a14="http://schemas.microsoft.com/office/drawing/2010/main" val="0"/>
-              </a:ext>
-            </a:extLst>
-          </a:blip>
-          <a:stretch>
-            <a:fillRect/>
-          </a:stretch>
-        </p:blipFill>
-        <p:spPr>
-          <a:xfrm>
-            <a:off x="5510608" y="3074988"/>
-            <a:ext cx="6065780" cy="6065780"/>
-          </a:xfrm>
-          <a:prstGeom prst="rect">
-            <a:avLst/>
-          </a:prstGeom>
-        </p:spPr>
-      </p:pic>
-      <p:sp>
-        <p:nvSpPr>
-          <p:cNvPr id="2" name="TextBox 1">
-            <a:extLst>
-              <a:ext uri="{FF2B5EF4-FFF2-40B4-BE49-F238E27FC236}">
-                <a16:creationId xmlns:a16="http://schemas.microsoft.com/office/drawing/2014/main" id="{03DB367D-67BE-586D-C466-8D625C2EBE28}"/>
+                <a16:creationId xmlns:a16="http://schemas.microsoft.com/office/drawing/2014/main" id="{BCEB8746-5508-172E-2CE7-B76A14ACFCF9}"/>
               </a:ext>
             </a:extLst>
           </p:cNvPr>
@@ -12656,8 +12316,8 @@
         </p:nvSpPr>
         <p:spPr>
           <a:xfrm>
-            <a:off x="17508906" y="9659383"/>
-            <a:ext cx="464024" cy="369332"/>
+            <a:off x="6810177" y="3864748"/>
+            <a:ext cx="2449286" cy="707886"/>
           </a:xfrm>
           <a:prstGeom prst="rect">
             <a:avLst/>
@@ -12671,12 +12331,721 @@
           <a:lstStyle/>
           <a:p>
             <a:r>
-              <a:rPr lang="ru-RU" dirty="0"/>
-              <a:t>1</a:t>
-            </a:r>
-            <a:r>
-              <a:rPr lang="en-US" dirty="0"/>
-              <a:t>3</a:t>
+              <a:rPr lang="en-US" sz="4000" dirty="0">
+                <a:solidFill>
+                  <a:schemeClr val="accent2">
+                    <a:lumMod val="50000"/>
+                  </a:schemeClr>
+                </a:solidFill>
+              </a:rPr>
+              <a:t>Affinities</a:t>
+            </a:r>
+          </a:p>
+        </p:txBody>
+      </p:sp>
+      <p:sp>
+        <p:nvSpPr>
+          <p:cNvPr id="6" name="TextBox 5">
+            <a:extLst>
+              <a:ext uri="{FF2B5EF4-FFF2-40B4-BE49-F238E27FC236}">
+                <a16:creationId xmlns:a16="http://schemas.microsoft.com/office/drawing/2014/main" id="{D2AF39E9-08E3-BD7F-C631-700DC8D1C1B2}"/>
+              </a:ext>
+            </a:extLst>
+          </p:cNvPr>
+          <p:cNvSpPr txBox="1"/>
+          <p:nvPr/>
+        </p:nvSpPr>
+        <p:spPr>
+          <a:xfrm>
+            <a:off x="5868562" y="5053383"/>
+            <a:ext cx="2449286" cy="584775"/>
+          </a:xfrm>
+          <a:prstGeom prst="rect">
+            <a:avLst/>
+          </a:prstGeom>
+          <a:noFill/>
+        </p:spPr>
+        <p:txBody>
+          <a:bodyPr wrap="square" rtlCol="0">
+            <a:spAutoFit/>
+          </a:bodyPr>
+          <a:lstStyle/>
+          <a:p>
+            <a:r>
+              <a:rPr lang="en-US" sz="3200" dirty="0">
+                <a:solidFill>
+                  <a:schemeClr val="accent2">
+                    <a:lumMod val="50000"/>
+                  </a:schemeClr>
+                </a:solidFill>
+              </a:rPr>
+              <a:t>Node</a:t>
+            </a:r>
+          </a:p>
+        </p:txBody>
+      </p:sp>
+      <p:sp>
+        <p:nvSpPr>
+          <p:cNvPr id="7" name="TextBox 6">
+            <a:extLst>
+              <a:ext uri="{FF2B5EF4-FFF2-40B4-BE49-F238E27FC236}">
+                <a16:creationId xmlns:a16="http://schemas.microsoft.com/office/drawing/2014/main" id="{73BFF6E4-D757-7AD4-6771-E0277B4AD725}"/>
+              </a:ext>
+            </a:extLst>
+          </p:cNvPr>
+          <p:cNvSpPr txBox="1"/>
+          <p:nvPr/>
+        </p:nvSpPr>
+        <p:spPr>
+          <a:xfrm>
+            <a:off x="8852717" y="5053382"/>
+            <a:ext cx="2449286" cy="584775"/>
+          </a:xfrm>
+          <a:prstGeom prst="rect">
+            <a:avLst/>
+          </a:prstGeom>
+          <a:noFill/>
+        </p:spPr>
+        <p:txBody>
+          <a:bodyPr wrap="square" rtlCol="0">
+            <a:spAutoFit/>
+          </a:bodyPr>
+          <a:lstStyle/>
+          <a:p>
+            <a:r>
+              <a:rPr lang="en-US" sz="3200" dirty="0">
+                <a:solidFill>
+                  <a:schemeClr val="accent2">
+                    <a:lumMod val="50000"/>
+                  </a:schemeClr>
+                </a:solidFill>
+              </a:rPr>
+              <a:t>Pod</a:t>
+            </a:r>
+          </a:p>
+        </p:txBody>
+      </p:sp>
+      <p:cxnSp>
+        <p:nvCxnSpPr>
+          <p:cNvPr id="13" name="Straight Arrow Connector 12">
+            <a:extLst>
+              <a:ext uri="{FF2B5EF4-FFF2-40B4-BE49-F238E27FC236}">
+                <a16:creationId xmlns:a16="http://schemas.microsoft.com/office/drawing/2014/main" id="{27108E6B-113D-3397-065A-3F812ED31274}"/>
+              </a:ext>
+            </a:extLst>
+          </p:cNvPr>
+          <p:cNvCxnSpPr>
+            <a:cxnSpLocks/>
+          </p:cNvCxnSpPr>
+          <p:nvPr/>
+        </p:nvCxnSpPr>
+        <p:spPr>
+          <a:xfrm flipH="1">
+            <a:off x="6516263" y="4572634"/>
+            <a:ext cx="1030877" cy="480748"/>
+          </a:xfrm>
+          <a:prstGeom prst="straightConnector1">
+            <a:avLst/>
+          </a:prstGeom>
+          <a:ln w="28575">
+            <a:solidFill>
+              <a:schemeClr val="accent2">
+                <a:lumMod val="50000"/>
+              </a:schemeClr>
+            </a:solidFill>
+            <a:tailEnd type="triangle"/>
+          </a:ln>
+        </p:spPr>
+        <p:style>
+          <a:lnRef idx="1">
+            <a:schemeClr val="dk1"/>
+          </a:lnRef>
+          <a:fillRef idx="0">
+            <a:schemeClr val="dk1"/>
+          </a:fillRef>
+          <a:effectRef idx="0">
+            <a:schemeClr val="dk1"/>
+          </a:effectRef>
+          <a:fontRef idx="minor">
+            <a:schemeClr val="tx1"/>
+          </a:fontRef>
+        </p:style>
+      </p:cxnSp>
+      <p:cxnSp>
+        <p:nvCxnSpPr>
+          <p:cNvPr id="15" name="Straight Arrow Connector 14">
+            <a:extLst>
+              <a:ext uri="{FF2B5EF4-FFF2-40B4-BE49-F238E27FC236}">
+                <a16:creationId xmlns:a16="http://schemas.microsoft.com/office/drawing/2014/main" id="{77599BD0-206B-BE62-C874-CE0D16F2C4E3}"/>
+              </a:ext>
+            </a:extLst>
+          </p:cNvPr>
+          <p:cNvCxnSpPr>
+            <a:cxnSpLocks/>
+            <a:stCxn id="5" idx="2"/>
+          </p:cNvCxnSpPr>
+          <p:nvPr/>
+        </p:nvCxnSpPr>
+        <p:spPr>
+          <a:xfrm>
+            <a:off x="8034820" y="4572634"/>
+            <a:ext cx="1224643" cy="480748"/>
+          </a:xfrm>
+          <a:prstGeom prst="straightConnector1">
+            <a:avLst/>
+          </a:prstGeom>
+          <a:ln w="28575">
+            <a:solidFill>
+              <a:schemeClr val="accent2">
+                <a:lumMod val="50000"/>
+              </a:schemeClr>
+            </a:solidFill>
+            <a:tailEnd type="triangle"/>
+          </a:ln>
+        </p:spPr>
+        <p:style>
+          <a:lnRef idx="1">
+            <a:schemeClr val="dk1"/>
+          </a:lnRef>
+          <a:fillRef idx="0">
+            <a:schemeClr val="dk1"/>
+          </a:fillRef>
+          <a:effectRef idx="0">
+            <a:schemeClr val="dk1"/>
+          </a:effectRef>
+          <a:fontRef idx="minor">
+            <a:schemeClr val="tx1"/>
+          </a:fontRef>
+        </p:style>
+      </p:cxnSp>
+      <p:sp>
+        <p:nvSpPr>
+          <p:cNvPr id="8" name="Rectangle: Rounded Corners 7">
+            <a:extLst>
+              <a:ext uri="{FF2B5EF4-FFF2-40B4-BE49-F238E27FC236}">
+                <a16:creationId xmlns:a16="http://schemas.microsoft.com/office/drawing/2014/main" id="{FDF4DF8D-776F-CD55-FFE3-BAA7BB8A6799}"/>
+              </a:ext>
+            </a:extLst>
+          </p:cNvPr>
+          <p:cNvSpPr/>
+          <p:nvPr/>
+        </p:nvSpPr>
+        <p:spPr>
+          <a:xfrm>
+            <a:off x="10336674" y="6251061"/>
+            <a:ext cx="4967771" cy="3084341"/>
+          </a:xfrm>
+          <a:prstGeom prst="roundRect">
+            <a:avLst/>
+          </a:prstGeom>
+        </p:spPr>
+        <p:style>
+          <a:lnRef idx="1">
+            <a:schemeClr val="accent3"/>
+          </a:lnRef>
+          <a:fillRef idx="2">
+            <a:schemeClr val="accent3"/>
+          </a:fillRef>
+          <a:effectRef idx="1">
+            <a:schemeClr val="accent3"/>
+          </a:effectRef>
+          <a:fontRef idx="minor">
+            <a:schemeClr val="dk1"/>
+          </a:fontRef>
+        </p:style>
+        <p:txBody>
+          <a:bodyPr rtlCol="0" anchor="ctr"/>
+          <a:lstStyle/>
+          <a:p>
+            <a:pPr algn="ctr"/>
+            <a:endParaRPr lang="en-US"/>
+          </a:p>
+        </p:txBody>
+      </p:sp>
+      <p:sp>
+        <p:nvSpPr>
+          <p:cNvPr id="18" name="TextBox 17">
+            <a:extLst>
+              <a:ext uri="{FF2B5EF4-FFF2-40B4-BE49-F238E27FC236}">
+                <a16:creationId xmlns:a16="http://schemas.microsoft.com/office/drawing/2014/main" id="{ADF5A837-ED60-3094-DF12-46E20834638F}"/>
+              </a:ext>
+            </a:extLst>
+          </p:cNvPr>
+          <p:cNvSpPr txBox="1"/>
+          <p:nvPr/>
+        </p:nvSpPr>
+        <p:spPr>
+          <a:xfrm>
+            <a:off x="2405399" y="6844972"/>
+            <a:ext cx="2449286" cy="707886"/>
+          </a:xfrm>
+          <a:prstGeom prst="rect">
+            <a:avLst/>
+          </a:prstGeom>
+          <a:noFill/>
+        </p:spPr>
+        <p:txBody>
+          <a:bodyPr wrap="square" rtlCol="0">
+            <a:spAutoFit/>
+          </a:bodyPr>
+          <a:lstStyle/>
+          <a:p>
+            <a:r>
+              <a:rPr lang="en-US" sz="4000" dirty="0">
+                <a:ln>
+                  <a:solidFill>
+                    <a:schemeClr val="accent5">
+                      <a:lumMod val="50000"/>
+                    </a:schemeClr>
+                  </a:solidFill>
+                </a:ln>
+              </a:rPr>
+              <a:t>Affinities</a:t>
+            </a:r>
+          </a:p>
+        </p:txBody>
+      </p:sp>
+      <p:sp>
+        <p:nvSpPr>
+          <p:cNvPr id="19" name="TextBox 18">
+            <a:extLst>
+              <a:ext uri="{FF2B5EF4-FFF2-40B4-BE49-F238E27FC236}">
+                <a16:creationId xmlns:a16="http://schemas.microsoft.com/office/drawing/2014/main" id="{27705BCF-8EBD-13DD-E3A0-A3F14524BA47}"/>
+              </a:ext>
+            </a:extLst>
+          </p:cNvPr>
+          <p:cNvSpPr txBox="1"/>
+          <p:nvPr/>
+        </p:nvSpPr>
+        <p:spPr>
+          <a:xfrm>
+            <a:off x="1463784" y="8033607"/>
+            <a:ext cx="2449286" cy="584775"/>
+          </a:xfrm>
+          <a:prstGeom prst="rect">
+            <a:avLst/>
+          </a:prstGeom>
+          <a:noFill/>
+        </p:spPr>
+        <p:txBody>
+          <a:bodyPr wrap="square" rtlCol="0">
+            <a:spAutoFit/>
+          </a:bodyPr>
+          <a:lstStyle/>
+          <a:p>
+            <a:r>
+              <a:rPr lang="en-US" sz="3200" dirty="0">
+                <a:ln>
+                  <a:solidFill>
+                    <a:schemeClr val="accent5">
+                      <a:lumMod val="50000"/>
+                    </a:schemeClr>
+                  </a:solidFill>
+                </a:ln>
+              </a:rPr>
+              <a:t>Affinity</a:t>
+            </a:r>
+          </a:p>
+        </p:txBody>
+      </p:sp>
+      <p:sp>
+        <p:nvSpPr>
+          <p:cNvPr id="20" name="TextBox 19">
+            <a:extLst>
+              <a:ext uri="{FF2B5EF4-FFF2-40B4-BE49-F238E27FC236}">
+                <a16:creationId xmlns:a16="http://schemas.microsoft.com/office/drawing/2014/main" id="{FF0E920C-DB29-4027-646E-3F62FF6966D3}"/>
+              </a:ext>
+            </a:extLst>
+          </p:cNvPr>
+          <p:cNvSpPr txBox="1"/>
+          <p:nvPr/>
+        </p:nvSpPr>
+        <p:spPr>
+          <a:xfrm>
+            <a:off x="4447939" y="8033606"/>
+            <a:ext cx="2449286" cy="584775"/>
+          </a:xfrm>
+          <a:prstGeom prst="rect">
+            <a:avLst/>
+          </a:prstGeom>
+          <a:noFill/>
+        </p:spPr>
+        <p:txBody>
+          <a:bodyPr wrap="square" rtlCol="0">
+            <a:spAutoFit/>
+          </a:bodyPr>
+          <a:lstStyle/>
+          <a:p>
+            <a:r>
+              <a:rPr lang="en-US" sz="3200" dirty="0" err="1">
+                <a:ln>
+                  <a:solidFill>
+                    <a:schemeClr val="accent5">
+                      <a:lumMod val="50000"/>
+                    </a:schemeClr>
+                  </a:solidFill>
+                </a:ln>
+              </a:rPr>
+              <a:t>AntiAffinity</a:t>
+            </a:r>
+            <a:endParaRPr lang="en-US" sz="3200" dirty="0">
+              <a:ln>
+                <a:solidFill>
+                  <a:schemeClr val="accent5">
+                    <a:lumMod val="50000"/>
+                  </a:schemeClr>
+                </a:solidFill>
+              </a:ln>
+            </a:endParaRPr>
+          </a:p>
+        </p:txBody>
+      </p:sp>
+      <p:cxnSp>
+        <p:nvCxnSpPr>
+          <p:cNvPr id="21" name="Straight Arrow Connector 20">
+            <a:extLst>
+              <a:ext uri="{FF2B5EF4-FFF2-40B4-BE49-F238E27FC236}">
+                <a16:creationId xmlns:a16="http://schemas.microsoft.com/office/drawing/2014/main" id="{AB29A5EB-337D-8501-0990-33073175C3A0}"/>
+              </a:ext>
+            </a:extLst>
+          </p:cNvPr>
+          <p:cNvCxnSpPr>
+            <a:cxnSpLocks/>
+          </p:cNvCxnSpPr>
+          <p:nvPr/>
+        </p:nvCxnSpPr>
+        <p:spPr>
+          <a:xfrm flipH="1">
+            <a:off x="2111485" y="7552858"/>
+            <a:ext cx="1030877" cy="480748"/>
+          </a:xfrm>
+          <a:prstGeom prst="straightConnector1">
+            <a:avLst/>
+          </a:prstGeom>
+          <a:ln w="28575">
+            <a:solidFill>
+              <a:schemeClr val="accent5">
+                <a:lumMod val="50000"/>
+              </a:schemeClr>
+            </a:solidFill>
+            <a:tailEnd type="triangle"/>
+          </a:ln>
+        </p:spPr>
+        <p:style>
+          <a:lnRef idx="1">
+            <a:schemeClr val="dk1"/>
+          </a:lnRef>
+          <a:fillRef idx="0">
+            <a:schemeClr val="dk1"/>
+          </a:fillRef>
+          <a:effectRef idx="0">
+            <a:schemeClr val="dk1"/>
+          </a:effectRef>
+          <a:fontRef idx="minor">
+            <a:schemeClr val="tx1"/>
+          </a:fontRef>
+        </p:style>
+      </p:cxnSp>
+      <p:cxnSp>
+        <p:nvCxnSpPr>
+          <p:cNvPr id="22" name="Straight Arrow Connector 21">
+            <a:extLst>
+              <a:ext uri="{FF2B5EF4-FFF2-40B4-BE49-F238E27FC236}">
+                <a16:creationId xmlns:a16="http://schemas.microsoft.com/office/drawing/2014/main" id="{98DEC4E8-FC52-43D1-CFA2-DBA55596D3C8}"/>
+              </a:ext>
+            </a:extLst>
+          </p:cNvPr>
+          <p:cNvCxnSpPr>
+            <a:cxnSpLocks/>
+            <a:stCxn id="18" idx="2"/>
+          </p:cNvCxnSpPr>
+          <p:nvPr/>
+        </p:nvCxnSpPr>
+        <p:spPr>
+          <a:xfrm>
+            <a:off x="3630042" y="7552858"/>
+            <a:ext cx="1224643" cy="480748"/>
+          </a:xfrm>
+          <a:prstGeom prst="straightConnector1">
+            <a:avLst/>
+          </a:prstGeom>
+          <a:ln w="28575">
+            <a:solidFill>
+              <a:schemeClr val="accent5">
+                <a:lumMod val="50000"/>
+              </a:schemeClr>
+            </a:solidFill>
+            <a:tailEnd type="triangle"/>
+          </a:ln>
+        </p:spPr>
+        <p:style>
+          <a:lnRef idx="1">
+            <a:schemeClr val="dk1"/>
+          </a:lnRef>
+          <a:fillRef idx="0">
+            <a:schemeClr val="dk1"/>
+          </a:fillRef>
+          <a:effectRef idx="0">
+            <a:schemeClr val="dk1"/>
+          </a:effectRef>
+          <a:fontRef idx="minor">
+            <a:schemeClr val="tx1"/>
+          </a:fontRef>
+        </p:style>
+      </p:cxnSp>
+      <p:sp>
+        <p:nvSpPr>
+          <p:cNvPr id="28" name="TextBox 27">
+            <a:extLst>
+              <a:ext uri="{FF2B5EF4-FFF2-40B4-BE49-F238E27FC236}">
+                <a16:creationId xmlns:a16="http://schemas.microsoft.com/office/drawing/2014/main" id="{DF25CBB2-8ECA-D77F-8370-E0C976D4964B}"/>
+              </a:ext>
+            </a:extLst>
+          </p:cNvPr>
+          <p:cNvSpPr txBox="1"/>
+          <p:nvPr/>
+        </p:nvSpPr>
+        <p:spPr>
+          <a:xfrm>
+            <a:off x="11595917" y="6760573"/>
+            <a:ext cx="2449286" cy="707886"/>
+          </a:xfrm>
+          <a:prstGeom prst="rect">
+            <a:avLst/>
+          </a:prstGeom>
+          <a:noFill/>
+        </p:spPr>
+        <p:txBody>
+          <a:bodyPr wrap="square" rtlCol="0">
+            <a:spAutoFit/>
+          </a:bodyPr>
+          <a:lstStyle/>
+          <a:p>
+            <a:r>
+              <a:rPr lang="en-US" sz="4000" dirty="0">
+                <a:solidFill>
+                  <a:schemeClr val="accent3">
+                    <a:lumMod val="50000"/>
+                  </a:schemeClr>
+                </a:solidFill>
+              </a:rPr>
+              <a:t>Affinities</a:t>
+            </a:r>
+          </a:p>
+        </p:txBody>
+      </p:sp>
+      <p:sp>
+        <p:nvSpPr>
+          <p:cNvPr id="29" name="TextBox 28">
+            <a:extLst>
+              <a:ext uri="{FF2B5EF4-FFF2-40B4-BE49-F238E27FC236}">
+                <a16:creationId xmlns:a16="http://schemas.microsoft.com/office/drawing/2014/main" id="{4D3F62E1-7534-4389-0169-4A89C0799BF5}"/>
+              </a:ext>
+            </a:extLst>
+          </p:cNvPr>
+          <p:cNvSpPr txBox="1"/>
+          <p:nvPr/>
+        </p:nvSpPr>
+        <p:spPr>
+          <a:xfrm>
+            <a:off x="10654302" y="7949208"/>
+            <a:ext cx="2449286" cy="584775"/>
+          </a:xfrm>
+          <a:prstGeom prst="rect">
+            <a:avLst/>
+          </a:prstGeom>
+          <a:noFill/>
+        </p:spPr>
+        <p:txBody>
+          <a:bodyPr wrap="square" rtlCol="0">
+            <a:spAutoFit/>
+          </a:bodyPr>
+          <a:lstStyle/>
+          <a:p>
+            <a:r>
+              <a:rPr lang="en-US" sz="3200" dirty="0">
+                <a:solidFill>
+                  <a:schemeClr val="accent3">
+                    <a:lumMod val="50000"/>
+                  </a:schemeClr>
+                </a:solidFill>
+              </a:rPr>
+              <a:t>Required</a:t>
+            </a:r>
+          </a:p>
+        </p:txBody>
+      </p:sp>
+      <p:sp>
+        <p:nvSpPr>
+          <p:cNvPr id="30" name="TextBox 29">
+            <a:extLst>
+              <a:ext uri="{FF2B5EF4-FFF2-40B4-BE49-F238E27FC236}">
+                <a16:creationId xmlns:a16="http://schemas.microsoft.com/office/drawing/2014/main" id="{2A23CE38-F54F-0CD8-5AC0-4E95E88430D5}"/>
+              </a:ext>
+            </a:extLst>
+          </p:cNvPr>
+          <p:cNvSpPr txBox="1"/>
+          <p:nvPr/>
+        </p:nvSpPr>
+        <p:spPr>
+          <a:xfrm>
+            <a:off x="13638457" y="7949207"/>
+            <a:ext cx="2449286" cy="584775"/>
+          </a:xfrm>
+          <a:prstGeom prst="rect">
+            <a:avLst/>
+          </a:prstGeom>
+          <a:noFill/>
+        </p:spPr>
+        <p:txBody>
+          <a:bodyPr wrap="square" rtlCol="0">
+            <a:spAutoFit/>
+          </a:bodyPr>
+          <a:lstStyle/>
+          <a:p>
+            <a:r>
+              <a:rPr lang="en-US" sz="3200" dirty="0">
+                <a:solidFill>
+                  <a:schemeClr val="accent3">
+                    <a:lumMod val="50000"/>
+                  </a:schemeClr>
+                </a:solidFill>
+              </a:rPr>
+              <a:t>Preferred</a:t>
+            </a:r>
+          </a:p>
+        </p:txBody>
+      </p:sp>
+      <p:cxnSp>
+        <p:nvCxnSpPr>
+          <p:cNvPr id="31" name="Straight Arrow Connector 30">
+            <a:extLst>
+              <a:ext uri="{FF2B5EF4-FFF2-40B4-BE49-F238E27FC236}">
+                <a16:creationId xmlns:a16="http://schemas.microsoft.com/office/drawing/2014/main" id="{7BD81FBD-66DD-0E7D-4C64-5181C7AC1A60}"/>
+              </a:ext>
+            </a:extLst>
+          </p:cNvPr>
+          <p:cNvCxnSpPr>
+            <a:cxnSpLocks/>
+          </p:cNvCxnSpPr>
+          <p:nvPr/>
+        </p:nvCxnSpPr>
+        <p:spPr>
+          <a:xfrm flipH="1">
+            <a:off x="11302003" y="7468459"/>
+            <a:ext cx="1030877" cy="480748"/>
+          </a:xfrm>
+          <a:prstGeom prst="straightConnector1">
+            <a:avLst/>
+          </a:prstGeom>
+          <a:ln w="28575">
+            <a:solidFill>
+              <a:schemeClr val="accent3">
+                <a:lumMod val="50000"/>
+              </a:schemeClr>
+            </a:solidFill>
+            <a:tailEnd type="triangle"/>
+          </a:ln>
+        </p:spPr>
+        <p:style>
+          <a:lnRef idx="1">
+            <a:schemeClr val="dk1"/>
+          </a:lnRef>
+          <a:fillRef idx="0">
+            <a:schemeClr val="dk1"/>
+          </a:fillRef>
+          <a:effectRef idx="0">
+            <a:schemeClr val="dk1"/>
+          </a:effectRef>
+          <a:fontRef idx="minor">
+            <a:schemeClr val="tx1"/>
+          </a:fontRef>
+        </p:style>
+      </p:cxnSp>
+      <p:cxnSp>
+        <p:nvCxnSpPr>
+          <p:cNvPr id="32" name="Straight Arrow Connector 31">
+            <a:extLst>
+              <a:ext uri="{FF2B5EF4-FFF2-40B4-BE49-F238E27FC236}">
+                <a16:creationId xmlns:a16="http://schemas.microsoft.com/office/drawing/2014/main" id="{0A15B3BA-276A-658F-C3E6-1613A81B6DC7}"/>
+              </a:ext>
+            </a:extLst>
+          </p:cNvPr>
+          <p:cNvCxnSpPr>
+            <a:cxnSpLocks/>
+            <a:stCxn id="28" idx="2"/>
+          </p:cNvCxnSpPr>
+          <p:nvPr/>
+        </p:nvCxnSpPr>
+        <p:spPr>
+          <a:xfrm>
+            <a:off x="12820560" y="7468459"/>
+            <a:ext cx="1224643" cy="480748"/>
+          </a:xfrm>
+          <a:prstGeom prst="straightConnector1">
+            <a:avLst/>
+          </a:prstGeom>
+          <a:ln w="28575">
+            <a:solidFill>
+              <a:schemeClr val="accent3">
+                <a:lumMod val="50000"/>
+              </a:schemeClr>
+            </a:solidFill>
+            <a:tailEnd type="triangle"/>
+          </a:ln>
+        </p:spPr>
+        <p:style>
+          <a:lnRef idx="1">
+            <a:schemeClr val="dk1"/>
+          </a:lnRef>
+          <a:fillRef idx="0">
+            <a:schemeClr val="dk1"/>
+          </a:fillRef>
+          <a:effectRef idx="0">
+            <a:schemeClr val="dk1"/>
+          </a:effectRef>
+          <a:fontRef idx="minor">
+            <a:schemeClr val="tx1"/>
+          </a:fontRef>
+        </p:style>
+      </p:cxnSp>
+      <p:sp>
+        <p:nvSpPr>
+          <p:cNvPr id="2" name="TextBox 1">
+            <a:extLst>
+              <a:ext uri="{FF2B5EF4-FFF2-40B4-BE49-F238E27FC236}">
+                <a16:creationId xmlns:a16="http://schemas.microsoft.com/office/drawing/2014/main" id="{8386D9FE-532D-7485-EE20-6B0983201F39}"/>
+              </a:ext>
+            </a:extLst>
+          </p:cNvPr>
+          <p:cNvSpPr txBox="1"/>
+          <p:nvPr/>
+        </p:nvSpPr>
+        <p:spPr>
+          <a:xfrm>
+            <a:off x="17508906" y="9659383"/>
+            <a:ext cx="464024" cy="369332"/>
+          </a:xfrm>
+          <a:prstGeom prst="rect">
+            <a:avLst/>
+          </a:prstGeom>
+          <a:noFill/>
+        </p:spPr>
+        <p:txBody>
+          <a:bodyPr wrap="square" rtlCol="0">
+            <a:spAutoFit/>
+          </a:bodyPr>
+          <a:lstStyle/>
+          <a:p>
+            <a:r>
+              <a:rPr lang="en-US" dirty="0">
+                <a:solidFill>
+                  <a:schemeClr val="accent2">
+                    <a:lumMod val="50000"/>
+                  </a:schemeClr>
+                </a:solidFill>
+              </a:rPr>
+              <a:t>13</a:t>
             </a:r>
           </a:p>
         </p:txBody>
@@ -12684,7 +13053,7 @@
     </p:spTree>
     <p:extLst>
       <p:ext uri="{BB962C8B-B14F-4D97-AF65-F5344CB8AC3E}">
-        <p14:creationId xmlns:p14="http://schemas.microsoft.com/office/powerpoint/2010/main" val="718424771"/>
+        <p14:creationId xmlns:p14="http://schemas.microsoft.com/office/powerpoint/2010/main" val="889136484"/>
       </p:ext>
     </p:extLst>
   </p:cSld>
@@ -12733,19 +13102,197 @@
           <a:lstStyle/>
           <a:p>
             <a:r>
+              <a:rPr lang="en-US" dirty="0">
+                <a:solidFill>
+                  <a:schemeClr val="accent1">
+                    <a:lumMod val="50000"/>
+                  </a:schemeClr>
+                </a:solidFill>
+              </a:rPr>
+              <a:t>Q&amp;A: story</a:t>
+            </a:r>
+            <a:endParaRPr lang="en-RU" dirty="0">
+              <a:solidFill>
+                <a:schemeClr val="accent1">
+                  <a:lumMod val="50000"/>
+                </a:schemeClr>
+              </a:solidFill>
+            </a:endParaRPr>
+          </a:p>
+        </p:txBody>
+      </p:sp>
+      <p:sp>
+        <p:nvSpPr>
+          <p:cNvPr id="2" name="TextBox 1">
+            <a:extLst>
+              <a:ext uri="{FF2B5EF4-FFF2-40B4-BE49-F238E27FC236}">
+                <a16:creationId xmlns:a16="http://schemas.microsoft.com/office/drawing/2014/main" id="{AA4ACA97-5B52-34DD-BDB2-C2C151A36505}"/>
+              </a:ext>
+            </a:extLst>
+          </p:cNvPr>
+          <p:cNvSpPr txBox="1"/>
+          <p:nvPr/>
+        </p:nvSpPr>
+        <p:spPr>
+          <a:xfrm>
+            <a:off x="10654302" y="1111118"/>
+            <a:ext cx="3513762" cy="646331"/>
+          </a:xfrm>
+          <a:prstGeom prst="rect">
+            <a:avLst/>
+          </a:prstGeom>
+          <a:noFill/>
+        </p:spPr>
+        <p:txBody>
+          <a:bodyPr wrap="square" rtlCol="0">
+            <a:spAutoFit/>
+          </a:bodyPr>
+          <a:lstStyle/>
+          <a:p>
+            <a:r>
+              <a:rPr lang="en-US" dirty="0">
+                <a:solidFill>
+                  <a:schemeClr val="accent1">
+                    <a:lumMod val="50000"/>
+                  </a:schemeClr>
+                </a:solidFill>
+              </a:rPr>
+              <a:t>WHY do we need this?</a:t>
+            </a:r>
+          </a:p>
+          <a:p>
+            <a:r>
+              <a:rPr lang="en-US" dirty="0">
+                <a:solidFill>
+                  <a:schemeClr val="accent1">
+                    <a:lumMod val="50000"/>
+                  </a:schemeClr>
+                </a:solidFill>
+              </a:rPr>
+              <a:t>To see </a:t>
+            </a:r>
+            <a:r>
+              <a:rPr lang="en-US" dirty="0" err="1">
+                <a:solidFill>
+                  <a:schemeClr val="accent1">
+                    <a:lumMod val="50000"/>
+                  </a:schemeClr>
+                </a:solidFill>
+              </a:rPr>
+              <a:t>usecases</a:t>
+            </a:r>
+            <a:r>
+              <a:rPr lang="en-US" dirty="0">
+                <a:solidFill>
+                  <a:schemeClr val="accent1">
+                    <a:lumMod val="50000"/>
+                  </a:schemeClr>
+                </a:solidFill>
+              </a:rPr>
+              <a:t>.</a:t>
+            </a:r>
+          </a:p>
+        </p:txBody>
+      </p:sp>
+      <p:sp>
+        <p:nvSpPr>
+          <p:cNvPr id="4" name="TextBox 3">
+            <a:extLst>
+              <a:ext uri="{FF2B5EF4-FFF2-40B4-BE49-F238E27FC236}">
+                <a16:creationId xmlns:a16="http://schemas.microsoft.com/office/drawing/2014/main" id="{95BAC16E-7ACC-94DF-5B4C-368367FB7A4D}"/>
+              </a:ext>
+            </a:extLst>
+          </p:cNvPr>
+          <p:cNvSpPr txBox="1"/>
+          <p:nvPr/>
+        </p:nvSpPr>
+        <p:spPr>
+          <a:xfrm>
+            <a:off x="17508906" y="9659383"/>
+            <a:ext cx="464024" cy="369332"/>
+          </a:xfrm>
+          <a:prstGeom prst="rect">
+            <a:avLst/>
+          </a:prstGeom>
+          <a:noFill/>
+        </p:spPr>
+        <p:txBody>
+          <a:bodyPr wrap="square" rtlCol="0">
+            <a:spAutoFit/>
+          </a:bodyPr>
+          <a:lstStyle/>
+          <a:p>
+            <a:r>
+              <a:rPr lang="en-US" dirty="0">
+                <a:solidFill>
+                  <a:schemeClr val="accent1">
+                    <a:lumMod val="50000"/>
+                  </a:schemeClr>
+                </a:solidFill>
+              </a:rPr>
+              <a:t>14</a:t>
+            </a:r>
+          </a:p>
+        </p:txBody>
+      </p:sp>
+      <p:sp>
+        <p:nvSpPr>
+          <p:cNvPr id="6" name="Thought Bubble: Cloud 5">
+            <a:extLst>
+              <a:ext uri="{FF2B5EF4-FFF2-40B4-BE49-F238E27FC236}">
+                <a16:creationId xmlns:a16="http://schemas.microsoft.com/office/drawing/2014/main" id="{CE76AC75-F0A2-D695-3545-2D4B565B01CF}"/>
+              </a:ext>
+            </a:extLst>
+          </p:cNvPr>
+          <p:cNvSpPr/>
+          <p:nvPr/>
+        </p:nvSpPr>
+        <p:spPr>
+          <a:xfrm>
+            <a:off x="3275462" y="3671247"/>
+            <a:ext cx="5513696" cy="1922833"/>
+          </a:xfrm>
+          <a:prstGeom prst="cloudCallout">
+            <a:avLst>
+              <a:gd name="adj1" fmla="val -46637"/>
+              <a:gd name="adj2" fmla="val 61080"/>
+            </a:avLst>
+          </a:prstGeom>
+        </p:spPr>
+        <p:style>
+          <a:lnRef idx="2">
+            <a:schemeClr val="accent1">
+              <a:shade val="50000"/>
+            </a:schemeClr>
+          </a:lnRef>
+          <a:fillRef idx="1">
+            <a:schemeClr val="accent1"/>
+          </a:fillRef>
+          <a:effectRef idx="0">
+            <a:schemeClr val="accent1"/>
+          </a:effectRef>
+          <a:fontRef idx="minor">
+            <a:schemeClr val="lt1"/>
+          </a:fontRef>
+        </p:style>
+        <p:txBody>
+          <a:bodyPr rtlCol="0" anchor="ctr"/>
+          <a:lstStyle/>
+          <a:p>
+            <a:pPr algn="ctr"/>
+            <a:r>
               <a:rPr lang="en-US" dirty="0"/>
-              <a:t>Service high level</a:t>
-            </a:r>
-            <a:endParaRPr lang="en-RU" dirty="0"/>
+              <a:t>I need to make my online tea-shop frontend scalable and fault-tolerant.</a:t>
+            </a:r>
           </a:p>
         </p:txBody>
       </p:sp>
       <p:pic>
         <p:nvPicPr>
-          <p:cNvPr id="4" name="Picture 3">
+          <p:cNvPr id="8" name="Graphic 7" descr="Female Profile with solid fill">
             <a:extLst>
               <a:ext uri="{FF2B5EF4-FFF2-40B4-BE49-F238E27FC236}">
-                <a16:creationId xmlns:a16="http://schemas.microsoft.com/office/drawing/2014/main" id="{09D8D285-7BF1-8045-164C-2ADE58C7FD3A}"/>
+                <a16:creationId xmlns:a16="http://schemas.microsoft.com/office/drawing/2014/main" id="{5B2BDBD5-5678-202E-FAF3-A0DC4D68E807}"/>
               </a:ext>
             </a:extLst>
           </p:cNvPr>
@@ -12760,6 +13307,9 @@
               <a:ext uri="{28A0092B-C50C-407E-A947-70E740481C1C}">
                 <a14:useLocalDpi xmlns:a14="http://schemas.microsoft.com/office/drawing/2010/main" val="0"/>
               </a:ext>
+              <a:ext uri="{96DAC541-7B7A-43D3-8B79-37D633B846F1}">
+                <asvg:svgBlip xmlns:asvg="http://schemas.microsoft.com/office/drawing/2016/SVG/main" r:embed="rId3"/>
+              </a:ext>
             </a:extLst>
           </a:blip>
           <a:stretch>
@@ -12768,8 +13318,8 @@
         </p:blipFill>
         <p:spPr>
           <a:xfrm>
-            <a:off x="5993271" y="3140482"/>
-            <a:ext cx="6301458" cy="6000286"/>
+            <a:off x="866400" y="5396777"/>
+            <a:ext cx="3323230" cy="3323230"/>
           </a:xfrm>
           <a:prstGeom prst="rect">
             <a:avLst/>
@@ -12778,10 +13328,10 @@
       </p:pic>
       <p:sp>
         <p:nvSpPr>
-          <p:cNvPr id="5" name="TextBox 4">
+          <p:cNvPr id="10" name="TextBox 9">
             <a:extLst>
               <a:ext uri="{FF2B5EF4-FFF2-40B4-BE49-F238E27FC236}">
-                <a16:creationId xmlns:a16="http://schemas.microsoft.com/office/drawing/2014/main" id="{79E3EBAB-3437-86D0-CCC1-BCB107D77A37}"/>
+                <a16:creationId xmlns:a16="http://schemas.microsoft.com/office/drawing/2014/main" id="{AC8232B7-9F05-F8DC-FCC9-582380AC9605}"/>
               </a:ext>
             </a:extLst>
           </p:cNvPr>
@@ -12790,8 +13340,8 @@
         </p:nvSpPr>
         <p:spPr>
           <a:xfrm>
-            <a:off x="10654302" y="1111118"/>
-            <a:ext cx="3513762" cy="646331"/>
+            <a:off x="2186821" y="8322467"/>
+            <a:ext cx="982638" cy="369332"/>
           </a:xfrm>
           <a:prstGeom prst="rect">
             <a:avLst/>
@@ -12805,24 +13355,63 @@
           <a:lstStyle/>
           <a:p>
             <a:r>
-              <a:rPr lang="en-US" dirty="0"/>
-              <a:t>WHY do we need this?</a:t>
-            </a:r>
-          </a:p>
-          <a:p>
-            <a:r>
-              <a:rPr lang="en-US" dirty="0"/>
-              <a:t>To understand how it works in reality.</a:t>
-            </a:r>
-          </a:p>
-        </p:txBody>
-      </p:sp>
-      <p:sp>
-        <p:nvSpPr>
-          <p:cNvPr id="2" name="TextBox 1">
+              <a:rPr lang="en-US" dirty="0">
+                <a:solidFill>
+                  <a:schemeClr val="accent1">
+                    <a:lumMod val="50000"/>
+                  </a:schemeClr>
+                </a:solidFill>
+              </a:rPr>
+              <a:t>Alice</a:t>
+            </a:r>
+          </a:p>
+        </p:txBody>
+      </p:sp>
+      <p:pic>
+        <p:nvPicPr>
+          <p:cNvPr id="12" name="Graphic 11" descr="Male profile with solid fill">
             <a:extLst>
               <a:ext uri="{FF2B5EF4-FFF2-40B4-BE49-F238E27FC236}">
-                <a16:creationId xmlns:a16="http://schemas.microsoft.com/office/drawing/2014/main" id="{BEA40B01-BD44-D7D7-1D4E-0151267416F1}"/>
+                <a16:creationId xmlns:a16="http://schemas.microsoft.com/office/drawing/2014/main" id="{E3414CCD-FACA-7861-4640-298E63FF41AD}"/>
+              </a:ext>
+            </a:extLst>
+          </p:cNvPr>
+          <p:cNvPicPr>
+            <a:picLocks noChangeAspect="1"/>
+          </p:cNvPicPr>
+          <p:nvPr/>
+        </p:nvPicPr>
+        <p:blipFill>
+          <a:blip r:embed="rId4">
+            <a:extLst>
+              <a:ext uri="{28A0092B-C50C-407E-A947-70E740481C1C}">
+                <a14:useLocalDpi xmlns:a14="http://schemas.microsoft.com/office/drawing/2010/main" val="0"/>
+              </a:ext>
+              <a:ext uri="{96DAC541-7B7A-43D3-8B79-37D633B846F1}">
+                <asvg:svgBlip xmlns:asvg="http://schemas.microsoft.com/office/drawing/2016/SVG/main" r:embed="rId5"/>
+              </a:ext>
+            </a:extLst>
+          </a:blip>
+          <a:stretch>
+            <a:fillRect/>
+          </a:stretch>
+        </p:blipFill>
+        <p:spPr>
+          <a:xfrm>
+            <a:off x="9144000" y="5368569"/>
+            <a:ext cx="3323230" cy="3323230"/>
+          </a:xfrm>
+          <a:prstGeom prst="rect">
+            <a:avLst/>
+          </a:prstGeom>
+        </p:spPr>
+      </p:pic>
+      <p:sp>
+        <p:nvSpPr>
+          <p:cNvPr id="13" name="TextBox 12">
+            <a:extLst>
+              <a:ext uri="{FF2B5EF4-FFF2-40B4-BE49-F238E27FC236}">
+                <a16:creationId xmlns:a16="http://schemas.microsoft.com/office/drawing/2014/main" id="{BD2861F6-C4E6-1ACF-9372-B7F2496D4888}"/>
               </a:ext>
             </a:extLst>
           </p:cNvPr>
@@ -12831,8 +13420,8 @@
         </p:nvSpPr>
         <p:spPr>
           <a:xfrm>
-            <a:off x="17508906" y="9659383"/>
-            <a:ext cx="464024" cy="369332"/>
+            <a:off x="10490115" y="8322467"/>
+            <a:ext cx="982638" cy="369332"/>
           </a:xfrm>
           <a:prstGeom prst="rect">
             <a:avLst/>
@@ -12846,12 +13435,66 @@
           <a:lstStyle/>
           <a:p>
             <a:r>
-              <a:rPr lang="ru-RU" dirty="0"/>
-              <a:t>1</a:t>
-            </a:r>
+              <a:rPr lang="en-US" dirty="0">
+                <a:solidFill>
+                  <a:schemeClr val="accent1">
+                    <a:lumMod val="50000"/>
+                  </a:schemeClr>
+                </a:solidFill>
+              </a:rPr>
+              <a:t>Bob</a:t>
+            </a:r>
+          </a:p>
+        </p:txBody>
+      </p:sp>
+      <p:sp>
+        <p:nvSpPr>
+          <p:cNvPr id="15" name="Speech Bubble: Oval 14">
+            <a:extLst>
+              <a:ext uri="{FF2B5EF4-FFF2-40B4-BE49-F238E27FC236}">
+                <a16:creationId xmlns:a16="http://schemas.microsoft.com/office/drawing/2014/main" id="{B061D5B1-80BC-F4FB-3898-021F7B395B84}"/>
+              </a:ext>
+            </a:extLst>
+          </p:cNvPr>
+          <p:cNvSpPr/>
+          <p:nvPr/>
+        </p:nvSpPr>
+        <p:spPr>
+          <a:xfrm>
+            <a:off x="11198220" y="3671247"/>
+            <a:ext cx="5513696" cy="1786355"/>
+          </a:xfrm>
+          <a:prstGeom prst="wedgeEllipseCallout">
+            <a:avLst>
+              <a:gd name="adj1" fmla="val -44188"/>
+              <a:gd name="adj2" fmla="val 65122"/>
+            </a:avLst>
+          </a:prstGeom>
+        </p:spPr>
+        <p:style>
+          <a:lnRef idx="2">
+            <a:schemeClr val="accent1">
+              <a:shade val="50000"/>
+            </a:schemeClr>
+          </a:lnRef>
+          <a:fillRef idx="1">
+            <a:schemeClr val="accent1"/>
+          </a:fillRef>
+          <a:effectRef idx="0">
+            <a:schemeClr val="accent1"/>
+          </a:effectRef>
+          <a:fontRef idx="minor">
+            <a:schemeClr val="lt1"/>
+          </a:fontRef>
+        </p:style>
+        <p:txBody>
+          <a:bodyPr rtlCol="0" anchor="ctr"/>
+          <a:lstStyle/>
+          <a:p>
+            <a:pPr algn="ctr"/>
             <a:r>
               <a:rPr lang="en-US" dirty="0"/>
-              <a:t>4</a:t>
+              <a:t>Try using deployment: it is ideal for this.</a:t>
             </a:r>
           </a:p>
         </p:txBody>
@@ -12859,7 +13502,7 @@
     </p:spTree>
     <p:extLst>
       <p:ext uri="{BB962C8B-B14F-4D97-AF65-F5344CB8AC3E}">
-        <p14:creationId xmlns:p14="http://schemas.microsoft.com/office/powerpoint/2010/main" val="3269572567"/>
+        <p14:creationId xmlns:p14="http://schemas.microsoft.com/office/powerpoint/2010/main" val="3537139668"/>
       </p:ext>
     </p:extLst>
   </p:cSld>
@@ -12908,10 +13551,22 @@
           <a:lstStyle/>
           <a:p>
             <a:r>
-              <a:rPr lang="en-US" dirty="0"/>
-              <a:t>Q&amp;A: story</a:t>
-            </a:r>
-            <a:endParaRPr lang="en-RU" dirty="0"/>
+              <a:rPr lang="en-US" dirty="0">
+                <a:solidFill>
+                  <a:schemeClr val="accent5">
+                    <a:lumMod val="50000"/>
+                  </a:schemeClr>
+                </a:solidFill>
+              </a:rPr>
+              <a:t>Task</a:t>
+            </a:r>
+            <a:endParaRPr lang="en-RU" dirty="0">
+              <a:solidFill>
+                <a:schemeClr val="accent5">
+                  <a:lumMod val="50000"/>
+                </a:schemeClr>
+              </a:solidFill>
+            </a:endParaRPr>
           </a:p>
         </p:txBody>
       </p:sp>
@@ -12944,23 +13599,44 @@
           <a:lstStyle/>
           <a:p>
             <a:r>
-              <a:rPr lang="en-US" dirty="0"/>
+              <a:rPr lang="en-US" dirty="0">
+                <a:solidFill>
+                  <a:schemeClr val="accent5">
+                    <a:lumMod val="50000"/>
+                  </a:schemeClr>
+                </a:solidFill>
+              </a:rPr>
               <a:t>WHY do we need this?</a:t>
             </a:r>
           </a:p>
           <a:p>
             <a:r>
-              <a:rPr lang="en-US" dirty="0"/>
-              <a:t>To see </a:t>
-            </a:r>
-            <a:r>
-              <a:rPr lang="en-US" dirty="0" err="1"/>
-              <a:t>usecases</a:t>
-            </a:r>
-            <a:r>
-              <a:rPr lang="en-US" dirty="0"/>
-              <a:t>.</a:t>
-            </a:r>
+              <a:rPr lang="en-US" dirty="0">
+                <a:solidFill>
+                  <a:schemeClr val="accent5">
+                    <a:lumMod val="50000"/>
+                  </a:schemeClr>
+                </a:solidFill>
+              </a:rPr>
+              <a:t>To practice (</a:t>
+            </a:r>
+            <a:r>
+              <a:rPr lang="ru-RU" dirty="0">
+                <a:solidFill>
+                  <a:schemeClr val="accent5">
+                    <a:lumMod val="50000"/>
+                  </a:schemeClr>
+                </a:solidFill>
+              </a:rPr>
+              <a:t>:</a:t>
+            </a:r>
+            <a:endParaRPr lang="en-US" dirty="0">
+              <a:solidFill>
+                <a:schemeClr val="accent5">
+                  <a:lumMod val="50000"/>
+                </a:schemeClr>
+              </a:solidFill>
+            </a:endParaRPr>
           </a:p>
         </p:txBody>
       </p:sp>
@@ -12993,7 +13669,13 @@
           <a:lstStyle/>
           <a:p>
             <a:r>
-              <a:rPr lang="en-US" dirty="0"/>
+              <a:rPr lang="en-US" dirty="0">
+                <a:solidFill>
+                  <a:schemeClr val="accent5">
+                    <a:lumMod val="50000"/>
+                  </a:schemeClr>
+                </a:solidFill>
+              </a:rPr>
               <a:t>15</a:t>
             </a:r>
           </a:p>
@@ -13001,10 +13683,10 @@
       </p:sp>
       <p:sp>
         <p:nvSpPr>
-          <p:cNvPr id="6" name="Thought Bubble: Cloud 5">
+          <p:cNvPr id="5" name="Sun 4">
             <a:extLst>
               <a:ext uri="{FF2B5EF4-FFF2-40B4-BE49-F238E27FC236}">
-                <a16:creationId xmlns:a16="http://schemas.microsoft.com/office/drawing/2014/main" id="{CE76AC75-F0A2-D695-3545-2D4B565B01CF}"/>
+                <a16:creationId xmlns:a16="http://schemas.microsoft.com/office/drawing/2014/main" id="{A5A39E55-B16C-11B1-A82F-60B6F8216AA4}"/>
               </a:ext>
             </a:extLst>
           </p:cNvPr>
@@ -13013,27 +13695,24 @@
         </p:nvSpPr>
         <p:spPr>
           <a:xfrm>
-            <a:off x="3275462" y="3671247"/>
-            <a:ext cx="5513696" cy="1922833"/>
-          </a:xfrm>
-          <a:prstGeom prst="cloudCallout">
-            <a:avLst>
-              <a:gd name="adj1" fmla="val -46637"/>
-              <a:gd name="adj2" fmla="val 61080"/>
-            </a:avLst>
+            <a:off x="3901475" y="1997747"/>
+            <a:ext cx="10485049" cy="7790347"/>
+          </a:xfrm>
+          <a:prstGeom prst="sun">
+            <a:avLst/>
           </a:prstGeom>
         </p:spPr>
         <p:style>
           <a:lnRef idx="2">
-            <a:schemeClr val="accent1">
+            <a:schemeClr val="accent5">
               <a:shade val="50000"/>
             </a:schemeClr>
           </a:lnRef>
           <a:fillRef idx="1">
-            <a:schemeClr val="accent1"/>
+            <a:schemeClr val="accent5"/>
           </a:fillRef>
           <a:effectRef idx="0">
-            <a:schemeClr val="accent1"/>
+            <a:schemeClr val="accent5"/>
           </a:effectRef>
           <a:fontRef idx="minor">
             <a:schemeClr val="lt1"/>
@@ -13046,215 +13725,7 @@
             <a:pPr algn="ctr"/>
             <a:r>
               <a:rPr lang="en-US" dirty="0"/>
-              <a:t>But how clients would access all those pods?</a:t>
-            </a:r>
-          </a:p>
-        </p:txBody>
-      </p:sp>
-      <p:pic>
-        <p:nvPicPr>
-          <p:cNvPr id="8" name="Graphic 7" descr="Female Profile with solid fill">
-            <a:extLst>
-              <a:ext uri="{FF2B5EF4-FFF2-40B4-BE49-F238E27FC236}">
-                <a16:creationId xmlns:a16="http://schemas.microsoft.com/office/drawing/2014/main" id="{5B2BDBD5-5678-202E-FAF3-A0DC4D68E807}"/>
-              </a:ext>
-            </a:extLst>
-          </p:cNvPr>
-          <p:cNvPicPr>
-            <a:picLocks noChangeAspect="1"/>
-          </p:cNvPicPr>
-          <p:nvPr/>
-        </p:nvPicPr>
-        <p:blipFill>
-          <a:blip r:embed="rId2">
-            <a:extLst>
-              <a:ext uri="{28A0092B-C50C-407E-A947-70E740481C1C}">
-                <a14:useLocalDpi xmlns:a14="http://schemas.microsoft.com/office/drawing/2010/main" val="0"/>
-              </a:ext>
-              <a:ext uri="{96DAC541-7B7A-43D3-8B79-37D633B846F1}">
-                <asvg:svgBlip xmlns:asvg="http://schemas.microsoft.com/office/drawing/2016/SVG/main" r:embed="rId3"/>
-              </a:ext>
-            </a:extLst>
-          </a:blip>
-          <a:stretch>
-            <a:fillRect/>
-          </a:stretch>
-        </p:blipFill>
-        <p:spPr>
-          <a:xfrm>
-            <a:off x="866400" y="5396777"/>
-            <a:ext cx="3323230" cy="3323230"/>
-          </a:xfrm>
-          <a:prstGeom prst="rect">
-            <a:avLst/>
-          </a:prstGeom>
-        </p:spPr>
-      </p:pic>
-      <p:sp>
-        <p:nvSpPr>
-          <p:cNvPr id="10" name="TextBox 9">
-            <a:extLst>
-              <a:ext uri="{FF2B5EF4-FFF2-40B4-BE49-F238E27FC236}">
-                <a16:creationId xmlns:a16="http://schemas.microsoft.com/office/drawing/2014/main" id="{AC8232B7-9F05-F8DC-FCC9-582380AC9605}"/>
-              </a:ext>
-            </a:extLst>
-          </p:cNvPr>
-          <p:cNvSpPr txBox="1"/>
-          <p:nvPr/>
-        </p:nvSpPr>
-        <p:spPr>
-          <a:xfrm>
-            <a:off x="2186821" y="8322467"/>
-            <a:ext cx="982638" cy="369332"/>
-          </a:xfrm>
-          <a:prstGeom prst="rect">
-            <a:avLst/>
-          </a:prstGeom>
-          <a:noFill/>
-        </p:spPr>
-        <p:txBody>
-          <a:bodyPr wrap="square" rtlCol="0">
-            <a:spAutoFit/>
-          </a:bodyPr>
-          <a:lstStyle/>
-          <a:p>
-            <a:r>
-              <a:rPr lang="en-US" dirty="0"/>
-              <a:t>Alice</a:t>
-            </a:r>
-          </a:p>
-        </p:txBody>
-      </p:sp>
-      <p:pic>
-        <p:nvPicPr>
-          <p:cNvPr id="12" name="Graphic 11" descr="Male profile with solid fill">
-            <a:extLst>
-              <a:ext uri="{FF2B5EF4-FFF2-40B4-BE49-F238E27FC236}">
-                <a16:creationId xmlns:a16="http://schemas.microsoft.com/office/drawing/2014/main" id="{E3414CCD-FACA-7861-4640-298E63FF41AD}"/>
-              </a:ext>
-            </a:extLst>
-          </p:cNvPr>
-          <p:cNvPicPr>
-            <a:picLocks noChangeAspect="1"/>
-          </p:cNvPicPr>
-          <p:nvPr/>
-        </p:nvPicPr>
-        <p:blipFill>
-          <a:blip r:embed="rId4">
-            <a:extLst>
-              <a:ext uri="{28A0092B-C50C-407E-A947-70E740481C1C}">
-                <a14:useLocalDpi xmlns:a14="http://schemas.microsoft.com/office/drawing/2010/main" val="0"/>
-              </a:ext>
-              <a:ext uri="{96DAC541-7B7A-43D3-8B79-37D633B846F1}">
-                <asvg:svgBlip xmlns:asvg="http://schemas.microsoft.com/office/drawing/2016/SVG/main" r:embed="rId5"/>
-              </a:ext>
-            </a:extLst>
-          </a:blip>
-          <a:stretch>
-            <a:fillRect/>
-          </a:stretch>
-        </p:blipFill>
-        <p:spPr>
-          <a:xfrm>
-            <a:off x="9144000" y="5368569"/>
-            <a:ext cx="3323230" cy="3323230"/>
-          </a:xfrm>
-          <a:prstGeom prst="rect">
-            <a:avLst/>
-          </a:prstGeom>
-        </p:spPr>
-      </p:pic>
-      <p:sp>
-        <p:nvSpPr>
-          <p:cNvPr id="13" name="TextBox 12">
-            <a:extLst>
-              <a:ext uri="{FF2B5EF4-FFF2-40B4-BE49-F238E27FC236}">
-                <a16:creationId xmlns:a16="http://schemas.microsoft.com/office/drawing/2014/main" id="{BD2861F6-C4E6-1ACF-9372-B7F2496D4888}"/>
-              </a:ext>
-            </a:extLst>
-          </p:cNvPr>
-          <p:cNvSpPr txBox="1"/>
-          <p:nvPr/>
-        </p:nvSpPr>
-        <p:spPr>
-          <a:xfrm>
-            <a:off x="10490115" y="8322467"/>
-            <a:ext cx="982638" cy="369332"/>
-          </a:xfrm>
-          <a:prstGeom prst="rect">
-            <a:avLst/>
-          </a:prstGeom>
-          <a:noFill/>
-        </p:spPr>
-        <p:txBody>
-          <a:bodyPr wrap="square" rtlCol="0">
-            <a:spAutoFit/>
-          </a:bodyPr>
-          <a:lstStyle/>
-          <a:p>
-            <a:r>
-              <a:rPr lang="en-US" dirty="0"/>
-              <a:t>Bob</a:t>
-            </a:r>
-          </a:p>
-        </p:txBody>
-      </p:sp>
-      <p:sp>
-        <p:nvSpPr>
-          <p:cNvPr id="15" name="Speech Bubble: Oval 14">
-            <a:extLst>
-              <a:ext uri="{FF2B5EF4-FFF2-40B4-BE49-F238E27FC236}">
-                <a16:creationId xmlns:a16="http://schemas.microsoft.com/office/drawing/2014/main" id="{B061D5B1-80BC-F4FB-3898-021F7B395B84}"/>
-              </a:ext>
-            </a:extLst>
-          </p:cNvPr>
-          <p:cNvSpPr/>
-          <p:nvPr/>
-        </p:nvSpPr>
-        <p:spPr>
-          <a:xfrm>
-            <a:off x="11198220" y="3671247"/>
-            <a:ext cx="5513696" cy="1786355"/>
-          </a:xfrm>
-          <a:prstGeom prst="wedgeEllipseCallout">
-            <a:avLst>
-              <a:gd name="adj1" fmla="val -44188"/>
-              <a:gd name="adj2" fmla="val 65122"/>
-            </a:avLst>
-          </a:prstGeom>
-        </p:spPr>
-        <p:style>
-          <a:lnRef idx="2">
-            <a:schemeClr val="accent1">
-              <a:shade val="50000"/>
-            </a:schemeClr>
-          </a:lnRef>
-          <a:fillRef idx="1">
-            <a:schemeClr val="accent1"/>
-          </a:fillRef>
-          <a:effectRef idx="0">
-            <a:schemeClr val="accent1"/>
-          </a:effectRef>
-          <a:fontRef idx="minor">
-            <a:schemeClr val="lt1"/>
-          </a:fontRef>
-        </p:style>
-        <p:txBody>
-          <a:bodyPr rtlCol="0" anchor="ctr"/>
-          <a:lstStyle/>
-          <a:p>
-            <a:pPr algn="ctr"/>
-            <a:r>
-              <a:rPr lang="en-US" dirty="0"/>
-              <a:t>Service is the answer! It provides single endpoint for all pods and takes care of </a:t>
-            </a:r>
-            <a:r>
-              <a:rPr lang="en-US" dirty="0" err="1"/>
-              <a:t>loadbalancing</a:t>
-            </a:r>
-            <a:r>
-              <a:rPr lang="en-US" dirty="0"/>
-              <a:t> task.</a:t>
+              <a:t>Create deployment with 1 replica for your docker image. Expose port 80. Check logs of the pod. What do you see? ;)</a:t>
             </a:r>
           </a:p>
         </p:txBody>
@@ -13262,7 +13733,7 @@
     </p:spTree>
     <p:extLst>
       <p:ext uri="{BB962C8B-B14F-4D97-AF65-F5344CB8AC3E}">
-        <p14:creationId xmlns:p14="http://schemas.microsoft.com/office/powerpoint/2010/main" val="3576578509"/>
+        <p14:creationId xmlns:p14="http://schemas.microsoft.com/office/powerpoint/2010/main" val="3846797382"/>
       </p:ext>
     </p:extLst>
   </p:cSld>
@@ -13311,60 +13782,31 @@
           <a:lstStyle/>
           <a:p>
             <a:r>
-              <a:rPr lang="en-US" dirty="0"/>
-              <a:t>Ingress</a:t>
-            </a:r>
-            <a:endParaRPr lang="en-RU" dirty="0"/>
-          </a:p>
-        </p:txBody>
-      </p:sp>
-      <p:sp>
-        <p:nvSpPr>
-          <p:cNvPr id="2" name="TextBox 1">
-            <a:extLst>
-              <a:ext uri="{FF2B5EF4-FFF2-40B4-BE49-F238E27FC236}">
-                <a16:creationId xmlns:a16="http://schemas.microsoft.com/office/drawing/2014/main" id="{FC5BD675-74D3-068B-6B0E-F2D4E02912AC}"/>
-              </a:ext>
-            </a:extLst>
-          </p:cNvPr>
-          <p:cNvSpPr txBox="1"/>
-          <p:nvPr/>
-        </p:nvSpPr>
-        <p:spPr>
-          <a:xfrm>
-            <a:off x="10654302" y="1111118"/>
-            <a:ext cx="3513762" cy="646331"/>
-          </a:xfrm>
-          <a:prstGeom prst="rect">
-            <a:avLst/>
-          </a:prstGeom>
-          <a:noFill/>
-        </p:spPr>
-        <p:txBody>
-          <a:bodyPr wrap="square" rtlCol="0">
-            <a:spAutoFit/>
-          </a:bodyPr>
-          <a:lstStyle/>
-          <a:p>
-            <a:r>
-              <a:rPr lang="en-US" dirty="0"/>
-              <a:t>WHY do we need this?</a:t>
-            </a:r>
-          </a:p>
-          <a:p>
-            <a:r>
-              <a:rPr lang="en-US" dirty="0"/>
-              <a:t>To expose service to otter world.</a:t>
-            </a:r>
+              <a:rPr lang="en-US" dirty="0">
+                <a:solidFill>
+                  <a:schemeClr val="accent2">
+                    <a:lumMod val="50000"/>
+                  </a:schemeClr>
+                </a:solidFill>
+              </a:rPr>
+              <a:t>Service</a:t>
+            </a:r>
+            <a:endParaRPr lang="en-RU" dirty="0">
+              <a:solidFill>
+                <a:schemeClr val="accent2">
+                  <a:lumMod val="50000"/>
+                </a:schemeClr>
+              </a:solidFill>
+            </a:endParaRPr>
           </a:p>
         </p:txBody>
       </p:sp>
       <p:pic>
         <p:nvPicPr>
-          <p:cNvPr id="6" name="Picture 5">
+          <p:cNvPr id="11" name="Picture 10">
             <a:extLst>
               <a:ext uri="{FF2B5EF4-FFF2-40B4-BE49-F238E27FC236}">
-                <a16:creationId xmlns:a16="http://schemas.microsoft.com/office/drawing/2014/main" id="{44BE0AB8-17C2-C5B8-6C91-4A3E76184B5F}"/>
+                <a16:creationId xmlns:a16="http://schemas.microsoft.com/office/drawing/2014/main" id="{191EC296-81C2-AAEE-1938-5C2F2F50270E}"/>
               </a:ext>
             </a:extLst>
           </p:cNvPr>
@@ -13387,8 +13829,8 @@
         </p:blipFill>
         <p:spPr>
           <a:xfrm>
-            <a:off x="5062245" y="2326011"/>
-            <a:ext cx="8163510" cy="6814757"/>
+            <a:off x="5742305" y="2678677"/>
+            <a:ext cx="6803389" cy="5844838"/>
           </a:xfrm>
           <a:prstGeom prst="rect">
             <a:avLst/>
@@ -13397,10 +13839,10 @@
       </p:pic>
       <p:sp>
         <p:nvSpPr>
-          <p:cNvPr id="4" name="TextBox 3">
+          <p:cNvPr id="12" name="TextBox 11">
             <a:extLst>
               <a:ext uri="{FF2B5EF4-FFF2-40B4-BE49-F238E27FC236}">
-                <a16:creationId xmlns:a16="http://schemas.microsoft.com/office/drawing/2014/main" id="{6EE6F84E-DD02-FCC9-7E0C-ACEE41D06235}"/>
+                <a16:creationId xmlns:a16="http://schemas.microsoft.com/office/drawing/2014/main" id="{CB93B126-DD85-A37F-92D9-AB20DC5081F2}"/>
               </a:ext>
             </a:extLst>
           </p:cNvPr>
@@ -13409,8 +13851,8 @@
         </p:nvSpPr>
         <p:spPr>
           <a:xfrm>
-            <a:off x="17508906" y="9659383"/>
-            <a:ext cx="464024" cy="369332"/>
+            <a:off x="10654302" y="1111118"/>
+            <a:ext cx="3513762" cy="646331"/>
           </a:xfrm>
           <a:prstGeom prst="rect">
             <a:avLst/>
@@ -13424,12 +13866,87 @@
           <a:lstStyle/>
           <a:p>
             <a:r>
-              <a:rPr lang="ru-RU" dirty="0"/>
-              <a:t>1</a:t>
-            </a:r>
-            <a:r>
-              <a:rPr lang="en-US" dirty="0"/>
-              <a:t>6</a:t>
+              <a:rPr lang="en-US" dirty="0">
+                <a:solidFill>
+                  <a:schemeClr val="accent2">
+                    <a:lumMod val="50000"/>
+                  </a:schemeClr>
+                </a:solidFill>
+              </a:rPr>
+              <a:t>WHY do we need this?</a:t>
+            </a:r>
+          </a:p>
+          <a:p>
+            <a:r>
+              <a:rPr lang="en-US" dirty="0">
+                <a:solidFill>
+                  <a:schemeClr val="accent2">
+                    <a:lumMod val="50000"/>
+                  </a:schemeClr>
+                </a:solidFill>
+              </a:rPr>
+              <a:t>To </a:t>
+            </a:r>
+            <a:r>
+              <a:rPr lang="en-US" dirty="0" err="1">
+                <a:solidFill>
+                  <a:schemeClr val="accent2">
+                    <a:lumMod val="50000"/>
+                  </a:schemeClr>
+                </a:solidFill>
+              </a:rPr>
+              <a:t>loadbalance</a:t>
+            </a:r>
+            <a:r>
+              <a:rPr lang="en-US" dirty="0">
+                <a:solidFill>
+                  <a:schemeClr val="accent2">
+                    <a:lumMod val="50000"/>
+                  </a:schemeClr>
+                </a:solidFill>
+              </a:rPr>
+              <a:t> traffic across pods.</a:t>
+            </a:r>
+          </a:p>
+        </p:txBody>
+      </p:sp>
+      <p:sp>
+        <p:nvSpPr>
+          <p:cNvPr id="2" name="TextBox 1">
+            <a:extLst>
+              <a:ext uri="{FF2B5EF4-FFF2-40B4-BE49-F238E27FC236}">
+                <a16:creationId xmlns:a16="http://schemas.microsoft.com/office/drawing/2014/main" id="{F4B1668F-FF45-7F4F-1E8E-9BC6FD7566ED}"/>
+              </a:ext>
+            </a:extLst>
+          </p:cNvPr>
+          <p:cNvSpPr txBox="1"/>
+          <p:nvPr/>
+        </p:nvSpPr>
+        <p:spPr>
+          <a:xfrm>
+            <a:off x="17508906" y="9659383"/>
+            <a:ext cx="464024" cy="369332"/>
+          </a:xfrm>
+          <a:prstGeom prst="rect">
+            <a:avLst/>
+          </a:prstGeom>
+          <a:noFill/>
+        </p:spPr>
+        <p:txBody>
+          <a:bodyPr wrap="square" rtlCol="0">
+            <a:spAutoFit/>
+          </a:bodyPr>
+          <a:lstStyle/>
+          <a:p>
+            <a:r>
+              <a:rPr lang="en-US" dirty="0">
+                <a:solidFill>
+                  <a:schemeClr val="accent2">
+                    <a:lumMod val="50000"/>
+                  </a:schemeClr>
+                </a:solidFill>
+              </a:rPr>
+              <a:t>16</a:t>
             </a:r>
           </a:p>
         </p:txBody>
@@ -13437,7 +13954,7 @@
     </p:spTree>
     <p:extLst>
       <p:ext uri="{BB962C8B-B14F-4D97-AF65-F5344CB8AC3E}">
-        <p14:creationId xmlns:p14="http://schemas.microsoft.com/office/powerpoint/2010/main" val="6171073"/>
+        <p14:creationId xmlns:p14="http://schemas.microsoft.com/office/powerpoint/2010/main" val="3320755889"/>
       </p:ext>
     </p:extLst>
   </p:cSld>
@@ -13486,19 +14003,31 @@
           <a:lstStyle/>
           <a:p>
             <a:r>
-              <a:rPr lang="en-US" dirty="0"/>
-              <a:t>Ingress high level</a:t>
-            </a:r>
-            <a:endParaRPr lang="en-RU" dirty="0"/>
-          </a:p>
-        </p:txBody>
-      </p:sp>
-      <p:sp>
-        <p:nvSpPr>
-          <p:cNvPr id="5" name="TextBox 4">
+              <a:rPr lang="en-US" dirty="0">
+                <a:solidFill>
+                  <a:schemeClr val="accent2">
+                    <a:lumMod val="50000"/>
+                  </a:schemeClr>
+                </a:solidFill>
+              </a:rPr>
+              <a:t>Service exposing</a:t>
+            </a:r>
+            <a:endParaRPr lang="en-RU" dirty="0">
+              <a:solidFill>
+                <a:schemeClr val="accent2">
+                  <a:lumMod val="50000"/>
+                </a:schemeClr>
+              </a:solidFill>
+            </a:endParaRPr>
+          </a:p>
+        </p:txBody>
+      </p:sp>
+      <p:sp>
+        <p:nvSpPr>
+          <p:cNvPr id="12" name="TextBox 11">
             <a:extLst>
               <a:ext uri="{FF2B5EF4-FFF2-40B4-BE49-F238E27FC236}">
-                <a16:creationId xmlns:a16="http://schemas.microsoft.com/office/drawing/2014/main" id="{79E3EBAB-3437-86D0-CCC1-BCB107D77A37}"/>
+                <a16:creationId xmlns:a16="http://schemas.microsoft.com/office/drawing/2014/main" id="{CB93B126-DD85-A37F-92D9-AB20DC5081F2}"/>
               </a:ext>
             </a:extLst>
           </p:cNvPr>
@@ -13508,7 +14037,7 @@
         <p:spPr>
           <a:xfrm>
             <a:off x="10654302" y="1111118"/>
-            <a:ext cx="3513762" cy="646331"/>
+            <a:ext cx="3513762" cy="923330"/>
           </a:xfrm>
           <a:prstGeom prst="rect">
             <a:avLst/>
@@ -13522,14 +14051,26 @@
           <a:lstStyle/>
           <a:p>
             <a:r>
-              <a:rPr lang="en-US" dirty="0"/>
+              <a:rPr lang="en-US" dirty="0">
+                <a:solidFill>
+                  <a:schemeClr val="accent2">
+                    <a:lumMod val="50000"/>
+                  </a:schemeClr>
+                </a:solidFill>
+              </a:rPr>
               <a:t>WHY do we need this?</a:t>
             </a:r>
           </a:p>
           <a:p>
             <a:r>
-              <a:rPr lang="en-US" dirty="0"/>
-              <a:t>To understand how it works in reality.</a:t>
+              <a:rPr lang="en-US" dirty="0">
+                <a:solidFill>
+                  <a:schemeClr val="accent2">
+                    <a:lumMod val="50000"/>
+                  </a:schemeClr>
+                </a:solidFill>
+              </a:rPr>
+              <a:t>To make service accessible from outside.</a:t>
             </a:r>
           </a:p>
         </p:txBody>
@@ -13539,7 +14080,7 @@
           <p:cNvPr id="6" name="Picture 5">
             <a:extLst>
               <a:ext uri="{FF2B5EF4-FFF2-40B4-BE49-F238E27FC236}">
-                <a16:creationId xmlns:a16="http://schemas.microsoft.com/office/drawing/2014/main" id="{3C0C6227-74E5-E87B-A9BF-74D7BC14879B}"/>
+                <a16:creationId xmlns:a16="http://schemas.microsoft.com/office/drawing/2014/main" id="{A6009A1D-92F4-DFF2-4394-E8FE6F13B704}"/>
               </a:ext>
             </a:extLst>
           </p:cNvPr>
@@ -13556,14 +14097,13 @@
               </a:ext>
             </a:extLst>
           </a:blip>
-          <a:stretch>
-            <a:fillRect/>
-          </a:stretch>
+          <a:srcRect/>
+          <a:stretch/>
         </p:blipFill>
         <p:spPr>
           <a:xfrm>
-            <a:off x="6521794" y="2034449"/>
-            <a:ext cx="5244412" cy="7624765"/>
+            <a:off x="5511751" y="3074988"/>
+            <a:ext cx="6063493" cy="6065780"/>
           </a:xfrm>
           <a:prstGeom prst="rect">
             <a:avLst/>
@@ -13575,7 +14115,7 @@
           <p:cNvPr id="2" name="TextBox 1">
             <a:extLst>
               <a:ext uri="{FF2B5EF4-FFF2-40B4-BE49-F238E27FC236}">
-                <a16:creationId xmlns:a16="http://schemas.microsoft.com/office/drawing/2014/main" id="{65CBD4C6-81ED-2822-A665-8EDF5FBF3982}"/>
+                <a16:creationId xmlns:a16="http://schemas.microsoft.com/office/drawing/2014/main" id="{03DB367D-67BE-586D-C466-8D625C2EBE28}"/>
               </a:ext>
             </a:extLst>
           </p:cNvPr>
@@ -13599,11 +14139,23 @@
           <a:lstStyle/>
           <a:p>
             <a:r>
-              <a:rPr lang="ru-RU" dirty="0"/>
+              <a:rPr lang="ru-RU" dirty="0">
+                <a:solidFill>
+                  <a:schemeClr val="accent2">
+                    <a:lumMod val="50000"/>
+                  </a:schemeClr>
+                </a:solidFill>
+              </a:rPr>
               <a:t>1</a:t>
             </a:r>
             <a:r>
-              <a:rPr lang="en-US" dirty="0"/>
+              <a:rPr lang="en-US" dirty="0">
+                <a:solidFill>
+                  <a:schemeClr val="accent2">
+                    <a:lumMod val="50000"/>
+                  </a:schemeClr>
+                </a:solidFill>
+              </a:rPr>
               <a:t>7</a:t>
             </a:r>
           </a:p>
@@ -13612,7 +14164,7 @@
     </p:spTree>
     <p:extLst>
       <p:ext uri="{BB962C8B-B14F-4D97-AF65-F5344CB8AC3E}">
-        <p14:creationId xmlns:p14="http://schemas.microsoft.com/office/powerpoint/2010/main" val="1586238677"/>
+        <p14:creationId xmlns:p14="http://schemas.microsoft.com/office/powerpoint/2010/main" val="718424771"/>
       </p:ext>
     </p:extLst>
   </p:cSld>
@@ -13661,19 +14213,67 @@
           <a:lstStyle/>
           <a:p>
             <a:r>
-              <a:rPr lang="en-US" dirty="0"/>
-              <a:t>Q&amp;A: story</a:t>
-            </a:r>
-            <a:endParaRPr lang="en-RU" dirty="0"/>
-          </a:p>
-        </p:txBody>
-      </p:sp>
-      <p:sp>
-        <p:nvSpPr>
-          <p:cNvPr id="2" name="TextBox 1">
+              <a:rPr lang="en-US" dirty="0">
+                <a:solidFill>
+                  <a:schemeClr val="accent2">
+                    <a:lumMod val="50000"/>
+                  </a:schemeClr>
+                </a:solidFill>
+              </a:rPr>
+              <a:t>Service high level</a:t>
+            </a:r>
+            <a:endParaRPr lang="en-RU" dirty="0">
+              <a:solidFill>
+                <a:schemeClr val="accent2">
+                  <a:lumMod val="50000"/>
+                </a:schemeClr>
+              </a:solidFill>
+            </a:endParaRPr>
+          </a:p>
+        </p:txBody>
+      </p:sp>
+      <p:pic>
+        <p:nvPicPr>
+          <p:cNvPr id="4" name="Picture 3">
             <a:extLst>
               <a:ext uri="{FF2B5EF4-FFF2-40B4-BE49-F238E27FC236}">
-                <a16:creationId xmlns:a16="http://schemas.microsoft.com/office/drawing/2014/main" id="{AA4ACA97-5B52-34DD-BDB2-C2C151A36505}"/>
+                <a16:creationId xmlns:a16="http://schemas.microsoft.com/office/drawing/2014/main" id="{09D8D285-7BF1-8045-164C-2ADE58C7FD3A}"/>
+              </a:ext>
+            </a:extLst>
+          </p:cNvPr>
+          <p:cNvPicPr>
+            <a:picLocks noChangeAspect="1"/>
+          </p:cNvPicPr>
+          <p:nvPr/>
+        </p:nvPicPr>
+        <p:blipFill>
+          <a:blip r:embed="rId2">
+            <a:extLst>
+              <a:ext uri="{28A0092B-C50C-407E-A947-70E740481C1C}">
+                <a14:useLocalDpi xmlns:a14="http://schemas.microsoft.com/office/drawing/2010/main" val="0"/>
+              </a:ext>
+            </a:extLst>
+          </a:blip>
+          <a:stretch>
+            <a:fillRect/>
+          </a:stretch>
+        </p:blipFill>
+        <p:spPr>
+          <a:xfrm>
+            <a:off x="5993271" y="3140482"/>
+            <a:ext cx="6301458" cy="6000286"/>
+          </a:xfrm>
+          <a:prstGeom prst="rect">
+            <a:avLst/>
+          </a:prstGeom>
+        </p:spPr>
+      </p:pic>
+      <p:sp>
+        <p:nvSpPr>
+          <p:cNvPr id="5" name="TextBox 4">
+            <a:extLst>
+              <a:ext uri="{FF2B5EF4-FFF2-40B4-BE49-F238E27FC236}">
+                <a16:creationId xmlns:a16="http://schemas.microsoft.com/office/drawing/2014/main" id="{79E3EBAB-3437-86D0-CCC1-BCB107D77A37}"/>
               </a:ext>
             </a:extLst>
           </p:cNvPr>
@@ -13697,32 +14297,36 @@
           <a:lstStyle/>
           <a:p>
             <a:r>
-              <a:rPr lang="en-US" dirty="0"/>
+              <a:rPr lang="en-US" dirty="0">
+                <a:solidFill>
+                  <a:schemeClr val="accent2">
+                    <a:lumMod val="50000"/>
+                  </a:schemeClr>
+                </a:solidFill>
+              </a:rPr>
               <a:t>WHY do we need this?</a:t>
             </a:r>
           </a:p>
           <a:p>
             <a:r>
-              <a:rPr lang="en-US" dirty="0"/>
-              <a:t>To see </a:t>
-            </a:r>
-            <a:r>
-              <a:rPr lang="en-US" dirty="0" err="1"/>
-              <a:t>usecases</a:t>
-            </a:r>
-            <a:r>
-              <a:rPr lang="en-US" dirty="0"/>
-              <a:t>.</a:t>
-            </a:r>
-          </a:p>
-        </p:txBody>
-      </p:sp>
-      <p:sp>
-        <p:nvSpPr>
-          <p:cNvPr id="4" name="TextBox 3">
+              <a:rPr lang="en-US" dirty="0">
+                <a:solidFill>
+                  <a:schemeClr val="accent2">
+                    <a:lumMod val="50000"/>
+                  </a:schemeClr>
+                </a:solidFill>
+              </a:rPr>
+              <a:t>To understand how it works in reality.</a:t>
+            </a:r>
+          </a:p>
+        </p:txBody>
+      </p:sp>
+      <p:sp>
+        <p:nvSpPr>
+          <p:cNvPr id="2" name="TextBox 1">
             <a:extLst>
               <a:ext uri="{FF2B5EF4-FFF2-40B4-BE49-F238E27FC236}">
-                <a16:creationId xmlns:a16="http://schemas.microsoft.com/office/drawing/2014/main" id="{95BAC16E-7ACC-94DF-5B4C-368367FB7A4D}"/>
+                <a16:creationId xmlns:a16="http://schemas.microsoft.com/office/drawing/2014/main" id="{BEA40B01-BD44-D7D7-1D4E-0151267416F1}"/>
               </a:ext>
             </a:extLst>
           </p:cNvPr>
@@ -13746,8 +14350,168 @@
           <a:lstStyle/>
           <a:p>
             <a:r>
-              <a:rPr lang="en-US" dirty="0"/>
-              <a:t>18</a:t>
+              <a:rPr lang="ru-RU" dirty="0">
+                <a:solidFill>
+                  <a:schemeClr val="accent2">
+                    <a:lumMod val="50000"/>
+                  </a:schemeClr>
+                </a:solidFill>
+              </a:rPr>
+              <a:t>1</a:t>
+            </a:r>
+            <a:r>
+              <a:rPr lang="en-US" dirty="0">
+                <a:solidFill>
+                  <a:schemeClr val="accent2">
+                    <a:lumMod val="50000"/>
+                  </a:schemeClr>
+                </a:solidFill>
+              </a:rPr>
+              <a:t>8</a:t>
+            </a:r>
+          </a:p>
+        </p:txBody>
+      </p:sp>
+    </p:spTree>
+    <p:extLst>
+      <p:ext uri="{BB962C8B-B14F-4D97-AF65-F5344CB8AC3E}">
+        <p14:creationId xmlns:p14="http://schemas.microsoft.com/office/powerpoint/2010/main" val="3269572567"/>
+      </p:ext>
+    </p:extLst>
+  </p:cSld>
+  <p:clrMapOvr>
+    <a:masterClrMapping/>
+  </p:clrMapOvr>
+</p:sld>
+</file>
+
+<file path=ppt/slides/slide19.xml><?xml version="1.0" encoding="utf-8"?>
+<p:sld xmlns:a="http://schemas.openxmlformats.org/drawingml/2006/main" xmlns:r="http://schemas.openxmlformats.org/officeDocument/2006/relationships" xmlns:p="http://schemas.openxmlformats.org/presentationml/2006/main">
+  <p:cSld>
+    <p:spTree>
+      <p:nvGrpSpPr>
+        <p:cNvPr id="1" name=""/>
+        <p:cNvGrpSpPr/>
+        <p:nvPr/>
+      </p:nvGrpSpPr>
+      <p:grpSpPr>
+        <a:xfrm>
+          <a:off x="0" y="0"/>
+          <a:ext cx="0" cy="0"/>
+          <a:chOff x="0" y="0"/>
+          <a:chExt cx="0" cy="0"/>
+        </a:xfrm>
+      </p:grpSpPr>
+      <p:sp>
+        <p:nvSpPr>
+          <p:cNvPr id="3" name="Title 2">
+            <a:extLst>
+              <a:ext uri="{FF2B5EF4-FFF2-40B4-BE49-F238E27FC236}">
+                <a16:creationId xmlns:a16="http://schemas.microsoft.com/office/drawing/2014/main" id="{706501E4-6246-A606-7483-C427CF30CD57}"/>
+              </a:ext>
+            </a:extLst>
+          </p:cNvPr>
+          <p:cNvSpPr>
+            <a:spLocks noGrp="1"/>
+          </p:cNvSpPr>
+          <p:nvPr>
+            <p:ph type="title"/>
+          </p:nvPr>
+        </p:nvSpPr>
+        <p:spPr/>
+        <p:txBody>
+          <a:bodyPr/>
+          <a:lstStyle/>
+          <a:p>
+            <a:r>
+              <a:rPr lang="en-US" dirty="0">
+                <a:solidFill>
+                  <a:schemeClr val="accent1">
+                    <a:lumMod val="50000"/>
+                  </a:schemeClr>
+                </a:solidFill>
+              </a:rPr>
+              <a:t>Q&amp;A: story</a:t>
+            </a:r>
+            <a:endParaRPr lang="en-RU" dirty="0">
+              <a:solidFill>
+                <a:schemeClr val="accent1">
+                  <a:lumMod val="50000"/>
+                </a:schemeClr>
+              </a:solidFill>
+            </a:endParaRPr>
+          </a:p>
+        </p:txBody>
+      </p:sp>
+      <p:sp>
+        <p:nvSpPr>
+          <p:cNvPr id="2" name="TextBox 1">
+            <a:extLst>
+              <a:ext uri="{FF2B5EF4-FFF2-40B4-BE49-F238E27FC236}">
+                <a16:creationId xmlns:a16="http://schemas.microsoft.com/office/drawing/2014/main" id="{AA4ACA97-5B52-34DD-BDB2-C2C151A36505}"/>
+              </a:ext>
+            </a:extLst>
+          </p:cNvPr>
+          <p:cNvSpPr txBox="1"/>
+          <p:nvPr/>
+        </p:nvSpPr>
+        <p:spPr>
+          <a:xfrm>
+            <a:off x="10654302" y="1111118"/>
+            <a:ext cx="3513762" cy="646331"/>
+          </a:xfrm>
+          <a:prstGeom prst="rect">
+            <a:avLst/>
+          </a:prstGeom>
+          <a:noFill/>
+        </p:spPr>
+        <p:txBody>
+          <a:bodyPr wrap="square" rtlCol="0">
+            <a:spAutoFit/>
+          </a:bodyPr>
+          <a:lstStyle/>
+          <a:p>
+            <a:r>
+              <a:rPr lang="en-US" dirty="0">
+                <a:solidFill>
+                  <a:schemeClr val="accent1">
+                    <a:lumMod val="50000"/>
+                  </a:schemeClr>
+                </a:solidFill>
+              </a:rPr>
+              <a:t>WHY do we need this?</a:t>
+            </a:r>
+          </a:p>
+          <a:p>
+            <a:r>
+              <a:rPr lang="en-US" dirty="0">
+                <a:solidFill>
+                  <a:schemeClr val="accent1">
+                    <a:lumMod val="50000"/>
+                  </a:schemeClr>
+                </a:solidFill>
+              </a:rPr>
+              <a:t>To see </a:t>
+            </a:r>
+            <a:r>
+              <a:rPr lang="en-US" dirty="0" err="1">
+                <a:solidFill>
+                  <a:schemeClr val="accent1">
+                    <a:lumMod val="50000"/>
+                  </a:schemeClr>
+                </a:solidFill>
+              </a:rPr>
+              <a:t>usecases</a:t>
+            </a:r>
+            <a:r>
+              <a:rPr lang="en-US" dirty="0">
+                <a:solidFill>
+                  <a:schemeClr val="accent1">
+                    <a:lumMod val="50000"/>
+                  </a:schemeClr>
+                </a:solidFill>
+              </a:rPr>
+              <a:t>.</a:t>
             </a:r>
           </a:p>
         </p:txBody>
@@ -13799,7 +14563,7 @@
             <a:pPr algn="ctr"/>
             <a:r>
               <a:rPr lang="en-US" dirty="0"/>
-              <a:t>And what if I have multiple services? How I would make them accessible from otter world?</a:t>
+              <a:t>But how clients would access all those pods?</a:t>
             </a:r>
           </a:p>
         </p:txBody>
@@ -13872,7 +14636,13 @@
           <a:lstStyle/>
           <a:p>
             <a:r>
-              <a:rPr lang="en-US" dirty="0"/>
+              <a:rPr lang="en-US" dirty="0">
+                <a:solidFill>
+                  <a:schemeClr val="accent1">
+                    <a:lumMod val="50000"/>
+                  </a:schemeClr>
+                </a:solidFill>
+              </a:rPr>
               <a:t>Alice</a:t>
             </a:r>
           </a:p>
@@ -13946,7 +14716,13 @@
           <a:lstStyle/>
           <a:p>
             <a:r>
-              <a:rPr lang="en-US" dirty="0"/>
+              <a:rPr lang="en-US" dirty="0">
+                <a:solidFill>
+                  <a:schemeClr val="accent1">
+                    <a:lumMod val="50000"/>
+                  </a:schemeClr>
+                </a:solidFill>
+              </a:rPr>
               <a:t>Bob</a:t>
             </a:r>
           </a:p>
@@ -13999,7 +14775,66 @@
             <a:pPr algn="ctr"/>
             <a:r>
               <a:rPr lang="en-US" dirty="0"/>
-              <a:t>Ingress would do the job for you.</a:t>
+              <a:t>Service is the answer! It provides single endpoint for all pods and takes care of </a:t>
+            </a:r>
+            <a:r>
+              <a:rPr lang="en-US" dirty="0" err="1"/>
+              <a:t>loadbalancing</a:t>
+            </a:r>
+            <a:r>
+              <a:rPr lang="en-US" dirty="0"/>
+              <a:t> task.</a:t>
+            </a:r>
+          </a:p>
+        </p:txBody>
+      </p:sp>
+      <p:sp>
+        <p:nvSpPr>
+          <p:cNvPr id="5" name="TextBox 4">
+            <a:extLst>
+              <a:ext uri="{FF2B5EF4-FFF2-40B4-BE49-F238E27FC236}">
+                <a16:creationId xmlns:a16="http://schemas.microsoft.com/office/drawing/2014/main" id="{8FE66850-31F2-2061-48C8-1D322504AC3D}"/>
+              </a:ext>
+            </a:extLst>
+          </p:cNvPr>
+          <p:cNvSpPr txBox="1"/>
+          <p:nvPr/>
+        </p:nvSpPr>
+        <p:spPr>
+          <a:xfrm>
+            <a:off x="17508906" y="9659383"/>
+            <a:ext cx="464024" cy="369332"/>
+          </a:xfrm>
+          <a:prstGeom prst="rect">
+            <a:avLst/>
+          </a:prstGeom>
+          <a:noFill/>
+        </p:spPr>
+        <p:txBody>
+          <a:bodyPr wrap="square" rtlCol="0">
+            <a:spAutoFit/>
+          </a:bodyPr>
+          <a:lstStyle/>
+          <a:p>
+            <a:r>
+              <a:rPr lang="ru-RU" dirty="0">
+                <a:solidFill>
+                  <a:schemeClr val="accent1">
+                    <a:lumMod val="50000"/>
+                  </a:schemeClr>
+                </a:solidFill>
+              </a:rPr>
+              <a:t>1</a:t>
+            </a:r>
+            <a:r>
+              <a:rPr lang="en-US" dirty="0">
+                <a:solidFill>
+                  <a:schemeClr val="accent1">
+                    <a:lumMod val="50000"/>
+                  </a:schemeClr>
+                </a:solidFill>
+              </a:rPr>
+              <a:t>9</a:t>
             </a:r>
           </a:p>
         </p:txBody>
@@ -14007,7 +14842,7 @@
     </p:spTree>
     <p:extLst>
       <p:ext uri="{BB962C8B-B14F-4D97-AF65-F5344CB8AC3E}">
-        <p14:creationId xmlns:p14="http://schemas.microsoft.com/office/powerpoint/2010/main" val="2212343015"/>
+        <p14:creationId xmlns:p14="http://schemas.microsoft.com/office/powerpoint/2010/main" val="3576578509"/>
       </p:ext>
     </p:extLst>
   </p:cSld>
@@ -14036,6 +14871,52 @@
       </p:grpSpPr>
       <p:sp>
         <p:nvSpPr>
+          <p:cNvPr id="19" name="Rectangle: Folded Corner 18">
+            <a:extLst>
+              <a:ext uri="{FF2B5EF4-FFF2-40B4-BE49-F238E27FC236}">
+                <a16:creationId xmlns:a16="http://schemas.microsoft.com/office/drawing/2014/main" id="{C7457320-98B8-6360-29CF-FFBB111E9A53}"/>
+              </a:ext>
+            </a:extLst>
+          </p:cNvPr>
+          <p:cNvSpPr/>
+          <p:nvPr/>
+        </p:nvSpPr>
+        <p:spPr>
+          <a:xfrm>
+            <a:off x="1223493" y="3348507"/>
+            <a:ext cx="6465194" cy="3206839"/>
+          </a:xfrm>
+          <a:prstGeom prst="foldedCorner">
+            <a:avLst/>
+          </a:prstGeom>
+        </p:spPr>
+        <p:style>
+          <a:lnRef idx="2">
+            <a:schemeClr val="accent1">
+              <a:shade val="50000"/>
+            </a:schemeClr>
+          </a:lnRef>
+          <a:fillRef idx="1">
+            <a:schemeClr val="accent1"/>
+          </a:fillRef>
+          <a:effectRef idx="0">
+            <a:schemeClr val="accent1"/>
+          </a:effectRef>
+          <a:fontRef idx="minor">
+            <a:schemeClr val="lt1"/>
+          </a:fontRef>
+        </p:style>
+        <p:txBody>
+          <a:bodyPr rtlCol="0" anchor="ctr"/>
+          <a:lstStyle/>
+          <a:p>
+            <a:pPr algn="ctr"/>
+            <a:endParaRPr lang="en-US"/>
+          </a:p>
+        </p:txBody>
+      </p:sp>
+      <p:sp>
+        <p:nvSpPr>
           <p:cNvPr id="3" name="Title 2">
             <a:extLst>
               <a:ext uri="{FF2B5EF4-FFF2-40B4-BE49-F238E27FC236}">
@@ -14057,18 +14938,1157 @@
           <a:p>
             <a:r>
               <a:rPr lang="en-US" dirty="0"/>
-              <a:t>History</a:t>
+              <a:t>Agenda</a:t>
             </a:r>
             <a:endParaRPr lang="en-RU" dirty="0"/>
+          </a:p>
+        </p:txBody>
+      </p:sp>
+      <p:sp>
+        <p:nvSpPr>
+          <p:cNvPr id="14" name="Content Placeholder 13">
+            <a:extLst>
+              <a:ext uri="{FF2B5EF4-FFF2-40B4-BE49-F238E27FC236}">
+                <a16:creationId xmlns:a16="http://schemas.microsoft.com/office/drawing/2014/main" id="{92D8B030-CC28-1BC2-FF68-880E46DF8AF4}"/>
+              </a:ext>
+            </a:extLst>
+          </p:cNvPr>
+          <p:cNvSpPr>
+            <a:spLocks noGrp="1"/>
+          </p:cNvSpPr>
+          <p:nvPr>
+            <p:ph idx="1"/>
+          </p:nvPr>
+        </p:nvSpPr>
+        <p:spPr>
+          <a:xfrm>
+            <a:off x="1476079" y="3345064"/>
+            <a:ext cx="6225487" cy="3635285"/>
+          </a:xfrm>
+        </p:spPr>
+        <p:txBody>
+          <a:bodyPr/>
+          <a:lstStyle/>
+          <a:p>
+            <a:r>
+              <a:rPr lang="en-US" dirty="0">
+                <a:solidFill>
+                  <a:schemeClr val="bg2"/>
+                </a:solidFill>
+              </a:rPr>
+              <a:t>DAY 1</a:t>
+            </a:r>
+          </a:p>
+          <a:p>
+            <a:pPr marL="342900" indent="-342900">
+              <a:buFont typeface="Arial" panose="020B0604020202020204" pitchFamily="34" charset="0"/>
+              <a:buChar char="•"/>
+            </a:pPr>
+            <a:r>
+              <a:rPr lang="en-US" dirty="0">
+                <a:solidFill>
+                  <a:schemeClr val="bg2"/>
+                </a:solidFill>
+              </a:rPr>
+              <a:t>Learn about docker containers.</a:t>
+            </a:r>
+          </a:p>
+          <a:p>
+            <a:pPr marL="342900" indent="-342900">
+              <a:buFont typeface="Arial" panose="020B0604020202020204" pitchFamily="34" charset="0"/>
+              <a:buChar char="•"/>
+            </a:pPr>
+            <a:r>
+              <a:rPr lang="en-US" dirty="0">
+                <a:solidFill>
+                  <a:schemeClr val="bg2"/>
+                </a:solidFill>
+              </a:rPr>
+              <a:t>Get acquainted with Kubernetes basic concepts.</a:t>
+            </a:r>
+          </a:p>
+          <a:p>
+            <a:pPr marL="342900" indent="-342900">
+              <a:buFont typeface="Arial" panose="020B0604020202020204" pitchFamily="34" charset="0"/>
+              <a:buChar char="•"/>
+            </a:pPr>
+            <a:r>
+              <a:rPr lang="en-US" dirty="0">
+                <a:solidFill>
+                  <a:schemeClr val="bg2"/>
+                </a:solidFill>
+              </a:rPr>
+              <a:t>Try launching your minimal stateless application.</a:t>
+            </a:r>
+          </a:p>
+          <a:p>
+            <a:pPr marL="342900" indent="-342900">
+              <a:buFont typeface="Arial" panose="020B0604020202020204" pitchFamily="34" charset="0"/>
+              <a:buChar char="•"/>
+            </a:pPr>
+            <a:r>
+              <a:rPr lang="en-US" dirty="0">
+                <a:solidFill>
+                  <a:schemeClr val="bg2"/>
+                </a:solidFill>
+              </a:rPr>
+              <a:t>Explore Kubernetes networking.</a:t>
+            </a:r>
+          </a:p>
+          <a:p>
+            <a:endParaRPr lang="en-US" dirty="0"/>
+          </a:p>
+        </p:txBody>
+      </p:sp>
+      <p:sp>
+        <p:nvSpPr>
+          <p:cNvPr id="2" name="TextBox 1">
+            <a:extLst>
+              <a:ext uri="{FF2B5EF4-FFF2-40B4-BE49-F238E27FC236}">
+                <a16:creationId xmlns:a16="http://schemas.microsoft.com/office/drawing/2014/main" id="{AA4ACA97-5B52-34DD-BDB2-C2C151A36505}"/>
+              </a:ext>
+            </a:extLst>
+          </p:cNvPr>
+          <p:cNvSpPr txBox="1"/>
+          <p:nvPr/>
+        </p:nvSpPr>
+        <p:spPr>
+          <a:xfrm>
+            <a:off x="10654302" y="1111118"/>
+            <a:ext cx="3513762" cy="646331"/>
+          </a:xfrm>
+          <a:prstGeom prst="rect">
+            <a:avLst/>
+          </a:prstGeom>
+          <a:noFill/>
+        </p:spPr>
+        <p:txBody>
+          <a:bodyPr wrap="square" rtlCol="0">
+            <a:spAutoFit/>
+          </a:bodyPr>
+          <a:lstStyle/>
+          <a:p>
+            <a:r>
+              <a:rPr lang="en-US" dirty="0"/>
+              <a:t>WHY do we need this?</a:t>
+            </a:r>
+          </a:p>
+          <a:p>
+            <a:r>
+              <a:rPr lang="en-US" dirty="0"/>
+              <a:t>To understand what is waiting ahead.</a:t>
+            </a:r>
+          </a:p>
+        </p:txBody>
+      </p:sp>
+      <p:sp>
+        <p:nvSpPr>
+          <p:cNvPr id="4" name="TextBox 3">
+            <a:extLst>
+              <a:ext uri="{FF2B5EF4-FFF2-40B4-BE49-F238E27FC236}">
+                <a16:creationId xmlns:a16="http://schemas.microsoft.com/office/drawing/2014/main" id="{95BAC16E-7ACC-94DF-5B4C-368367FB7A4D}"/>
+              </a:ext>
+            </a:extLst>
+          </p:cNvPr>
+          <p:cNvSpPr txBox="1"/>
+          <p:nvPr/>
+        </p:nvSpPr>
+        <p:spPr>
+          <a:xfrm>
+            <a:off x="17508906" y="9659383"/>
+            <a:ext cx="464024" cy="369332"/>
+          </a:xfrm>
+          <a:prstGeom prst="rect">
+            <a:avLst/>
+          </a:prstGeom>
+          <a:noFill/>
+        </p:spPr>
+        <p:txBody>
+          <a:bodyPr wrap="square" rtlCol="0">
+            <a:spAutoFit/>
+          </a:bodyPr>
+          <a:lstStyle/>
+          <a:p>
+            <a:r>
+              <a:rPr lang="en-US" dirty="0"/>
+              <a:t>2</a:t>
+            </a:r>
+          </a:p>
+        </p:txBody>
+      </p:sp>
+      <p:sp>
+        <p:nvSpPr>
+          <p:cNvPr id="20" name="Rectangle: Folded Corner 19">
+            <a:extLst>
+              <a:ext uri="{FF2B5EF4-FFF2-40B4-BE49-F238E27FC236}">
+                <a16:creationId xmlns:a16="http://schemas.microsoft.com/office/drawing/2014/main" id="{1F345D1F-5DD5-14ED-C4BD-409845003A76}"/>
+              </a:ext>
+            </a:extLst>
+          </p:cNvPr>
+          <p:cNvSpPr/>
+          <p:nvPr/>
+        </p:nvSpPr>
+        <p:spPr>
+          <a:xfrm>
+            <a:off x="9824434" y="3348507"/>
+            <a:ext cx="6465194" cy="3206839"/>
+          </a:xfrm>
+          <a:prstGeom prst="foldedCorner">
+            <a:avLst/>
+          </a:prstGeom>
+        </p:spPr>
+        <p:style>
+          <a:lnRef idx="2">
+            <a:schemeClr val="accent1">
+              <a:shade val="50000"/>
+            </a:schemeClr>
+          </a:lnRef>
+          <a:fillRef idx="1">
+            <a:schemeClr val="accent1"/>
+          </a:fillRef>
+          <a:effectRef idx="0">
+            <a:schemeClr val="accent1"/>
+          </a:effectRef>
+          <a:fontRef idx="minor">
+            <a:schemeClr val="lt1"/>
+          </a:fontRef>
+        </p:style>
+        <p:txBody>
+          <a:bodyPr rtlCol="0" anchor="ctr"/>
+          <a:lstStyle/>
+          <a:p>
+            <a:pPr algn="ctr"/>
+            <a:endParaRPr lang="en-US"/>
+          </a:p>
+        </p:txBody>
+      </p:sp>
+      <p:sp>
+        <p:nvSpPr>
+          <p:cNvPr id="21" name="Content Placeholder 13">
+            <a:extLst>
+              <a:ext uri="{FF2B5EF4-FFF2-40B4-BE49-F238E27FC236}">
+                <a16:creationId xmlns:a16="http://schemas.microsoft.com/office/drawing/2014/main" id="{71CD2A91-94E6-A608-FE4E-BF352D42FCFF}"/>
+              </a:ext>
+            </a:extLst>
+          </p:cNvPr>
+          <p:cNvSpPr txBox="1">
+            <a:spLocks/>
+          </p:cNvSpPr>
+          <p:nvPr/>
+        </p:nvSpPr>
+        <p:spPr>
+          <a:xfrm>
+            <a:off x="10077020" y="3345064"/>
+            <a:ext cx="6225487" cy="3635285"/>
+          </a:xfrm>
+          <a:prstGeom prst="rect">
+            <a:avLst/>
+          </a:prstGeom>
+        </p:spPr>
+        <p:txBody>
+          <a:bodyPr vert="horz" lIns="0" tIns="0" rIns="0" bIns="0" rtlCol="0">
+            <a:noAutofit/>
+          </a:bodyPr>
+          <a:lstStyle>
+            <a:lvl1pPr marL="0" indent="0" algn="l" defTabSz="1371874" rtl="0" eaLnBrk="1" latinLnBrk="0" hangingPunct="1">
+              <a:lnSpc>
+                <a:spcPct val="120000"/>
+              </a:lnSpc>
+              <a:spcBef>
+                <a:spcPts val="1800"/>
+              </a:spcBef>
+              <a:buClr>
+                <a:srgbClr val="FFB133"/>
+              </a:buClr>
+              <a:buFont typeface="+mj-lt"/>
+              <a:buNone/>
+              <a:defRPr sz="2400" b="0" i="0" kern="1200">
+                <a:solidFill>
+                  <a:schemeClr val="tx1"/>
+                </a:solidFill>
+                <a:latin typeface="DA_FuturaPT Book" panose="020B0502020204020303" pitchFamily="34" charset="0"/>
+                <a:ea typeface="DA_FuturaPT Book" panose="020B0502020204020303" pitchFamily="34" charset="0"/>
+                <a:cs typeface="+mn-cs"/>
+              </a:defRPr>
+            </a:lvl1pPr>
+            <a:lvl2pPr marL="457291" indent="0" algn="l" defTabSz="1371874" rtl="0" eaLnBrk="1" latinLnBrk="0" hangingPunct="1">
+              <a:lnSpc>
+                <a:spcPct val="120000"/>
+              </a:lnSpc>
+              <a:spcBef>
+                <a:spcPts val="1800"/>
+              </a:spcBef>
+              <a:buClr>
+                <a:srgbClr val="FFB133"/>
+              </a:buClr>
+              <a:buFont typeface="+mj-lt"/>
+              <a:buNone/>
+              <a:defRPr sz="2801" b="0" i="0" kern="1200">
+                <a:solidFill>
+                  <a:schemeClr val="tx1"/>
+                </a:solidFill>
+                <a:latin typeface="DA_FuturaPT Book" panose="020B0502020204020303" pitchFamily="34" charset="0"/>
+                <a:ea typeface="DA_FuturaPT Book" panose="020B0502020204020303" pitchFamily="34" charset="0"/>
+                <a:cs typeface="+mn-cs"/>
+              </a:defRPr>
+            </a:lvl2pPr>
+            <a:lvl3pPr marL="914583" indent="0" algn="l" defTabSz="1371874" rtl="0" eaLnBrk="1" latinLnBrk="0" hangingPunct="1">
+              <a:lnSpc>
+                <a:spcPct val="120000"/>
+              </a:lnSpc>
+              <a:spcBef>
+                <a:spcPts val="1800"/>
+              </a:spcBef>
+              <a:buClr>
+                <a:srgbClr val="FFB133"/>
+              </a:buClr>
+              <a:buFont typeface="+mj-lt"/>
+              <a:buNone/>
+              <a:defRPr sz="2400" b="0" i="0" kern="1200">
+                <a:solidFill>
+                  <a:schemeClr val="tx1"/>
+                </a:solidFill>
+                <a:latin typeface="DA_FuturaPT Book" panose="020B0502020204020303" pitchFamily="34" charset="0"/>
+                <a:ea typeface="DA_FuturaPT Book" panose="020B0502020204020303" pitchFamily="34" charset="0"/>
+                <a:cs typeface="+mn-cs"/>
+              </a:defRPr>
+            </a:lvl3pPr>
+            <a:lvl4pPr marL="1371875" indent="0" algn="l" defTabSz="1371874" rtl="0" eaLnBrk="1" latinLnBrk="0" hangingPunct="1">
+              <a:lnSpc>
+                <a:spcPct val="120000"/>
+              </a:lnSpc>
+              <a:spcBef>
+                <a:spcPts val="1800"/>
+              </a:spcBef>
+              <a:buClr>
+                <a:srgbClr val="FFB133"/>
+              </a:buClr>
+              <a:buFont typeface="+mj-lt"/>
+              <a:buNone/>
+              <a:defRPr sz="2200" b="0" i="0" kern="1200">
+                <a:solidFill>
+                  <a:schemeClr val="tx1"/>
+                </a:solidFill>
+                <a:latin typeface="DA_FuturaPT Book" panose="020B0502020204020303" pitchFamily="34" charset="0"/>
+                <a:ea typeface="DA_FuturaPT Book" panose="020B0502020204020303" pitchFamily="34" charset="0"/>
+                <a:cs typeface="+mn-cs"/>
+              </a:defRPr>
+            </a:lvl4pPr>
+            <a:lvl5pPr marL="1829166" indent="0" algn="l" defTabSz="1371874" rtl="0" eaLnBrk="1" latinLnBrk="0" hangingPunct="1">
+              <a:lnSpc>
+                <a:spcPct val="120000"/>
+              </a:lnSpc>
+              <a:spcBef>
+                <a:spcPts val="1800"/>
+              </a:spcBef>
+              <a:buClr>
+                <a:srgbClr val="FFB133"/>
+              </a:buClr>
+              <a:buFont typeface="+mj-lt"/>
+              <a:buNone/>
+              <a:tabLst>
+                <a:tab pos="9490386" algn="l"/>
+              </a:tabLst>
+              <a:defRPr sz="2000" b="0" i="0" kern="1200">
+                <a:solidFill>
+                  <a:schemeClr val="tx1"/>
+                </a:solidFill>
+                <a:latin typeface="DA_FuturaPT Book" panose="020B0502020204020303" pitchFamily="34" charset="0"/>
+                <a:ea typeface="DA_FuturaPT Book" panose="020B0502020204020303" pitchFamily="34" charset="0"/>
+                <a:cs typeface="+mn-cs"/>
+              </a:defRPr>
+            </a:lvl5pPr>
+            <a:lvl6pPr marL="3772654" indent="-342969" algn="l" defTabSz="1371874" rtl="0" eaLnBrk="1" latinLnBrk="0" hangingPunct="1">
+              <a:lnSpc>
+                <a:spcPct val="90000"/>
+              </a:lnSpc>
+              <a:spcBef>
+                <a:spcPts val="750"/>
+              </a:spcBef>
+              <a:buFont typeface="Arial" panose="020B0604020202020204" pitchFamily="34" charset="0"/>
+              <a:buChar char="•"/>
+              <a:defRPr sz="2701" kern="1200">
+                <a:solidFill>
+                  <a:schemeClr val="tx1"/>
+                </a:solidFill>
+                <a:latin typeface="+mn-lt"/>
+                <a:ea typeface="+mn-ea"/>
+                <a:cs typeface="+mn-cs"/>
+              </a:defRPr>
+            </a:lvl6pPr>
+            <a:lvl7pPr marL="4458592" indent="-342969" algn="l" defTabSz="1371874" rtl="0" eaLnBrk="1" latinLnBrk="0" hangingPunct="1">
+              <a:lnSpc>
+                <a:spcPct val="90000"/>
+              </a:lnSpc>
+              <a:spcBef>
+                <a:spcPts val="750"/>
+              </a:spcBef>
+              <a:buFont typeface="Arial" panose="020B0604020202020204" pitchFamily="34" charset="0"/>
+              <a:buChar char="•"/>
+              <a:defRPr sz="2701" kern="1200">
+                <a:solidFill>
+                  <a:schemeClr val="tx1"/>
+                </a:solidFill>
+                <a:latin typeface="+mn-lt"/>
+                <a:ea typeface="+mn-ea"/>
+                <a:cs typeface="+mn-cs"/>
+              </a:defRPr>
+            </a:lvl7pPr>
+            <a:lvl8pPr marL="5144529" indent="-342969" algn="l" defTabSz="1371874" rtl="0" eaLnBrk="1" latinLnBrk="0" hangingPunct="1">
+              <a:lnSpc>
+                <a:spcPct val="90000"/>
+              </a:lnSpc>
+              <a:spcBef>
+                <a:spcPts val="750"/>
+              </a:spcBef>
+              <a:buFont typeface="Arial" panose="020B0604020202020204" pitchFamily="34" charset="0"/>
+              <a:buChar char="•"/>
+              <a:defRPr sz="2701" kern="1200">
+                <a:solidFill>
+                  <a:schemeClr val="tx1"/>
+                </a:solidFill>
+                <a:latin typeface="+mn-lt"/>
+                <a:ea typeface="+mn-ea"/>
+                <a:cs typeface="+mn-cs"/>
+              </a:defRPr>
+            </a:lvl8pPr>
+            <a:lvl9pPr marL="5830466" indent="-342969" algn="l" defTabSz="1371874" rtl="0" eaLnBrk="1" latinLnBrk="0" hangingPunct="1">
+              <a:lnSpc>
+                <a:spcPct val="90000"/>
+              </a:lnSpc>
+              <a:spcBef>
+                <a:spcPts val="750"/>
+              </a:spcBef>
+              <a:buFont typeface="Arial" panose="020B0604020202020204" pitchFamily="34" charset="0"/>
+              <a:buChar char="•"/>
+              <a:defRPr sz="2701" kern="1200">
+                <a:solidFill>
+                  <a:schemeClr val="tx1"/>
+                </a:solidFill>
+                <a:latin typeface="+mn-lt"/>
+                <a:ea typeface="+mn-ea"/>
+                <a:cs typeface="+mn-cs"/>
+              </a:defRPr>
+            </a:lvl9pPr>
+          </a:lstStyle>
+          <a:p>
+            <a:r>
+              <a:rPr lang="en-US" dirty="0">
+                <a:solidFill>
+                  <a:schemeClr val="bg2"/>
+                </a:solidFill>
+              </a:rPr>
+              <a:t>DAY 2</a:t>
+            </a:r>
+          </a:p>
+          <a:p>
+            <a:pPr marL="342900" indent="-342900">
+              <a:buFont typeface="Arial" panose="020B0604020202020204" pitchFamily="34" charset="0"/>
+              <a:buChar char="•"/>
+            </a:pPr>
+            <a:r>
+              <a:rPr lang="en-US" dirty="0">
+                <a:solidFill>
+                  <a:schemeClr val="bg2"/>
+                </a:solidFill>
+              </a:rPr>
+              <a:t>Learn how to configure your app on-the-go.</a:t>
+            </a:r>
+          </a:p>
+          <a:p>
+            <a:pPr marL="342900" indent="-342900">
+              <a:buFont typeface="Arial" panose="020B0604020202020204" pitchFamily="34" charset="0"/>
+              <a:buChar char="•"/>
+            </a:pPr>
+            <a:r>
+              <a:rPr lang="en-US" dirty="0">
+                <a:solidFill>
+                  <a:schemeClr val="bg2"/>
+                </a:solidFill>
+              </a:rPr>
+              <a:t>Go stateful.</a:t>
+            </a:r>
+          </a:p>
+          <a:p>
+            <a:pPr marL="342900" indent="-342900">
+              <a:buFont typeface="Arial" panose="020B0604020202020204" pitchFamily="34" charset="0"/>
+              <a:buChar char="•"/>
+            </a:pPr>
+            <a:r>
+              <a:rPr lang="en-US" dirty="0">
+                <a:solidFill>
+                  <a:schemeClr val="bg2"/>
+                </a:solidFill>
+              </a:rPr>
+              <a:t>Learn about templating.</a:t>
+            </a:r>
+          </a:p>
+          <a:p>
+            <a:endParaRPr lang="en-US" dirty="0"/>
+          </a:p>
+        </p:txBody>
+      </p:sp>
+      <p:sp>
+        <p:nvSpPr>
+          <p:cNvPr id="22" name="Rectangle: Folded Corner 21">
+            <a:extLst>
+              <a:ext uri="{FF2B5EF4-FFF2-40B4-BE49-F238E27FC236}">
+                <a16:creationId xmlns:a16="http://schemas.microsoft.com/office/drawing/2014/main" id="{9F0A797F-4A80-A40F-BA73-1017D0C54CC6}"/>
+              </a:ext>
+            </a:extLst>
+          </p:cNvPr>
+          <p:cNvSpPr/>
+          <p:nvPr/>
+        </p:nvSpPr>
+        <p:spPr>
+          <a:xfrm>
+            <a:off x="5397671" y="6753764"/>
+            <a:ext cx="6465194" cy="3206839"/>
+          </a:xfrm>
+          <a:prstGeom prst="foldedCorner">
+            <a:avLst/>
+          </a:prstGeom>
+        </p:spPr>
+        <p:style>
+          <a:lnRef idx="2">
+            <a:schemeClr val="accent1">
+              <a:shade val="50000"/>
+            </a:schemeClr>
+          </a:lnRef>
+          <a:fillRef idx="1">
+            <a:schemeClr val="accent1"/>
+          </a:fillRef>
+          <a:effectRef idx="0">
+            <a:schemeClr val="accent1"/>
+          </a:effectRef>
+          <a:fontRef idx="minor">
+            <a:schemeClr val="lt1"/>
+          </a:fontRef>
+        </p:style>
+        <p:txBody>
+          <a:bodyPr rtlCol="0" anchor="ctr"/>
+          <a:lstStyle/>
+          <a:p>
+            <a:pPr algn="ctr"/>
+            <a:endParaRPr lang="en-US"/>
+          </a:p>
+        </p:txBody>
+      </p:sp>
+      <p:sp>
+        <p:nvSpPr>
+          <p:cNvPr id="23" name="Content Placeholder 13">
+            <a:extLst>
+              <a:ext uri="{FF2B5EF4-FFF2-40B4-BE49-F238E27FC236}">
+                <a16:creationId xmlns:a16="http://schemas.microsoft.com/office/drawing/2014/main" id="{2E745004-6DFE-D191-FE24-FF4DE5B5F785}"/>
+              </a:ext>
+            </a:extLst>
+          </p:cNvPr>
+          <p:cNvSpPr txBox="1">
+            <a:spLocks/>
+          </p:cNvSpPr>
+          <p:nvPr/>
+        </p:nvSpPr>
+        <p:spPr>
+          <a:xfrm>
+            <a:off x="5650257" y="6750321"/>
+            <a:ext cx="6225487" cy="3635285"/>
+          </a:xfrm>
+          <a:prstGeom prst="rect">
+            <a:avLst/>
+          </a:prstGeom>
+        </p:spPr>
+        <p:txBody>
+          <a:bodyPr vert="horz" lIns="0" tIns="0" rIns="0" bIns="0" rtlCol="0">
+            <a:noAutofit/>
+          </a:bodyPr>
+          <a:lstStyle>
+            <a:lvl1pPr marL="0" indent="0" algn="l" defTabSz="1371874" rtl="0" eaLnBrk="1" latinLnBrk="0" hangingPunct="1">
+              <a:lnSpc>
+                <a:spcPct val="120000"/>
+              </a:lnSpc>
+              <a:spcBef>
+                <a:spcPts val="1800"/>
+              </a:spcBef>
+              <a:buClr>
+                <a:srgbClr val="FFB133"/>
+              </a:buClr>
+              <a:buFont typeface="+mj-lt"/>
+              <a:buNone/>
+              <a:defRPr sz="2400" b="0" i="0" kern="1200">
+                <a:solidFill>
+                  <a:schemeClr val="tx1"/>
+                </a:solidFill>
+                <a:latin typeface="DA_FuturaPT Book" panose="020B0502020204020303" pitchFamily="34" charset="0"/>
+                <a:ea typeface="DA_FuturaPT Book" panose="020B0502020204020303" pitchFamily="34" charset="0"/>
+                <a:cs typeface="+mn-cs"/>
+              </a:defRPr>
+            </a:lvl1pPr>
+            <a:lvl2pPr marL="457291" indent="0" algn="l" defTabSz="1371874" rtl="0" eaLnBrk="1" latinLnBrk="0" hangingPunct="1">
+              <a:lnSpc>
+                <a:spcPct val="120000"/>
+              </a:lnSpc>
+              <a:spcBef>
+                <a:spcPts val="1800"/>
+              </a:spcBef>
+              <a:buClr>
+                <a:srgbClr val="FFB133"/>
+              </a:buClr>
+              <a:buFont typeface="+mj-lt"/>
+              <a:buNone/>
+              <a:defRPr sz="2801" b="0" i="0" kern="1200">
+                <a:solidFill>
+                  <a:schemeClr val="tx1"/>
+                </a:solidFill>
+                <a:latin typeface="DA_FuturaPT Book" panose="020B0502020204020303" pitchFamily="34" charset="0"/>
+                <a:ea typeface="DA_FuturaPT Book" panose="020B0502020204020303" pitchFamily="34" charset="0"/>
+                <a:cs typeface="+mn-cs"/>
+              </a:defRPr>
+            </a:lvl2pPr>
+            <a:lvl3pPr marL="914583" indent="0" algn="l" defTabSz="1371874" rtl="0" eaLnBrk="1" latinLnBrk="0" hangingPunct="1">
+              <a:lnSpc>
+                <a:spcPct val="120000"/>
+              </a:lnSpc>
+              <a:spcBef>
+                <a:spcPts val="1800"/>
+              </a:spcBef>
+              <a:buClr>
+                <a:srgbClr val="FFB133"/>
+              </a:buClr>
+              <a:buFont typeface="+mj-lt"/>
+              <a:buNone/>
+              <a:defRPr sz="2400" b="0" i="0" kern="1200">
+                <a:solidFill>
+                  <a:schemeClr val="tx1"/>
+                </a:solidFill>
+                <a:latin typeface="DA_FuturaPT Book" panose="020B0502020204020303" pitchFamily="34" charset="0"/>
+                <a:ea typeface="DA_FuturaPT Book" panose="020B0502020204020303" pitchFamily="34" charset="0"/>
+                <a:cs typeface="+mn-cs"/>
+              </a:defRPr>
+            </a:lvl3pPr>
+            <a:lvl4pPr marL="1371875" indent="0" algn="l" defTabSz="1371874" rtl="0" eaLnBrk="1" latinLnBrk="0" hangingPunct="1">
+              <a:lnSpc>
+                <a:spcPct val="120000"/>
+              </a:lnSpc>
+              <a:spcBef>
+                <a:spcPts val="1800"/>
+              </a:spcBef>
+              <a:buClr>
+                <a:srgbClr val="FFB133"/>
+              </a:buClr>
+              <a:buFont typeface="+mj-lt"/>
+              <a:buNone/>
+              <a:defRPr sz="2200" b="0" i="0" kern="1200">
+                <a:solidFill>
+                  <a:schemeClr val="tx1"/>
+                </a:solidFill>
+                <a:latin typeface="DA_FuturaPT Book" panose="020B0502020204020303" pitchFamily="34" charset="0"/>
+                <a:ea typeface="DA_FuturaPT Book" panose="020B0502020204020303" pitchFamily="34" charset="0"/>
+                <a:cs typeface="+mn-cs"/>
+              </a:defRPr>
+            </a:lvl4pPr>
+            <a:lvl5pPr marL="1829166" indent="0" algn="l" defTabSz="1371874" rtl="0" eaLnBrk="1" latinLnBrk="0" hangingPunct="1">
+              <a:lnSpc>
+                <a:spcPct val="120000"/>
+              </a:lnSpc>
+              <a:spcBef>
+                <a:spcPts val="1800"/>
+              </a:spcBef>
+              <a:buClr>
+                <a:srgbClr val="FFB133"/>
+              </a:buClr>
+              <a:buFont typeface="+mj-lt"/>
+              <a:buNone/>
+              <a:tabLst>
+                <a:tab pos="9490386" algn="l"/>
+              </a:tabLst>
+              <a:defRPr sz="2000" b="0" i="0" kern="1200">
+                <a:solidFill>
+                  <a:schemeClr val="tx1"/>
+                </a:solidFill>
+                <a:latin typeface="DA_FuturaPT Book" panose="020B0502020204020303" pitchFamily="34" charset="0"/>
+                <a:ea typeface="DA_FuturaPT Book" panose="020B0502020204020303" pitchFamily="34" charset="0"/>
+                <a:cs typeface="+mn-cs"/>
+              </a:defRPr>
+            </a:lvl5pPr>
+            <a:lvl6pPr marL="3772654" indent="-342969" algn="l" defTabSz="1371874" rtl="0" eaLnBrk="1" latinLnBrk="0" hangingPunct="1">
+              <a:lnSpc>
+                <a:spcPct val="90000"/>
+              </a:lnSpc>
+              <a:spcBef>
+                <a:spcPts val="750"/>
+              </a:spcBef>
+              <a:buFont typeface="Arial" panose="020B0604020202020204" pitchFamily="34" charset="0"/>
+              <a:buChar char="•"/>
+              <a:defRPr sz="2701" kern="1200">
+                <a:solidFill>
+                  <a:schemeClr val="tx1"/>
+                </a:solidFill>
+                <a:latin typeface="+mn-lt"/>
+                <a:ea typeface="+mn-ea"/>
+                <a:cs typeface="+mn-cs"/>
+              </a:defRPr>
+            </a:lvl6pPr>
+            <a:lvl7pPr marL="4458592" indent="-342969" algn="l" defTabSz="1371874" rtl="0" eaLnBrk="1" latinLnBrk="0" hangingPunct="1">
+              <a:lnSpc>
+                <a:spcPct val="90000"/>
+              </a:lnSpc>
+              <a:spcBef>
+                <a:spcPts val="750"/>
+              </a:spcBef>
+              <a:buFont typeface="Arial" panose="020B0604020202020204" pitchFamily="34" charset="0"/>
+              <a:buChar char="•"/>
+              <a:defRPr sz="2701" kern="1200">
+                <a:solidFill>
+                  <a:schemeClr val="tx1"/>
+                </a:solidFill>
+                <a:latin typeface="+mn-lt"/>
+                <a:ea typeface="+mn-ea"/>
+                <a:cs typeface="+mn-cs"/>
+              </a:defRPr>
+            </a:lvl7pPr>
+            <a:lvl8pPr marL="5144529" indent="-342969" algn="l" defTabSz="1371874" rtl="0" eaLnBrk="1" latinLnBrk="0" hangingPunct="1">
+              <a:lnSpc>
+                <a:spcPct val="90000"/>
+              </a:lnSpc>
+              <a:spcBef>
+                <a:spcPts val="750"/>
+              </a:spcBef>
+              <a:buFont typeface="Arial" panose="020B0604020202020204" pitchFamily="34" charset="0"/>
+              <a:buChar char="•"/>
+              <a:defRPr sz="2701" kern="1200">
+                <a:solidFill>
+                  <a:schemeClr val="tx1"/>
+                </a:solidFill>
+                <a:latin typeface="+mn-lt"/>
+                <a:ea typeface="+mn-ea"/>
+                <a:cs typeface="+mn-cs"/>
+              </a:defRPr>
+            </a:lvl8pPr>
+            <a:lvl9pPr marL="5830466" indent="-342969" algn="l" defTabSz="1371874" rtl="0" eaLnBrk="1" latinLnBrk="0" hangingPunct="1">
+              <a:lnSpc>
+                <a:spcPct val="90000"/>
+              </a:lnSpc>
+              <a:spcBef>
+                <a:spcPts val="750"/>
+              </a:spcBef>
+              <a:buFont typeface="Arial" panose="020B0604020202020204" pitchFamily="34" charset="0"/>
+              <a:buChar char="•"/>
+              <a:defRPr sz="2701" kern="1200">
+                <a:solidFill>
+                  <a:schemeClr val="tx1"/>
+                </a:solidFill>
+                <a:latin typeface="+mn-lt"/>
+                <a:ea typeface="+mn-ea"/>
+                <a:cs typeface="+mn-cs"/>
+              </a:defRPr>
+            </a:lvl9pPr>
+          </a:lstStyle>
+          <a:p>
+            <a:r>
+              <a:rPr lang="en-US" dirty="0">
+                <a:solidFill>
+                  <a:schemeClr val="bg2"/>
+                </a:solidFill>
+              </a:rPr>
+              <a:t>DAY 3</a:t>
+            </a:r>
+          </a:p>
+          <a:p>
+            <a:pPr marL="342900" indent="-342900">
+              <a:buFont typeface="Arial" panose="020B0604020202020204" pitchFamily="34" charset="0"/>
+              <a:buChar char="•"/>
+            </a:pPr>
+            <a:r>
+              <a:rPr lang="en-US" dirty="0">
+                <a:solidFill>
+                  <a:schemeClr val="bg2"/>
+                </a:solidFill>
+              </a:rPr>
+              <a:t>Give your knowledge a challenge in DevOps practical task.</a:t>
+            </a:r>
+          </a:p>
+          <a:p>
+            <a:endParaRPr lang="en-US" dirty="0"/>
+          </a:p>
+        </p:txBody>
+      </p:sp>
+    </p:spTree>
+    <p:extLst>
+      <p:ext uri="{BB962C8B-B14F-4D97-AF65-F5344CB8AC3E}">
+        <p14:creationId xmlns:p14="http://schemas.microsoft.com/office/powerpoint/2010/main" val="3157115327"/>
+      </p:ext>
+    </p:extLst>
+  </p:cSld>
+  <p:clrMapOvr>
+    <a:masterClrMapping/>
+  </p:clrMapOvr>
+</p:sld>
+</file>
+
+<file path=ppt/slides/slide20.xml><?xml version="1.0" encoding="utf-8"?>
+<p:sld xmlns:a="http://schemas.openxmlformats.org/drawingml/2006/main" xmlns:r="http://schemas.openxmlformats.org/officeDocument/2006/relationships" xmlns:p="http://schemas.openxmlformats.org/presentationml/2006/main">
+  <p:cSld>
+    <p:spTree>
+      <p:nvGrpSpPr>
+        <p:cNvPr id="1" name=""/>
+        <p:cNvGrpSpPr/>
+        <p:nvPr/>
+      </p:nvGrpSpPr>
+      <p:grpSpPr>
+        <a:xfrm>
+          <a:off x="0" y="0"/>
+          <a:ext cx="0" cy="0"/>
+          <a:chOff x="0" y="0"/>
+          <a:chExt cx="0" cy="0"/>
+        </a:xfrm>
+      </p:grpSpPr>
+      <p:sp>
+        <p:nvSpPr>
+          <p:cNvPr id="3" name="Title 2">
+            <a:extLst>
+              <a:ext uri="{FF2B5EF4-FFF2-40B4-BE49-F238E27FC236}">
+                <a16:creationId xmlns:a16="http://schemas.microsoft.com/office/drawing/2014/main" id="{706501E4-6246-A606-7483-C427CF30CD57}"/>
+              </a:ext>
+            </a:extLst>
+          </p:cNvPr>
+          <p:cNvSpPr>
+            <a:spLocks noGrp="1"/>
+          </p:cNvSpPr>
+          <p:nvPr>
+            <p:ph type="title"/>
+          </p:nvPr>
+        </p:nvSpPr>
+        <p:spPr/>
+        <p:txBody>
+          <a:bodyPr/>
+          <a:lstStyle/>
+          <a:p>
+            <a:r>
+              <a:rPr lang="en-US" dirty="0">
+                <a:solidFill>
+                  <a:schemeClr val="accent5">
+                    <a:lumMod val="50000"/>
+                  </a:schemeClr>
+                </a:solidFill>
+              </a:rPr>
+              <a:t>Task</a:t>
+            </a:r>
+            <a:endParaRPr lang="en-RU" dirty="0">
+              <a:solidFill>
+                <a:schemeClr val="accent5">
+                  <a:lumMod val="50000"/>
+                </a:schemeClr>
+              </a:solidFill>
+            </a:endParaRPr>
+          </a:p>
+        </p:txBody>
+      </p:sp>
+      <p:sp>
+        <p:nvSpPr>
+          <p:cNvPr id="2" name="TextBox 1">
+            <a:extLst>
+              <a:ext uri="{FF2B5EF4-FFF2-40B4-BE49-F238E27FC236}">
+                <a16:creationId xmlns:a16="http://schemas.microsoft.com/office/drawing/2014/main" id="{AA4ACA97-5B52-34DD-BDB2-C2C151A36505}"/>
+              </a:ext>
+            </a:extLst>
+          </p:cNvPr>
+          <p:cNvSpPr txBox="1"/>
+          <p:nvPr/>
+        </p:nvSpPr>
+        <p:spPr>
+          <a:xfrm>
+            <a:off x="10654302" y="1111118"/>
+            <a:ext cx="3513762" cy="646331"/>
+          </a:xfrm>
+          <a:prstGeom prst="rect">
+            <a:avLst/>
+          </a:prstGeom>
+          <a:noFill/>
+        </p:spPr>
+        <p:txBody>
+          <a:bodyPr wrap="square" rtlCol="0">
+            <a:spAutoFit/>
+          </a:bodyPr>
+          <a:lstStyle/>
+          <a:p>
+            <a:r>
+              <a:rPr lang="en-US" dirty="0">
+                <a:solidFill>
+                  <a:schemeClr val="accent5">
+                    <a:lumMod val="50000"/>
+                  </a:schemeClr>
+                </a:solidFill>
+              </a:rPr>
+              <a:t>WHY do we need this?</a:t>
+            </a:r>
+          </a:p>
+          <a:p>
+            <a:r>
+              <a:rPr lang="en-US" dirty="0">
+                <a:solidFill>
+                  <a:schemeClr val="accent5">
+                    <a:lumMod val="50000"/>
+                  </a:schemeClr>
+                </a:solidFill>
+              </a:rPr>
+              <a:t>To practice (</a:t>
+            </a:r>
+            <a:r>
+              <a:rPr lang="ru-RU" dirty="0">
+                <a:solidFill>
+                  <a:schemeClr val="accent5">
+                    <a:lumMod val="50000"/>
+                  </a:schemeClr>
+                </a:solidFill>
+              </a:rPr>
+              <a:t>:</a:t>
+            </a:r>
+            <a:endParaRPr lang="en-US" dirty="0">
+              <a:solidFill>
+                <a:schemeClr val="accent5">
+                  <a:lumMod val="50000"/>
+                </a:schemeClr>
+              </a:solidFill>
+            </a:endParaRPr>
+          </a:p>
+        </p:txBody>
+      </p:sp>
+      <p:sp>
+        <p:nvSpPr>
+          <p:cNvPr id="4" name="TextBox 3">
+            <a:extLst>
+              <a:ext uri="{FF2B5EF4-FFF2-40B4-BE49-F238E27FC236}">
+                <a16:creationId xmlns:a16="http://schemas.microsoft.com/office/drawing/2014/main" id="{95BAC16E-7ACC-94DF-5B4C-368367FB7A4D}"/>
+              </a:ext>
+            </a:extLst>
+          </p:cNvPr>
+          <p:cNvSpPr txBox="1"/>
+          <p:nvPr/>
+        </p:nvSpPr>
+        <p:spPr>
+          <a:xfrm>
+            <a:off x="17508906" y="9659383"/>
+            <a:ext cx="464024" cy="369332"/>
+          </a:xfrm>
+          <a:prstGeom prst="rect">
+            <a:avLst/>
+          </a:prstGeom>
+          <a:noFill/>
+        </p:spPr>
+        <p:txBody>
+          <a:bodyPr wrap="square" rtlCol="0">
+            <a:spAutoFit/>
+          </a:bodyPr>
+          <a:lstStyle/>
+          <a:p>
+            <a:r>
+              <a:rPr lang="en-US" dirty="0">
+                <a:solidFill>
+                  <a:schemeClr val="accent5">
+                    <a:lumMod val="50000"/>
+                  </a:schemeClr>
+                </a:solidFill>
+              </a:rPr>
+              <a:t>20</a:t>
+            </a:r>
+          </a:p>
+        </p:txBody>
+      </p:sp>
+      <p:sp>
+        <p:nvSpPr>
+          <p:cNvPr id="5" name="Sun 4">
+            <a:extLst>
+              <a:ext uri="{FF2B5EF4-FFF2-40B4-BE49-F238E27FC236}">
+                <a16:creationId xmlns:a16="http://schemas.microsoft.com/office/drawing/2014/main" id="{A5A39E55-B16C-11B1-A82F-60B6F8216AA4}"/>
+              </a:ext>
+            </a:extLst>
+          </p:cNvPr>
+          <p:cNvSpPr/>
+          <p:nvPr/>
+        </p:nvSpPr>
+        <p:spPr>
+          <a:xfrm>
+            <a:off x="3901475" y="1997747"/>
+            <a:ext cx="10485049" cy="7790347"/>
+          </a:xfrm>
+          <a:prstGeom prst="sun">
+            <a:avLst/>
+          </a:prstGeom>
+        </p:spPr>
+        <p:style>
+          <a:lnRef idx="2">
+            <a:schemeClr val="accent5">
+              <a:shade val="50000"/>
+            </a:schemeClr>
+          </a:lnRef>
+          <a:fillRef idx="1">
+            <a:schemeClr val="accent5"/>
+          </a:fillRef>
+          <a:effectRef idx="0">
+            <a:schemeClr val="accent5"/>
+          </a:effectRef>
+          <a:fontRef idx="minor">
+            <a:schemeClr val="lt1"/>
+          </a:fontRef>
+        </p:style>
+        <p:txBody>
+          <a:bodyPr rtlCol="0" anchor="ctr"/>
+          <a:lstStyle/>
+          <a:p>
+            <a:pPr algn="ctr"/>
+            <a:r>
+              <a:rPr lang="en-US" dirty="0"/>
+              <a:t>Create service for your deployment of type </a:t>
+            </a:r>
+            <a:r>
+              <a:rPr lang="en-US" dirty="0" err="1"/>
+              <a:t>ClusterIP</a:t>
+            </a:r>
+            <a:r>
+              <a:rPr lang="en-US" dirty="0"/>
+              <a:t>. Use </a:t>
+            </a:r>
+            <a:r>
+              <a:rPr lang="en-US" dirty="0" err="1"/>
+              <a:t>kubectl</a:t>
+            </a:r>
+            <a:r>
+              <a:rPr lang="en-US" dirty="0"/>
+              <a:t> port-forward to get access to your app.</a:t>
+            </a:r>
+          </a:p>
+        </p:txBody>
+      </p:sp>
+    </p:spTree>
+    <p:extLst>
+      <p:ext uri="{BB962C8B-B14F-4D97-AF65-F5344CB8AC3E}">
+        <p14:creationId xmlns:p14="http://schemas.microsoft.com/office/powerpoint/2010/main" val="3409489855"/>
+      </p:ext>
+    </p:extLst>
+  </p:cSld>
+  <p:clrMapOvr>
+    <a:masterClrMapping/>
+  </p:clrMapOvr>
+</p:sld>
+</file>
+
+<file path=ppt/slides/slide21.xml><?xml version="1.0" encoding="utf-8"?>
+<p:sld xmlns:a="http://schemas.openxmlformats.org/drawingml/2006/main" xmlns:r="http://schemas.openxmlformats.org/officeDocument/2006/relationships" xmlns:p="http://schemas.openxmlformats.org/presentationml/2006/main">
+  <p:cSld>
+    <p:spTree>
+      <p:nvGrpSpPr>
+        <p:cNvPr id="1" name=""/>
+        <p:cNvGrpSpPr/>
+        <p:nvPr/>
+      </p:nvGrpSpPr>
+      <p:grpSpPr>
+        <a:xfrm>
+          <a:off x="0" y="0"/>
+          <a:ext cx="0" cy="0"/>
+          <a:chOff x="0" y="0"/>
+          <a:chExt cx="0" cy="0"/>
+        </a:xfrm>
+      </p:grpSpPr>
+      <p:sp>
+        <p:nvSpPr>
+          <p:cNvPr id="3" name="Title 2">
+            <a:extLst>
+              <a:ext uri="{FF2B5EF4-FFF2-40B4-BE49-F238E27FC236}">
+                <a16:creationId xmlns:a16="http://schemas.microsoft.com/office/drawing/2014/main" id="{706501E4-6246-A606-7483-C427CF30CD57}"/>
+              </a:ext>
+            </a:extLst>
+          </p:cNvPr>
+          <p:cNvSpPr>
+            <a:spLocks noGrp="1"/>
+          </p:cNvSpPr>
+          <p:nvPr>
+            <p:ph type="title"/>
+          </p:nvPr>
+        </p:nvSpPr>
+        <p:spPr/>
+        <p:txBody>
+          <a:bodyPr/>
+          <a:lstStyle/>
+          <a:p>
+            <a:r>
+              <a:rPr lang="en-US" dirty="0">
+                <a:solidFill>
+                  <a:schemeClr val="accent2">
+                    <a:lumMod val="50000"/>
+                  </a:schemeClr>
+                </a:solidFill>
+              </a:rPr>
+              <a:t>Ingress</a:t>
+            </a:r>
+            <a:endParaRPr lang="en-RU" dirty="0">
+              <a:solidFill>
+                <a:schemeClr val="accent2">
+                  <a:lumMod val="50000"/>
+                </a:schemeClr>
+              </a:solidFill>
+            </a:endParaRPr>
+          </a:p>
+        </p:txBody>
+      </p:sp>
+      <p:sp>
+        <p:nvSpPr>
+          <p:cNvPr id="2" name="TextBox 1">
+            <a:extLst>
+              <a:ext uri="{FF2B5EF4-FFF2-40B4-BE49-F238E27FC236}">
+                <a16:creationId xmlns:a16="http://schemas.microsoft.com/office/drawing/2014/main" id="{FC5BD675-74D3-068B-6B0E-F2D4E02912AC}"/>
+              </a:ext>
+            </a:extLst>
+          </p:cNvPr>
+          <p:cNvSpPr txBox="1"/>
+          <p:nvPr/>
+        </p:nvSpPr>
+        <p:spPr>
+          <a:xfrm>
+            <a:off x="10654302" y="1111118"/>
+            <a:ext cx="3513762" cy="646331"/>
+          </a:xfrm>
+          <a:prstGeom prst="rect">
+            <a:avLst/>
+          </a:prstGeom>
+          <a:noFill/>
+        </p:spPr>
+        <p:txBody>
+          <a:bodyPr wrap="square" rtlCol="0">
+            <a:spAutoFit/>
+          </a:bodyPr>
+          <a:lstStyle/>
+          <a:p>
+            <a:r>
+              <a:rPr lang="en-US" dirty="0">
+                <a:solidFill>
+                  <a:schemeClr val="accent2">
+                    <a:lumMod val="50000"/>
+                  </a:schemeClr>
+                </a:solidFill>
+              </a:rPr>
+              <a:t>WHY do we need this?</a:t>
+            </a:r>
+          </a:p>
+          <a:p>
+            <a:r>
+              <a:rPr lang="en-US" dirty="0">
+                <a:solidFill>
+                  <a:schemeClr val="accent2">
+                    <a:lumMod val="50000"/>
+                  </a:schemeClr>
+                </a:solidFill>
+              </a:rPr>
+              <a:t>To expose service to otter world.</a:t>
+            </a:r>
           </a:p>
         </p:txBody>
       </p:sp>
       <p:pic>
         <p:nvPicPr>
-          <p:cNvPr id="2" name="Graphic 1">
+          <p:cNvPr id="6" name="Picture 5">
             <a:extLst>
               <a:ext uri="{FF2B5EF4-FFF2-40B4-BE49-F238E27FC236}">
-                <a16:creationId xmlns:a16="http://schemas.microsoft.com/office/drawing/2014/main" id="{EEE991AB-36FC-B786-0E0C-32B5C294EC32}"/>
+                <a16:creationId xmlns:a16="http://schemas.microsoft.com/office/drawing/2014/main" id="{44BE0AB8-17C2-C5B8-6C91-4A3E76184B5F}"/>
               </a:ext>
             </a:extLst>
           </p:cNvPr>
@@ -14078,13 +16098,10 @@
           <p:nvPr/>
         </p:nvPicPr>
         <p:blipFill>
-          <a:blip r:embed="rId3">
+          <a:blip r:embed="rId2">
             <a:extLst>
               <a:ext uri="{28A0092B-C50C-407E-A947-70E740481C1C}">
                 <a14:useLocalDpi xmlns:a14="http://schemas.microsoft.com/office/drawing/2010/main" val="0"/>
-              </a:ext>
-              <a:ext uri="{96DAC541-7B7A-43D3-8B79-37D633B846F1}">
-                <asvg:svgBlip xmlns:asvg="http://schemas.microsoft.com/office/drawing/2016/SVG/main" r:embed="rId4"/>
               </a:ext>
             </a:extLst>
           </a:blip>
@@ -14094,8 +16111,8 @@
         </p:blipFill>
         <p:spPr>
           <a:xfrm>
-            <a:off x="1188525" y="3277722"/>
-            <a:ext cx="15910949" cy="5863046"/>
+            <a:off x="5062245" y="2326011"/>
+            <a:ext cx="8163510" cy="6814757"/>
           </a:xfrm>
           <a:prstGeom prst="rect">
             <a:avLst/>
@@ -14107,7 +16124,7 @@
           <p:cNvPr id="4" name="TextBox 3">
             <a:extLst>
               <a:ext uri="{FF2B5EF4-FFF2-40B4-BE49-F238E27FC236}">
-                <a16:creationId xmlns:a16="http://schemas.microsoft.com/office/drawing/2014/main" id="{87A2F5E0-2A99-9009-FE3B-56F39EA0D184}"/>
+                <a16:creationId xmlns:a16="http://schemas.microsoft.com/office/drawing/2014/main" id="{6EE6F84E-DD02-FCC9-7E0C-ACEE41D06235}"/>
               </a:ext>
             </a:extLst>
           </p:cNvPr>
@@ -14131,17 +16148,1491 @@
           <a:lstStyle/>
           <a:p>
             <a:r>
-              <a:rPr lang="ru-RU" dirty="0"/>
-              <a:t>2</a:t>
-            </a:r>
-            <a:endParaRPr lang="en-US" dirty="0"/>
+              <a:rPr lang="en-US" dirty="0">
+                <a:solidFill>
+                  <a:schemeClr val="accent2">
+                    <a:lumMod val="50000"/>
+                  </a:schemeClr>
+                </a:solidFill>
+              </a:rPr>
+              <a:t>21</a:t>
+            </a:r>
           </a:p>
         </p:txBody>
       </p:sp>
     </p:spTree>
     <p:extLst>
       <p:ext uri="{BB962C8B-B14F-4D97-AF65-F5344CB8AC3E}">
-        <p14:creationId xmlns:p14="http://schemas.microsoft.com/office/powerpoint/2010/main" val="1604063520"/>
+        <p14:creationId xmlns:p14="http://schemas.microsoft.com/office/powerpoint/2010/main" val="6171073"/>
+      </p:ext>
+    </p:extLst>
+  </p:cSld>
+  <p:clrMapOvr>
+    <a:masterClrMapping/>
+  </p:clrMapOvr>
+</p:sld>
+</file>
+
+<file path=ppt/slides/slide22.xml><?xml version="1.0" encoding="utf-8"?>
+<p:sld xmlns:a="http://schemas.openxmlformats.org/drawingml/2006/main" xmlns:r="http://schemas.openxmlformats.org/officeDocument/2006/relationships" xmlns:p="http://schemas.openxmlformats.org/presentationml/2006/main">
+  <p:cSld>
+    <p:spTree>
+      <p:nvGrpSpPr>
+        <p:cNvPr id="1" name=""/>
+        <p:cNvGrpSpPr/>
+        <p:nvPr/>
+      </p:nvGrpSpPr>
+      <p:grpSpPr>
+        <a:xfrm>
+          <a:off x="0" y="0"/>
+          <a:ext cx="0" cy="0"/>
+          <a:chOff x="0" y="0"/>
+          <a:chExt cx="0" cy="0"/>
+        </a:xfrm>
+      </p:grpSpPr>
+      <p:sp>
+        <p:nvSpPr>
+          <p:cNvPr id="3" name="Title 2">
+            <a:extLst>
+              <a:ext uri="{FF2B5EF4-FFF2-40B4-BE49-F238E27FC236}">
+                <a16:creationId xmlns:a16="http://schemas.microsoft.com/office/drawing/2014/main" id="{706501E4-6246-A606-7483-C427CF30CD57}"/>
+              </a:ext>
+            </a:extLst>
+          </p:cNvPr>
+          <p:cNvSpPr>
+            <a:spLocks noGrp="1"/>
+          </p:cNvSpPr>
+          <p:nvPr>
+            <p:ph type="title"/>
+          </p:nvPr>
+        </p:nvSpPr>
+        <p:spPr/>
+        <p:txBody>
+          <a:bodyPr/>
+          <a:lstStyle/>
+          <a:p>
+            <a:r>
+              <a:rPr lang="en-US" dirty="0">
+                <a:solidFill>
+                  <a:schemeClr val="accent2">
+                    <a:lumMod val="50000"/>
+                  </a:schemeClr>
+                </a:solidFill>
+              </a:rPr>
+              <a:t>Ingress high level</a:t>
+            </a:r>
+            <a:endParaRPr lang="en-RU" dirty="0">
+              <a:solidFill>
+                <a:schemeClr val="accent2">
+                  <a:lumMod val="50000"/>
+                </a:schemeClr>
+              </a:solidFill>
+            </a:endParaRPr>
+          </a:p>
+        </p:txBody>
+      </p:sp>
+      <p:sp>
+        <p:nvSpPr>
+          <p:cNvPr id="5" name="TextBox 4">
+            <a:extLst>
+              <a:ext uri="{FF2B5EF4-FFF2-40B4-BE49-F238E27FC236}">
+                <a16:creationId xmlns:a16="http://schemas.microsoft.com/office/drawing/2014/main" id="{79E3EBAB-3437-86D0-CCC1-BCB107D77A37}"/>
+              </a:ext>
+            </a:extLst>
+          </p:cNvPr>
+          <p:cNvSpPr txBox="1"/>
+          <p:nvPr/>
+        </p:nvSpPr>
+        <p:spPr>
+          <a:xfrm>
+            <a:off x="10654302" y="1111118"/>
+            <a:ext cx="3513762" cy="646331"/>
+          </a:xfrm>
+          <a:prstGeom prst="rect">
+            <a:avLst/>
+          </a:prstGeom>
+          <a:noFill/>
+        </p:spPr>
+        <p:txBody>
+          <a:bodyPr wrap="square" rtlCol="0">
+            <a:spAutoFit/>
+          </a:bodyPr>
+          <a:lstStyle/>
+          <a:p>
+            <a:r>
+              <a:rPr lang="en-US" dirty="0">
+                <a:solidFill>
+                  <a:schemeClr val="accent2">
+                    <a:lumMod val="50000"/>
+                  </a:schemeClr>
+                </a:solidFill>
+              </a:rPr>
+              <a:t>WHY do we need this?</a:t>
+            </a:r>
+          </a:p>
+          <a:p>
+            <a:r>
+              <a:rPr lang="en-US" dirty="0">
+                <a:solidFill>
+                  <a:schemeClr val="accent2">
+                    <a:lumMod val="50000"/>
+                  </a:schemeClr>
+                </a:solidFill>
+              </a:rPr>
+              <a:t>To understand how it works in reality.</a:t>
+            </a:r>
+          </a:p>
+        </p:txBody>
+      </p:sp>
+      <p:pic>
+        <p:nvPicPr>
+          <p:cNvPr id="6" name="Picture 5">
+            <a:extLst>
+              <a:ext uri="{FF2B5EF4-FFF2-40B4-BE49-F238E27FC236}">
+                <a16:creationId xmlns:a16="http://schemas.microsoft.com/office/drawing/2014/main" id="{3C0C6227-74E5-E87B-A9BF-74D7BC14879B}"/>
+              </a:ext>
+            </a:extLst>
+          </p:cNvPr>
+          <p:cNvPicPr>
+            <a:picLocks noChangeAspect="1"/>
+          </p:cNvPicPr>
+          <p:nvPr/>
+        </p:nvPicPr>
+        <p:blipFill>
+          <a:blip r:embed="rId2">
+            <a:extLst>
+              <a:ext uri="{28A0092B-C50C-407E-A947-70E740481C1C}">
+                <a14:useLocalDpi xmlns:a14="http://schemas.microsoft.com/office/drawing/2010/main" val="0"/>
+              </a:ext>
+            </a:extLst>
+          </a:blip>
+          <a:stretch>
+            <a:fillRect/>
+          </a:stretch>
+        </p:blipFill>
+        <p:spPr>
+          <a:xfrm>
+            <a:off x="6521794" y="2034449"/>
+            <a:ext cx="5244412" cy="7624765"/>
+          </a:xfrm>
+          <a:prstGeom prst="rect">
+            <a:avLst/>
+          </a:prstGeom>
+        </p:spPr>
+      </p:pic>
+      <p:sp>
+        <p:nvSpPr>
+          <p:cNvPr id="2" name="TextBox 1">
+            <a:extLst>
+              <a:ext uri="{FF2B5EF4-FFF2-40B4-BE49-F238E27FC236}">
+                <a16:creationId xmlns:a16="http://schemas.microsoft.com/office/drawing/2014/main" id="{65CBD4C6-81ED-2822-A665-8EDF5FBF3982}"/>
+              </a:ext>
+            </a:extLst>
+          </p:cNvPr>
+          <p:cNvSpPr txBox="1"/>
+          <p:nvPr/>
+        </p:nvSpPr>
+        <p:spPr>
+          <a:xfrm>
+            <a:off x="17508906" y="9659383"/>
+            <a:ext cx="464024" cy="369332"/>
+          </a:xfrm>
+          <a:prstGeom prst="rect">
+            <a:avLst/>
+          </a:prstGeom>
+          <a:noFill/>
+        </p:spPr>
+        <p:txBody>
+          <a:bodyPr wrap="square" rtlCol="0">
+            <a:spAutoFit/>
+          </a:bodyPr>
+          <a:lstStyle/>
+          <a:p>
+            <a:r>
+              <a:rPr lang="en-US" dirty="0">
+                <a:solidFill>
+                  <a:schemeClr val="accent2">
+                    <a:lumMod val="50000"/>
+                  </a:schemeClr>
+                </a:solidFill>
+              </a:rPr>
+              <a:t>22</a:t>
+            </a:r>
+          </a:p>
+        </p:txBody>
+      </p:sp>
+    </p:spTree>
+    <p:extLst>
+      <p:ext uri="{BB962C8B-B14F-4D97-AF65-F5344CB8AC3E}">
+        <p14:creationId xmlns:p14="http://schemas.microsoft.com/office/powerpoint/2010/main" val="1586238677"/>
+      </p:ext>
+    </p:extLst>
+  </p:cSld>
+  <p:clrMapOvr>
+    <a:masterClrMapping/>
+  </p:clrMapOvr>
+</p:sld>
+</file>
+
+<file path=ppt/slides/slide23.xml><?xml version="1.0" encoding="utf-8"?>
+<p:sld xmlns:a="http://schemas.openxmlformats.org/drawingml/2006/main" xmlns:r="http://schemas.openxmlformats.org/officeDocument/2006/relationships" xmlns:p="http://schemas.openxmlformats.org/presentationml/2006/main">
+  <p:cSld>
+    <p:spTree>
+      <p:nvGrpSpPr>
+        <p:cNvPr id="1" name=""/>
+        <p:cNvGrpSpPr/>
+        <p:nvPr/>
+      </p:nvGrpSpPr>
+      <p:grpSpPr>
+        <a:xfrm>
+          <a:off x="0" y="0"/>
+          <a:ext cx="0" cy="0"/>
+          <a:chOff x="0" y="0"/>
+          <a:chExt cx="0" cy="0"/>
+        </a:xfrm>
+      </p:grpSpPr>
+      <p:sp>
+        <p:nvSpPr>
+          <p:cNvPr id="3" name="Title 2">
+            <a:extLst>
+              <a:ext uri="{FF2B5EF4-FFF2-40B4-BE49-F238E27FC236}">
+                <a16:creationId xmlns:a16="http://schemas.microsoft.com/office/drawing/2014/main" id="{706501E4-6246-A606-7483-C427CF30CD57}"/>
+              </a:ext>
+            </a:extLst>
+          </p:cNvPr>
+          <p:cNvSpPr>
+            <a:spLocks noGrp="1"/>
+          </p:cNvSpPr>
+          <p:nvPr>
+            <p:ph type="title"/>
+          </p:nvPr>
+        </p:nvSpPr>
+        <p:spPr/>
+        <p:txBody>
+          <a:bodyPr/>
+          <a:lstStyle/>
+          <a:p>
+            <a:r>
+              <a:rPr lang="en-US" dirty="0">
+                <a:solidFill>
+                  <a:schemeClr val="accent1">
+                    <a:lumMod val="50000"/>
+                  </a:schemeClr>
+                </a:solidFill>
+              </a:rPr>
+              <a:t>Q&amp;A: story</a:t>
+            </a:r>
+            <a:endParaRPr lang="en-RU" dirty="0">
+              <a:solidFill>
+                <a:schemeClr val="accent1">
+                  <a:lumMod val="50000"/>
+                </a:schemeClr>
+              </a:solidFill>
+            </a:endParaRPr>
+          </a:p>
+        </p:txBody>
+      </p:sp>
+      <p:sp>
+        <p:nvSpPr>
+          <p:cNvPr id="2" name="TextBox 1">
+            <a:extLst>
+              <a:ext uri="{FF2B5EF4-FFF2-40B4-BE49-F238E27FC236}">
+                <a16:creationId xmlns:a16="http://schemas.microsoft.com/office/drawing/2014/main" id="{AA4ACA97-5B52-34DD-BDB2-C2C151A36505}"/>
+              </a:ext>
+            </a:extLst>
+          </p:cNvPr>
+          <p:cNvSpPr txBox="1"/>
+          <p:nvPr/>
+        </p:nvSpPr>
+        <p:spPr>
+          <a:xfrm>
+            <a:off x="10654302" y="1111118"/>
+            <a:ext cx="3513762" cy="646331"/>
+          </a:xfrm>
+          <a:prstGeom prst="rect">
+            <a:avLst/>
+          </a:prstGeom>
+          <a:noFill/>
+        </p:spPr>
+        <p:txBody>
+          <a:bodyPr wrap="square" rtlCol="0">
+            <a:spAutoFit/>
+          </a:bodyPr>
+          <a:lstStyle/>
+          <a:p>
+            <a:r>
+              <a:rPr lang="en-US" dirty="0">
+                <a:solidFill>
+                  <a:schemeClr val="accent1">
+                    <a:lumMod val="50000"/>
+                  </a:schemeClr>
+                </a:solidFill>
+              </a:rPr>
+              <a:t>WHY do we need this?</a:t>
+            </a:r>
+          </a:p>
+          <a:p>
+            <a:r>
+              <a:rPr lang="en-US" dirty="0">
+                <a:solidFill>
+                  <a:schemeClr val="accent1">
+                    <a:lumMod val="50000"/>
+                  </a:schemeClr>
+                </a:solidFill>
+              </a:rPr>
+              <a:t>To see </a:t>
+            </a:r>
+            <a:r>
+              <a:rPr lang="en-US" dirty="0" err="1">
+                <a:solidFill>
+                  <a:schemeClr val="accent1">
+                    <a:lumMod val="50000"/>
+                  </a:schemeClr>
+                </a:solidFill>
+              </a:rPr>
+              <a:t>usecases</a:t>
+            </a:r>
+            <a:r>
+              <a:rPr lang="en-US" dirty="0">
+                <a:solidFill>
+                  <a:schemeClr val="accent1">
+                    <a:lumMod val="50000"/>
+                  </a:schemeClr>
+                </a:solidFill>
+              </a:rPr>
+              <a:t>.</a:t>
+            </a:r>
+          </a:p>
+        </p:txBody>
+      </p:sp>
+      <p:sp>
+        <p:nvSpPr>
+          <p:cNvPr id="4" name="TextBox 3">
+            <a:extLst>
+              <a:ext uri="{FF2B5EF4-FFF2-40B4-BE49-F238E27FC236}">
+                <a16:creationId xmlns:a16="http://schemas.microsoft.com/office/drawing/2014/main" id="{95BAC16E-7ACC-94DF-5B4C-368367FB7A4D}"/>
+              </a:ext>
+            </a:extLst>
+          </p:cNvPr>
+          <p:cNvSpPr txBox="1"/>
+          <p:nvPr/>
+        </p:nvSpPr>
+        <p:spPr>
+          <a:xfrm>
+            <a:off x="17508906" y="9659383"/>
+            <a:ext cx="464024" cy="369332"/>
+          </a:xfrm>
+          <a:prstGeom prst="rect">
+            <a:avLst/>
+          </a:prstGeom>
+          <a:noFill/>
+        </p:spPr>
+        <p:txBody>
+          <a:bodyPr wrap="square" rtlCol="0">
+            <a:spAutoFit/>
+          </a:bodyPr>
+          <a:lstStyle/>
+          <a:p>
+            <a:r>
+              <a:rPr lang="en-US" dirty="0">
+                <a:solidFill>
+                  <a:schemeClr val="accent1">
+                    <a:lumMod val="50000"/>
+                  </a:schemeClr>
+                </a:solidFill>
+              </a:rPr>
+              <a:t>23</a:t>
+            </a:r>
+          </a:p>
+        </p:txBody>
+      </p:sp>
+      <p:sp>
+        <p:nvSpPr>
+          <p:cNvPr id="6" name="Thought Bubble: Cloud 5">
+            <a:extLst>
+              <a:ext uri="{FF2B5EF4-FFF2-40B4-BE49-F238E27FC236}">
+                <a16:creationId xmlns:a16="http://schemas.microsoft.com/office/drawing/2014/main" id="{CE76AC75-F0A2-D695-3545-2D4B565B01CF}"/>
+              </a:ext>
+            </a:extLst>
+          </p:cNvPr>
+          <p:cNvSpPr/>
+          <p:nvPr/>
+        </p:nvSpPr>
+        <p:spPr>
+          <a:xfrm>
+            <a:off x="3275462" y="3671247"/>
+            <a:ext cx="5513696" cy="1922833"/>
+          </a:xfrm>
+          <a:prstGeom prst="cloudCallout">
+            <a:avLst>
+              <a:gd name="adj1" fmla="val -46637"/>
+              <a:gd name="adj2" fmla="val 61080"/>
+            </a:avLst>
+          </a:prstGeom>
+        </p:spPr>
+        <p:style>
+          <a:lnRef idx="2">
+            <a:schemeClr val="accent1">
+              <a:shade val="50000"/>
+            </a:schemeClr>
+          </a:lnRef>
+          <a:fillRef idx="1">
+            <a:schemeClr val="accent1"/>
+          </a:fillRef>
+          <a:effectRef idx="0">
+            <a:schemeClr val="accent1"/>
+          </a:effectRef>
+          <a:fontRef idx="minor">
+            <a:schemeClr val="lt1"/>
+          </a:fontRef>
+        </p:style>
+        <p:txBody>
+          <a:bodyPr rtlCol="0" anchor="ctr"/>
+          <a:lstStyle/>
+          <a:p>
+            <a:pPr algn="ctr"/>
+            <a:r>
+              <a:rPr lang="en-US" dirty="0"/>
+              <a:t>And what if I have multiple services? How I would make them accessible from otter world?</a:t>
+            </a:r>
+          </a:p>
+        </p:txBody>
+      </p:sp>
+      <p:pic>
+        <p:nvPicPr>
+          <p:cNvPr id="8" name="Graphic 7" descr="Female Profile with solid fill">
+            <a:extLst>
+              <a:ext uri="{FF2B5EF4-FFF2-40B4-BE49-F238E27FC236}">
+                <a16:creationId xmlns:a16="http://schemas.microsoft.com/office/drawing/2014/main" id="{5B2BDBD5-5678-202E-FAF3-A0DC4D68E807}"/>
+              </a:ext>
+            </a:extLst>
+          </p:cNvPr>
+          <p:cNvPicPr>
+            <a:picLocks noChangeAspect="1"/>
+          </p:cNvPicPr>
+          <p:nvPr/>
+        </p:nvPicPr>
+        <p:blipFill>
+          <a:blip r:embed="rId2">
+            <a:extLst>
+              <a:ext uri="{28A0092B-C50C-407E-A947-70E740481C1C}">
+                <a14:useLocalDpi xmlns:a14="http://schemas.microsoft.com/office/drawing/2010/main" val="0"/>
+              </a:ext>
+              <a:ext uri="{96DAC541-7B7A-43D3-8B79-37D633B846F1}">
+                <asvg:svgBlip xmlns:asvg="http://schemas.microsoft.com/office/drawing/2016/SVG/main" r:embed="rId3"/>
+              </a:ext>
+            </a:extLst>
+          </a:blip>
+          <a:stretch>
+            <a:fillRect/>
+          </a:stretch>
+        </p:blipFill>
+        <p:spPr>
+          <a:xfrm>
+            <a:off x="866400" y="5396777"/>
+            <a:ext cx="3323230" cy="3323230"/>
+          </a:xfrm>
+          <a:prstGeom prst="rect">
+            <a:avLst/>
+          </a:prstGeom>
+        </p:spPr>
+      </p:pic>
+      <p:sp>
+        <p:nvSpPr>
+          <p:cNvPr id="10" name="TextBox 9">
+            <a:extLst>
+              <a:ext uri="{FF2B5EF4-FFF2-40B4-BE49-F238E27FC236}">
+                <a16:creationId xmlns:a16="http://schemas.microsoft.com/office/drawing/2014/main" id="{AC8232B7-9F05-F8DC-FCC9-582380AC9605}"/>
+              </a:ext>
+            </a:extLst>
+          </p:cNvPr>
+          <p:cNvSpPr txBox="1"/>
+          <p:nvPr/>
+        </p:nvSpPr>
+        <p:spPr>
+          <a:xfrm>
+            <a:off x="2186821" y="8322467"/>
+            <a:ext cx="982638" cy="369332"/>
+          </a:xfrm>
+          <a:prstGeom prst="rect">
+            <a:avLst/>
+          </a:prstGeom>
+          <a:noFill/>
+        </p:spPr>
+        <p:txBody>
+          <a:bodyPr wrap="square" rtlCol="0">
+            <a:spAutoFit/>
+          </a:bodyPr>
+          <a:lstStyle/>
+          <a:p>
+            <a:r>
+              <a:rPr lang="en-US" dirty="0">
+                <a:solidFill>
+                  <a:schemeClr val="accent1">
+                    <a:lumMod val="50000"/>
+                  </a:schemeClr>
+                </a:solidFill>
+              </a:rPr>
+              <a:t>Alice</a:t>
+            </a:r>
+          </a:p>
+        </p:txBody>
+      </p:sp>
+      <p:pic>
+        <p:nvPicPr>
+          <p:cNvPr id="12" name="Graphic 11" descr="Male profile with solid fill">
+            <a:extLst>
+              <a:ext uri="{FF2B5EF4-FFF2-40B4-BE49-F238E27FC236}">
+                <a16:creationId xmlns:a16="http://schemas.microsoft.com/office/drawing/2014/main" id="{E3414CCD-FACA-7861-4640-298E63FF41AD}"/>
+              </a:ext>
+            </a:extLst>
+          </p:cNvPr>
+          <p:cNvPicPr>
+            <a:picLocks noChangeAspect="1"/>
+          </p:cNvPicPr>
+          <p:nvPr/>
+        </p:nvPicPr>
+        <p:blipFill>
+          <a:blip r:embed="rId4">
+            <a:extLst>
+              <a:ext uri="{28A0092B-C50C-407E-A947-70E740481C1C}">
+                <a14:useLocalDpi xmlns:a14="http://schemas.microsoft.com/office/drawing/2010/main" val="0"/>
+              </a:ext>
+              <a:ext uri="{96DAC541-7B7A-43D3-8B79-37D633B846F1}">
+                <asvg:svgBlip xmlns:asvg="http://schemas.microsoft.com/office/drawing/2016/SVG/main" r:embed="rId5"/>
+              </a:ext>
+            </a:extLst>
+          </a:blip>
+          <a:stretch>
+            <a:fillRect/>
+          </a:stretch>
+        </p:blipFill>
+        <p:spPr>
+          <a:xfrm>
+            <a:off x="9144000" y="5368569"/>
+            <a:ext cx="3323230" cy="3323230"/>
+          </a:xfrm>
+          <a:prstGeom prst="rect">
+            <a:avLst/>
+          </a:prstGeom>
+        </p:spPr>
+      </p:pic>
+      <p:sp>
+        <p:nvSpPr>
+          <p:cNvPr id="13" name="TextBox 12">
+            <a:extLst>
+              <a:ext uri="{FF2B5EF4-FFF2-40B4-BE49-F238E27FC236}">
+                <a16:creationId xmlns:a16="http://schemas.microsoft.com/office/drawing/2014/main" id="{BD2861F6-C4E6-1ACF-9372-B7F2496D4888}"/>
+              </a:ext>
+            </a:extLst>
+          </p:cNvPr>
+          <p:cNvSpPr txBox="1"/>
+          <p:nvPr/>
+        </p:nvSpPr>
+        <p:spPr>
+          <a:xfrm>
+            <a:off x="10490115" y="8322467"/>
+            <a:ext cx="982638" cy="369332"/>
+          </a:xfrm>
+          <a:prstGeom prst="rect">
+            <a:avLst/>
+          </a:prstGeom>
+          <a:noFill/>
+        </p:spPr>
+        <p:txBody>
+          <a:bodyPr wrap="square" rtlCol="0">
+            <a:spAutoFit/>
+          </a:bodyPr>
+          <a:lstStyle/>
+          <a:p>
+            <a:r>
+              <a:rPr lang="en-US" dirty="0">
+                <a:solidFill>
+                  <a:schemeClr val="accent1">
+                    <a:lumMod val="50000"/>
+                  </a:schemeClr>
+                </a:solidFill>
+              </a:rPr>
+              <a:t>Bob</a:t>
+            </a:r>
+          </a:p>
+        </p:txBody>
+      </p:sp>
+      <p:sp>
+        <p:nvSpPr>
+          <p:cNvPr id="15" name="Speech Bubble: Oval 14">
+            <a:extLst>
+              <a:ext uri="{FF2B5EF4-FFF2-40B4-BE49-F238E27FC236}">
+                <a16:creationId xmlns:a16="http://schemas.microsoft.com/office/drawing/2014/main" id="{B061D5B1-80BC-F4FB-3898-021F7B395B84}"/>
+              </a:ext>
+            </a:extLst>
+          </p:cNvPr>
+          <p:cNvSpPr/>
+          <p:nvPr/>
+        </p:nvSpPr>
+        <p:spPr>
+          <a:xfrm>
+            <a:off x="11198220" y="3671247"/>
+            <a:ext cx="5513696" cy="1786355"/>
+          </a:xfrm>
+          <a:prstGeom prst="wedgeEllipseCallout">
+            <a:avLst>
+              <a:gd name="adj1" fmla="val -44188"/>
+              <a:gd name="adj2" fmla="val 65122"/>
+            </a:avLst>
+          </a:prstGeom>
+        </p:spPr>
+        <p:style>
+          <a:lnRef idx="2">
+            <a:schemeClr val="accent1">
+              <a:shade val="50000"/>
+            </a:schemeClr>
+          </a:lnRef>
+          <a:fillRef idx="1">
+            <a:schemeClr val="accent1"/>
+          </a:fillRef>
+          <a:effectRef idx="0">
+            <a:schemeClr val="accent1"/>
+          </a:effectRef>
+          <a:fontRef idx="minor">
+            <a:schemeClr val="lt1"/>
+          </a:fontRef>
+        </p:style>
+        <p:txBody>
+          <a:bodyPr rtlCol="0" anchor="ctr"/>
+          <a:lstStyle/>
+          <a:p>
+            <a:pPr algn="ctr"/>
+            <a:r>
+              <a:rPr lang="en-US" dirty="0"/>
+              <a:t>Ingress would do the job for you.</a:t>
+            </a:r>
+          </a:p>
+        </p:txBody>
+      </p:sp>
+    </p:spTree>
+    <p:extLst>
+      <p:ext uri="{BB962C8B-B14F-4D97-AF65-F5344CB8AC3E}">
+        <p14:creationId xmlns:p14="http://schemas.microsoft.com/office/powerpoint/2010/main" val="2212343015"/>
+      </p:ext>
+    </p:extLst>
+  </p:cSld>
+  <p:clrMapOvr>
+    <a:masterClrMapping/>
+  </p:clrMapOvr>
+</p:sld>
+</file>
+
+<file path=ppt/slides/slide24.xml><?xml version="1.0" encoding="utf-8"?>
+<p:sld xmlns:a="http://schemas.openxmlformats.org/drawingml/2006/main" xmlns:r="http://schemas.openxmlformats.org/officeDocument/2006/relationships" xmlns:p="http://schemas.openxmlformats.org/presentationml/2006/main">
+  <p:cSld>
+    <p:spTree>
+      <p:nvGrpSpPr>
+        <p:cNvPr id="1" name=""/>
+        <p:cNvGrpSpPr/>
+        <p:nvPr/>
+      </p:nvGrpSpPr>
+      <p:grpSpPr>
+        <a:xfrm>
+          <a:off x="0" y="0"/>
+          <a:ext cx="0" cy="0"/>
+          <a:chOff x="0" y="0"/>
+          <a:chExt cx="0" cy="0"/>
+        </a:xfrm>
+      </p:grpSpPr>
+      <p:sp>
+        <p:nvSpPr>
+          <p:cNvPr id="3" name="Title 2">
+            <a:extLst>
+              <a:ext uri="{FF2B5EF4-FFF2-40B4-BE49-F238E27FC236}">
+                <a16:creationId xmlns:a16="http://schemas.microsoft.com/office/drawing/2014/main" id="{706501E4-6246-A606-7483-C427CF30CD57}"/>
+              </a:ext>
+            </a:extLst>
+          </p:cNvPr>
+          <p:cNvSpPr>
+            <a:spLocks noGrp="1"/>
+          </p:cNvSpPr>
+          <p:nvPr>
+            <p:ph type="title"/>
+          </p:nvPr>
+        </p:nvSpPr>
+        <p:spPr/>
+        <p:txBody>
+          <a:bodyPr/>
+          <a:lstStyle/>
+          <a:p>
+            <a:r>
+              <a:rPr lang="en-US" dirty="0">
+                <a:solidFill>
+                  <a:schemeClr val="accent5">
+                    <a:lumMod val="50000"/>
+                  </a:schemeClr>
+                </a:solidFill>
+              </a:rPr>
+              <a:t>Task</a:t>
+            </a:r>
+            <a:endParaRPr lang="en-RU" dirty="0">
+              <a:solidFill>
+                <a:schemeClr val="accent5">
+                  <a:lumMod val="50000"/>
+                </a:schemeClr>
+              </a:solidFill>
+            </a:endParaRPr>
+          </a:p>
+        </p:txBody>
+      </p:sp>
+      <p:sp>
+        <p:nvSpPr>
+          <p:cNvPr id="2" name="TextBox 1">
+            <a:extLst>
+              <a:ext uri="{FF2B5EF4-FFF2-40B4-BE49-F238E27FC236}">
+                <a16:creationId xmlns:a16="http://schemas.microsoft.com/office/drawing/2014/main" id="{AA4ACA97-5B52-34DD-BDB2-C2C151A36505}"/>
+              </a:ext>
+            </a:extLst>
+          </p:cNvPr>
+          <p:cNvSpPr txBox="1"/>
+          <p:nvPr/>
+        </p:nvSpPr>
+        <p:spPr>
+          <a:xfrm>
+            <a:off x="10654302" y="1111118"/>
+            <a:ext cx="3513762" cy="646331"/>
+          </a:xfrm>
+          <a:prstGeom prst="rect">
+            <a:avLst/>
+          </a:prstGeom>
+          <a:noFill/>
+        </p:spPr>
+        <p:txBody>
+          <a:bodyPr wrap="square" rtlCol="0">
+            <a:spAutoFit/>
+          </a:bodyPr>
+          <a:lstStyle/>
+          <a:p>
+            <a:r>
+              <a:rPr lang="en-US" dirty="0">
+                <a:solidFill>
+                  <a:schemeClr val="accent5">
+                    <a:lumMod val="50000"/>
+                  </a:schemeClr>
+                </a:solidFill>
+              </a:rPr>
+              <a:t>WHY do we need this?</a:t>
+            </a:r>
+          </a:p>
+          <a:p>
+            <a:r>
+              <a:rPr lang="en-US" dirty="0">
+                <a:solidFill>
+                  <a:schemeClr val="accent5">
+                    <a:lumMod val="50000"/>
+                  </a:schemeClr>
+                </a:solidFill>
+              </a:rPr>
+              <a:t>To practice (</a:t>
+            </a:r>
+            <a:r>
+              <a:rPr lang="ru-RU" dirty="0">
+                <a:solidFill>
+                  <a:schemeClr val="accent5">
+                    <a:lumMod val="50000"/>
+                  </a:schemeClr>
+                </a:solidFill>
+              </a:rPr>
+              <a:t>:</a:t>
+            </a:r>
+            <a:endParaRPr lang="en-US" dirty="0">
+              <a:solidFill>
+                <a:schemeClr val="accent5">
+                  <a:lumMod val="50000"/>
+                </a:schemeClr>
+              </a:solidFill>
+            </a:endParaRPr>
+          </a:p>
+        </p:txBody>
+      </p:sp>
+      <p:sp>
+        <p:nvSpPr>
+          <p:cNvPr id="4" name="TextBox 3">
+            <a:extLst>
+              <a:ext uri="{FF2B5EF4-FFF2-40B4-BE49-F238E27FC236}">
+                <a16:creationId xmlns:a16="http://schemas.microsoft.com/office/drawing/2014/main" id="{95BAC16E-7ACC-94DF-5B4C-368367FB7A4D}"/>
+              </a:ext>
+            </a:extLst>
+          </p:cNvPr>
+          <p:cNvSpPr txBox="1"/>
+          <p:nvPr/>
+        </p:nvSpPr>
+        <p:spPr>
+          <a:xfrm>
+            <a:off x="17508906" y="9659383"/>
+            <a:ext cx="464024" cy="369332"/>
+          </a:xfrm>
+          <a:prstGeom prst="rect">
+            <a:avLst/>
+          </a:prstGeom>
+          <a:noFill/>
+        </p:spPr>
+        <p:txBody>
+          <a:bodyPr wrap="square" rtlCol="0">
+            <a:spAutoFit/>
+          </a:bodyPr>
+          <a:lstStyle/>
+          <a:p>
+            <a:r>
+              <a:rPr lang="en-US" dirty="0">
+                <a:solidFill>
+                  <a:schemeClr val="accent5">
+                    <a:lumMod val="50000"/>
+                  </a:schemeClr>
+                </a:solidFill>
+              </a:rPr>
+              <a:t>24</a:t>
+            </a:r>
+          </a:p>
+        </p:txBody>
+      </p:sp>
+      <p:sp>
+        <p:nvSpPr>
+          <p:cNvPr id="5" name="Sun 4">
+            <a:extLst>
+              <a:ext uri="{FF2B5EF4-FFF2-40B4-BE49-F238E27FC236}">
+                <a16:creationId xmlns:a16="http://schemas.microsoft.com/office/drawing/2014/main" id="{A5A39E55-B16C-11B1-A82F-60B6F8216AA4}"/>
+              </a:ext>
+            </a:extLst>
+          </p:cNvPr>
+          <p:cNvSpPr/>
+          <p:nvPr/>
+        </p:nvSpPr>
+        <p:spPr>
+          <a:xfrm>
+            <a:off x="3901475" y="1997747"/>
+            <a:ext cx="10485049" cy="7790347"/>
+          </a:xfrm>
+          <a:prstGeom prst="sun">
+            <a:avLst/>
+          </a:prstGeom>
+        </p:spPr>
+        <p:style>
+          <a:lnRef idx="2">
+            <a:schemeClr val="accent5">
+              <a:shade val="50000"/>
+            </a:schemeClr>
+          </a:lnRef>
+          <a:fillRef idx="1">
+            <a:schemeClr val="accent5"/>
+          </a:fillRef>
+          <a:effectRef idx="0">
+            <a:schemeClr val="accent5"/>
+          </a:effectRef>
+          <a:fontRef idx="minor">
+            <a:schemeClr val="lt1"/>
+          </a:fontRef>
+        </p:style>
+        <p:txBody>
+          <a:bodyPr rtlCol="0" anchor="ctr"/>
+          <a:lstStyle/>
+          <a:p>
+            <a:pPr algn="ctr"/>
+            <a:r>
+              <a:rPr lang="en-US" dirty="0"/>
+              <a:t>Create ingress to expose your service on path “/</a:t>
+            </a:r>
+            <a:r>
+              <a:rPr lang="en-US" dirty="0" err="1"/>
+              <a:t>yourname</a:t>
+            </a:r>
+            <a:r>
+              <a:rPr lang="en-US" dirty="0"/>
+              <a:t>/”.</a:t>
+            </a:r>
+            <a:r>
+              <a:rPr lang="ru-RU" dirty="0"/>
+              <a:t> </a:t>
+            </a:r>
+            <a:r>
+              <a:rPr lang="en-US" dirty="0"/>
+              <a:t>Access it via </a:t>
+            </a:r>
+            <a:r>
+              <a:rPr lang="en-US" dirty="0" err="1"/>
+              <a:t>loadbalancer</a:t>
+            </a:r>
+            <a:r>
+              <a:rPr lang="en-US" dirty="0"/>
+              <a:t> link.</a:t>
+            </a:r>
+          </a:p>
+        </p:txBody>
+      </p:sp>
+    </p:spTree>
+    <p:extLst>
+      <p:ext uri="{BB962C8B-B14F-4D97-AF65-F5344CB8AC3E}">
+        <p14:creationId xmlns:p14="http://schemas.microsoft.com/office/powerpoint/2010/main" val="1676482960"/>
+      </p:ext>
+    </p:extLst>
+  </p:cSld>
+  <p:clrMapOvr>
+    <a:masterClrMapping/>
+  </p:clrMapOvr>
+</p:sld>
+</file>
+
+<file path=ppt/slides/slide25.xml><?xml version="1.0" encoding="utf-8"?>
+<p:sld xmlns:a="http://schemas.openxmlformats.org/drawingml/2006/main" xmlns:r="http://schemas.openxmlformats.org/officeDocument/2006/relationships" xmlns:p="http://schemas.openxmlformats.org/presentationml/2006/main">
+  <p:cSld>
+    <p:spTree>
+      <p:nvGrpSpPr>
+        <p:cNvPr id="1" name=""/>
+        <p:cNvGrpSpPr/>
+        <p:nvPr/>
+      </p:nvGrpSpPr>
+      <p:grpSpPr>
+        <a:xfrm>
+          <a:off x="0" y="0"/>
+          <a:ext cx="0" cy="0"/>
+          <a:chOff x="0" y="0"/>
+          <a:chExt cx="0" cy="0"/>
+        </a:xfrm>
+      </p:grpSpPr>
+      <p:sp>
+        <p:nvSpPr>
+          <p:cNvPr id="3" name="Title 2">
+            <a:extLst>
+              <a:ext uri="{FF2B5EF4-FFF2-40B4-BE49-F238E27FC236}">
+                <a16:creationId xmlns:a16="http://schemas.microsoft.com/office/drawing/2014/main" id="{706501E4-6246-A606-7483-C427CF30CD57}"/>
+              </a:ext>
+            </a:extLst>
+          </p:cNvPr>
+          <p:cNvSpPr>
+            <a:spLocks noGrp="1"/>
+          </p:cNvSpPr>
+          <p:nvPr>
+            <p:ph type="title"/>
+          </p:nvPr>
+        </p:nvSpPr>
+        <p:spPr/>
+        <p:txBody>
+          <a:bodyPr/>
+          <a:lstStyle/>
+          <a:p>
+            <a:r>
+              <a:rPr lang="en-US" dirty="0"/>
+              <a:t>Reference</a:t>
+            </a:r>
+            <a:endParaRPr lang="en-RU" dirty="0"/>
+          </a:p>
+        </p:txBody>
+      </p:sp>
+      <p:sp>
+        <p:nvSpPr>
+          <p:cNvPr id="2" name="TextBox 1">
+            <a:extLst>
+              <a:ext uri="{FF2B5EF4-FFF2-40B4-BE49-F238E27FC236}">
+                <a16:creationId xmlns:a16="http://schemas.microsoft.com/office/drawing/2014/main" id="{AA4ACA97-5B52-34DD-BDB2-C2C151A36505}"/>
+              </a:ext>
+            </a:extLst>
+          </p:cNvPr>
+          <p:cNvSpPr txBox="1"/>
+          <p:nvPr/>
+        </p:nvSpPr>
+        <p:spPr>
+          <a:xfrm>
+            <a:off x="10654302" y="1111118"/>
+            <a:ext cx="3513762" cy="646331"/>
+          </a:xfrm>
+          <a:prstGeom prst="rect">
+            <a:avLst/>
+          </a:prstGeom>
+          <a:noFill/>
+        </p:spPr>
+        <p:txBody>
+          <a:bodyPr wrap="square" rtlCol="0">
+            <a:spAutoFit/>
+          </a:bodyPr>
+          <a:lstStyle/>
+          <a:p>
+            <a:r>
+              <a:rPr lang="en-US" dirty="0"/>
+              <a:t>WHY do we need this?</a:t>
+            </a:r>
+          </a:p>
+          <a:p>
+            <a:r>
+              <a:rPr lang="en-US" dirty="0"/>
+              <a:t>To broaden knowledge.</a:t>
+            </a:r>
+          </a:p>
+        </p:txBody>
+      </p:sp>
+      <p:sp>
+        <p:nvSpPr>
+          <p:cNvPr id="4" name="TextBox 3">
+            <a:extLst>
+              <a:ext uri="{FF2B5EF4-FFF2-40B4-BE49-F238E27FC236}">
+                <a16:creationId xmlns:a16="http://schemas.microsoft.com/office/drawing/2014/main" id="{95BAC16E-7ACC-94DF-5B4C-368367FB7A4D}"/>
+              </a:ext>
+            </a:extLst>
+          </p:cNvPr>
+          <p:cNvSpPr txBox="1"/>
+          <p:nvPr/>
+        </p:nvSpPr>
+        <p:spPr>
+          <a:xfrm>
+            <a:off x="17508906" y="9659383"/>
+            <a:ext cx="464024" cy="369332"/>
+          </a:xfrm>
+          <a:prstGeom prst="rect">
+            <a:avLst/>
+          </a:prstGeom>
+          <a:noFill/>
+        </p:spPr>
+        <p:txBody>
+          <a:bodyPr wrap="square" rtlCol="0">
+            <a:spAutoFit/>
+          </a:bodyPr>
+          <a:lstStyle/>
+          <a:p>
+            <a:r>
+              <a:rPr lang="en-US" dirty="0"/>
+              <a:t>25</a:t>
+            </a:r>
+          </a:p>
+        </p:txBody>
+      </p:sp>
+      <p:graphicFrame>
+        <p:nvGraphicFramePr>
+          <p:cNvPr id="9" name="Table 9">
+            <a:extLst>
+              <a:ext uri="{FF2B5EF4-FFF2-40B4-BE49-F238E27FC236}">
+                <a16:creationId xmlns:a16="http://schemas.microsoft.com/office/drawing/2014/main" id="{03C539BE-A399-5139-CEA3-332D56ACF37B}"/>
+              </a:ext>
+            </a:extLst>
+          </p:cNvPr>
+          <p:cNvGraphicFramePr>
+            <a:graphicFrameLocks noGrp="1"/>
+          </p:cNvGraphicFramePr>
+          <p:nvPr>
+            <p:ph idx="1"/>
+            <p:extLst>
+              <p:ext uri="{D42A27DB-BD31-4B8C-83A1-F6EECF244321}">
+                <p14:modId xmlns:p14="http://schemas.microsoft.com/office/powerpoint/2010/main" val="1468498973"/>
+              </p:ext>
+            </p:extLst>
+          </p:nvPr>
+        </p:nvGraphicFramePr>
+        <p:xfrm>
+          <a:off x="1476375" y="3344863"/>
+          <a:ext cx="15335250" cy="5030470"/>
+        </p:xfrm>
+        <a:graphic>
+          <a:graphicData uri="http://schemas.openxmlformats.org/drawingml/2006/table">
+            <a:tbl>
+              <a:tblPr firstRow="1" bandRow="1">
+                <a:tableStyleId>{5C22544A-7EE6-4342-B048-85BDC9FD1C3A}</a:tableStyleId>
+              </a:tblPr>
+              <a:tblGrid>
+                <a:gridCol w="2617953">
+                  <a:extLst>
+                    <a:ext uri="{9D8B030D-6E8A-4147-A177-3AD203B41FA5}">
+                      <a16:colId xmlns:a16="http://schemas.microsoft.com/office/drawing/2014/main" val="4004018695"/>
+                    </a:ext>
+                  </a:extLst>
+                </a:gridCol>
+                <a:gridCol w="12717297">
+                  <a:extLst>
+                    <a:ext uri="{9D8B030D-6E8A-4147-A177-3AD203B41FA5}">
+                      <a16:colId xmlns:a16="http://schemas.microsoft.com/office/drawing/2014/main" val="3195669779"/>
+                    </a:ext>
+                  </a:extLst>
+                </a:gridCol>
+              </a:tblGrid>
+              <a:tr h="370840">
+                <a:tc>
+                  <a:txBody>
+                    <a:bodyPr/>
+                    <a:lstStyle/>
+                    <a:p>
+                      <a:r>
+                        <a:rPr lang="en-US" dirty="0"/>
+                        <a:t>Name</a:t>
+                      </a:r>
+                    </a:p>
+                  </a:txBody>
+                  <a:tcPr/>
+                </a:tc>
+                <a:tc>
+                  <a:txBody>
+                    <a:bodyPr/>
+                    <a:lstStyle/>
+                    <a:p>
+                      <a:r>
+                        <a:rPr lang="en-US" dirty="0"/>
+                        <a:t>Link</a:t>
+                      </a:r>
+                    </a:p>
+                  </a:txBody>
+                  <a:tcPr/>
+                </a:tc>
+                <a:extLst>
+                  <a:ext uri="{0D108BD9-81ED-4DB2-BD59-A6C34878D82A}">
+                    <a16:rowId xmlns:a16="http://schemas.microsoft.com/office/drawing/2014/main" val="787482062"/>
+                  </a:ext>
+                </a:extLst>
+              </a:tr>
+              <a:tr h="370840">
+                <a:tc>
+                  <a:txBody>
+                    <a:bodyPr/>
+                    <a:lstStyle/>
+                    <a:p>
+                      <a:r>
+                        <a:rPr lang="en-US" sz="2701" b="0" i="0" kern="1200" dirty="0" err="1">
+                          <a:solidFill>
+                            <a:schemeClr val="dk1"/>
+                          </a:solidFill>
+                          <a:effectLst/>
+                          <a:latin typeface="+mn-lt"/>
+                          <a:ea typeface="+mn-ea"/>
+                          <a:cs typeface="+mn-cs"/>
+                        </a:rPr>
+                        <a:t>Dockerfile</a:t>
+                      </a:r>
+                      <a:endParaRPr lang="en-US" sz="2701" b="0" i="0" kern="1200" dirty="0">
+                        <a:solidFill>
+                          <a:schemeClr val="dk1"/>
+                        </a:solidFill>
+                        <a:effectLst/>
+                        <a:latin typeface="+mn-lt"/>
+                        <a:ea typeface="+mn-ea"/>
+                        <a:cs typeface="+mn-cs"/>
+                      </a:endParaRPr>
+                    </a:p>
+                  </a:txBody>
+                  <a:tcPr/>
+                </a:tc>
+                <a:tc>
+                  <a:txBody>
+                    <a:bodyPr/>
+                    <a:lstStyle/>
+                    <a:p>
+                      <a:r>
+                        <a:rPr lang="en-US" dirty="0">
+                          <a:hlinkClick r:id="rId2"/>
+                        </a:rPr>
+                        <a:t>https://docs.docker.com/engine/reference/builder/</a:t>
+                      </a:r>
+                      <a:endParaRPr lang="en-US" dirty="0"/>
+                    </a:p>
+                  </a:txBody>
+                  <a:tcPr/>
+                </a:tc>
+                <a:extLst>
+                  <a:ext uri="{0D108BD9-81ED-4DB2-BD59-A6C34878D82A}">
+                    <a16:rowId xmlns:a16="http://schemas.microsoft.com/office/drawing/2014/main" val="696254682"/>
+                  </a:ext>
+                </a:extLst>
+              </a:tr>
+              <a:tr h="370840">
+                <a:tc>
+                  <a:txBody>
+                    <a:bodyPr/>
+                    <a:lstStyle/>
+                    <a:p>
+                      <a:r>
+                        <a:rPr lang="en-US" dirty="0"/>
+                        <a:t>Docker</a:t>
+                      </a:r>
+                    </a:p>
+                  </a:txBody>
+                  <a:tcPr/>
+                </a:tc>
+                <a:tc>
+                  <a:txBody>
+                    <a:bodyPr/>
+                    <a:lstStyle/>
+                    <a:p>
+                      <a:r>
+                        <a:rPr lang="en-US" dirty="0">
+                          <a:hlinkClick r:id="rId3"/>
+                        </a:rPr>
+                        <a:t>https://docs.docker.com/engine/reference/run/</a:t>
+                      </a:r>
+                      <a:endParaRPr lang="en-US" dirty="0"/>
+                    </a:p>
+                  </a:txBody>
+                  <a:tcPr/>
+                </a:tc>
+                <a:extLst>
+                  <a:ext uri="{0D108BD9-81ED-4DB2-BD59-A6C34878D82A}">
+                    <a16:rowId xmlns:a16="http://schemas.microsoft.com/office/drawing/2014/main" val="2522316559"/>
+                  </a:ext>
+                </a:extLst>
+              </a:tr>
+              <a:tr h="370840">
+                <a:tc>
+                  <a:txBody>
+                    <a:bodyPr/>
+                    <a:lstStyle/>
+                    <a:p>
+                      <a:r>
+                        <a:rPr lang="en-US" dirty="0"/>
+                        <a:t>Kubernetes</a:t>
+                      </a:r>
+                    </a:p>
+                  </a:txBody>
+                  <a:tcPr/>
+                </a:tc>
+                <a:tc>
+                  <a:txBody>
+                    <a:bodyPr/>
+                    <a:lstStyle/>
+                    <a:p>
+                      <a:r>
+                        <a:rPr lang="en-US" dirty="0">
+                          <a:hlinkClick r:id="rId4"/>
+                        </a:rPr>
+                        <a:t>https://kubernetes.io/docs/concepts/overview/</a:t>
+                      </a:r>
+                      <a:endParaRPr lang="en-US" dirty="0"/>
+                    </a:p>
+                  </a:txBody>
+                  <a:tcPr/>
+                </a:tc>
+                <a:extLst>
+                  <a:ext uri="{0D108BD9-81ED-4DB2-BD59-A6C34878D82A}">
+                    <a16:rowId xmlns:a16="http://schemas.microsoft.com/office/drawing/2014/main" val="745215671"/>
+                  </a:ext>
+                </a:extLst>
+              </a:tr>
+              <a:tr h="370840">
+                <a:tc>
+                  <a:txBody>
+                    <a:bodyPr/>
+                    <a:lstStyle/>
+                    <a:p>
+                      <a:r>
+                        <a:rPr lang="en-US" dirty="0" err="1"/>
+                        <a:t>Kube</a:t>
+                      </a:r>
+                      <a:r>
+                        <a:rPr lang="en-US" dirty="0"/>
+                        <a:t>-components</a:t>
+                      </a:r>
+                    </a:p>
+                  </a:txBody>
+                  <a:tcPr/>
+                </a:tc>
+                <a:tc>
+                  <a:txBody>
+                    <a:bodyPr/>
+                    <a:lstStyle/>
+                    <a:p>
+                      <a:r>
+                        <a:rPr lang="en-US" dirty="0">
+                          <a:hlinkClick r:id="rId5"/>
+                        </a:rPr>
+                        <a:t>https://kubernetes.io/docs/concepts/overview/components/</a:t>
+                      </a:r>
+                      <a:endParaRPr lang="en-US" dirty="0"/>
+                    </a:p>
+                  </a:txBody>
+                  <a:tcPr/>
+                </a:tc>
+                <a:extLst>
+                  <a:ext uri="{0D108BD9-81ED-4DB2-BD59-A6C34878D82A}">
+                    <a16:rowId xmlns:a16="http://schemas.microsoft.com/office/drawing/2014/main" val="818087971"/>
+                  </a:ext>
+                </a:extLst>
+              </a:tr>
+              <a:tr h="370840">
+                <a:tc>
+                  <a:txBody>
+                    <a:bodyPr/>
+                    <a:lstStyle/>
+                    <a:p>
+                      <a:r>
+                        <a:rPr lang="en-US" dirty="0"/>
+                        <a:t>Pods</a:t>
+                      </a:r>
+                    </a:p>
+                  </a:txBody>
+                  <a:tcPr/>
+                </a:tc>
+                <a:tc>
+                  <a:txBody>
+                    <a:bodyPr/>
+                    <a:lstStyle/>
+                    <a:p>
+                      <a:r>
+                        <a:rPr lang="en-US" dirty="0">
+                          <a:hlinkClick r:id="rId6"/>
+                        </a:rPr>
+                        <a:t>https://kubernetes.io/docs/concepts/configuration/configmap/</a:t>
+                      </a:r>
+                      <a:endParaRPr lang="en-US" dirty="0"/>
+                    </a:p>
+                  </a:txBody>
+                  <a:tcPr/>
+                </a:tc>
+                <a:extLst>
+                  <a:ext uri="{0D108BD9-81ED-4DB2-BD59-A6C34878D82A}">
+                    <a16:rowId xmlns:a16="http://schemas.microsoft.com/office/drawing/2014/main" val="3588509633"/>
+                  </a:ext>
+                </a:extLst>
+              </a:tr>
+              <a:tr h="370840">
+                <a:tc>
+                  <a:txBody>
+                    <a:bodyPr/>
+                    <a:lstStyle/>
+                    <a:p>
+                      <a:r>
+                        <a:rPr lang="en-US" dirty="0"/>
+                        <a:t>Namespaces</a:t>
+                      </a:r>
+                    </a:p>
+                  </a:txBody>
+                  <a:tcPr/>
+                </a:tc>
+                <a:tc>
+                  <a:txBody>
+                    <a:bodyPr/>
+                    <a:lstStyle/>
+                    <a:p>
+                      <a:r>
+                        <a:rPr lang="en-US" dirty="0">
+                          <a:hlinkClick r:id="rId7"/>
+                        </a:rPr>
+                        <a:t>https://kubernetes.io/docs/concepts/overview/working-with-objects/namespaces/</a:t>
+                      </a:r>
+                      <a:endParaRPr lang="en-US" dirty="0"/>
+                    </a:p>
+                  </a:txBody>
+                  <a:tcPr/>
+                </a:tc>
+                <a:extLst>
+                  <a:ext uri="{0D108BD9-81ED-4DB2-BD59-A6C34878D82A}">
+                    <a16:rowId xmlns:a16="http://schemas.microsoft.com/office/drawing/2014/main" val="780652128"/>
+                  </a:ext>
+                </a:extLst>
+              </a:tr>
+              <a:tr h="370840">
+                <a:tc>
+                  <a:txBody>
+                    <a:bodyPr/>
+                    <a:lstStyle/>
+                    <a:p>
+                      <a:r>
+                        <a:rPr lang="en-US" dirty="0"/>
+                        <a:t>Deployment</a:t>
+                      </a:r>
+                    </a:p>
+                  </a:txBody>
+                  <a:tcPr/>
+                </a:tc>
+                <a:tc>
+                  <a:txBody>
+                    <a:bodyPr/>
+                    <a:lstStyle/>
+                    <a:p>
+                      <a:r>
+                        <a:rPr lang="en-US" dirty="0">
+                          <a:hlinkClick r:id="rId8"/>
+                        </a:rPr>
+                        <a:t>https://kubernetes.io/docs/concepts/workloads/controllers/deployment/</a:t>
+                      </a:r>
+                      <a:endParaRPr lang="en-US" dirty="0"/>
+                    </a:p>
+                  </a:txBody>
+                  <a:tcPr/>
+                </a:tc>
+                <a:extLst>
+                  <a:ext uri="{0D108BD9-81ED-4DB2-BD59-A6C34878D82A}">
+                    <a16:rowId xmlns:a16="http://schemas.microsoft.com/office/drawing/2014/main" val="698417108"/>
+                  </a:ext>
+                </a:extLst>
+              </a:tr>
+              <a:tr h="370840">
+                <a:tc>
+                  <a:txBody>
+                    <a:bodyPr/>
+                    <a:lstStyle/>
+                    <a:p>
+                      <a:r>
+                        <a:rPr lang="en-US" dirty="0"/>
+                        <a:t>Service</a:t>
+                      </a:r>
+                    </a:p>
+                  </a:txBody>
+                  <a:tcPr/>
+                </a:tc>
+                <a:tc>
+                  <a:txBody>
+                    <a:bodyPr/>
+                    <a:lstStyle/>
+                    <a:p>
+                      <a:r>
+                        <a:rPr lang="en-US" dirty="0">
+                          <a:hlinkClick r:id="rId9"/>
+                        </a:rPr>
+                        <a:t>https://kubernetes.io/docs/concepts/services-networking/service/</a:t>
+                      </a:r>
+                      <a:endParaRPr lang="en-US" dirty="0"/>
+                    </a:p>
+                  </a:txBody>
+                  <a:tcPr/>
+                </a:tc>
+                <a:extLst>
+                  <a:ext uri="{0D108BD9-81ED-4DB2-BD59-A6C34878D82A}">
+                    <a16:rowId xmlns:a16="http://schemas.microsoft.com/office/drawing/2014/main" val="3231072416"/>
+                  </a:ext>
+                </a:extLst>
+              </a:tr>
+              <a:tr h="370840">
+                <a:tc>
+                  <a:txBody>
+                    <a:bodyPr/>
+                    <a:lstStyle/>
+                    <a:p>
+                      <a:r>
+                        <a:rPr lang="en-US" dirty="0"/>
+                        <a:t>Ingress</a:t>
+                      </a:r>
+                    </a:p>
+                  </a:txBody>
+                  <a:tcPr/>
+                </a:tc>
+                <a:tc>
+                  <a:txBody>
+                    <a:bodyPr/>
+                    <a:lstStyle/>
+                    <a:p>
+                      <a:r>
+                        <a:rPr lang="en-US" dirty="0">
+                          <a:hlinkClick r:id="rId10"/>
+                        </a:rPr>
+                        <a:t>https://kubernetes.io/docs/concepts/services-networking/ingress/</a:t>
+                      </a:r>
+                      <a:endParaRPr lang="en-US" dirty="0"/>
+                    </a:p>
+                  </a:txBody>
+                  <a:tcPr/>
+                </a:tc>
+                <a:extLst>
+                  <a:ext uri="{0D108BD9-81ED-4DB2-BD59-A6C34878D82A}">
+                    <a16:rowId xmlns:a16="http://schemas.microsoft.com/office/drawing/2014/main" val="2348088428"/>
+                  </a:ext>
+                </a:extLst>
+              </a:tr>
+            </a:tbl>
+          </a:graphicData>
+        </a:graphic>
+      </p:graphicFrame>
+    </p:spTree>
+    <p:extLst>
+      <p:ext uri="{BB962C8B-B14F-4D97-AF65-F5344CB8AC3E}">
+        <p14:creationId xmlns:p14="http://schemas.microsoft.com/office/powerpoint/2010/main" val="1607709534"/>
       </p:ext>
     </p:extLst>
   </p:cSld>
@@ -14191,47 +17682,12 @@
           <a:p>
             <a:r>
               <a:rPr lang="en-US" dirty="0"/>
-              <a:t>Docker Containers</a:t>
+              <a:t>Legend</a:t>
             </a:r>
             <a:endParaRPr lang="en-RU" dirty="0"/>
           </a:p>
         </p:txBody>
       </p:sp>
-      <p:pic>
-        <p:nvPicPr>
-          <p:cNvPr id="9" name="Picture 8">
-            <a:extLst>
-              <a:ext uri="{FF2B5EF4-FFF2-40B4-BE49-F238E27FC236}">
-                <a16:creationId xmlns:a16="http://schemas.microsoft.com/office/drawing/2014/main" id="{51A064D7-E2E3-233C-E0D1-A75394D2F548}"/>
-              </a:ext>
-            </a:extLst>
-          </p:cNvPr>
-          <p:cNvPicPr>
-            <a:picLocks noChangeAspect="1"/>
-          </p:cNvPicPr>
-          <p:nvPr/>
-        </p:nvPicPr>
-        <p:blipFill>
-          <a:blip r:embed="rId2">
-            <a:extLst>
-              <a:ext uri="{28A0092B-C50C-407E-A947-70E740481C1C}">
-                <a14:useLocalDpi xmlns:a14="http://schemas.microsoft.com/office/drawing/2010/main" val="0"/>
-              </a:ext>
-            </a:extLst>
-          </a:blip>
-          <a:srcRect/>
-          <a:stretch/>
-        </p:blipFill>
-        <p:spPr>
-          <a:xfrm>
-            <a:off x="3504126" y="3423097"/>
-            <a:ext cx="11279747" cy="5407428"/>
-          </a:xfrm>
-          <a:prstGeom prst="rect">
-            <a:avLst/>
-          </a:prstGeom>
-        </p:spPr>
-      </p:pic>
       <p:sp>
         <p:nvSpPr>
           <p:cNvPr id="2" name="TextBox 1">
@@ -14247,7 +17703,7 @@
         <p:spPr>
           <a:xfrm>
             <a:off x="10654302" y="1111118"/>
-            <a:ext cx="3513762" cy="923330"/>
+            <a:ext cx="3513762" cy="646331"/>
           </a:xfrm>
           <a:prstGeom prst="rect">
             <a:avLst/>
@@ -14268,7 +17724,7 @@
           <a:p>
             <a:r>
               <a:rPr lang="en-US" dirty="0"/>
-              <a:t>To simplify deployment process and increase resource utilization.</a:t>
+              <a:t>To understand what is waiting ahead.</a:t>
             </a:r>
           </a:p>
         </p:txBody>
@@ -14302,17 +17758,220 @@
           <a:lstStyle/>
           <a:p>
             <a:r>
-              <a:rPr lang="ru-RU" dirty="0"/>
+              <a:rPr lang="en-US" dirty="0"/>
               <a:t>3</a:t>
             </a:r>
-            <a:endParaRPr lang="en-US" dirty="0"/>
+          </a:p>
+        </p:txBody>
+      </p:sp>
+      <p:sp>
+        <p:nvSpPr>
+          <p:cNvPr id="5" name="Cloud 4">
+            <a:extLst>
+              <a:ext uri="{FF2B5EF4-FFF2-40B4-BE49-F238E27FC236}">
+                <a16:creationId xmlns:a16="http://schemas.microsoft.com/office/drawing/2014/main" id="{E3307D74-B5FA-4766-E1AE-CFF700A2049D}"/>
+              </a:ext>
+            </a:extLst>
+          </p:cNvPr>
+          <p:cNvSpPr/>
+          <p:nvPr/>
+        </p:nvSpPr>
+        <p:spPr>
+          <a:xfrm>
+            <a:off x="3895528" y="5916328"/>
+            <a:ext cx="2413062" cy="1606808"/>
+          </a:xfrm>
+          <a:prstGeom prst="cloud">
+            <a:avLst/>
+          </a:prstGeom>
+        </p:spPr>
+        <p:style>
+          <a:lnRef idx="2">
+            <a:schemeClr val="accent1">
+              <a:shade val="50000"/>
+            </a:schemeClr>
+          </a:lnRef>
+          <a:fillRef idx="1">
+            <a:schemeClr val="accent1"/>
+          </a:fillRef>
+          <a:effectRef idx="0">
+            <a:schemeClr val="accent1"/>
+          </a:effectRef>
+          <a:fontRef idx="minor">
+            <a:schemeClr val="lt1"/>
+          </a:fontRef>
+        </p:style>
+        <p:txBody>
+          <a:bodyPr rtlCol="0" anchor="ctr"/>
+          <a:lstStyle/>
+          <a:p>
+            <a:pPr algn="ctr"/>
+            <a:r>
+              <a:rPr lang="en-US" dirty="0"/>
+              <a:t>Q&amp;A: story</a:t>
+            </a:r>
+          </a:p>
+        </p:txBody>
+      </p:sp>
+      <p:sp>
+        <p:nvSpPr>
+          <p:cNvPr id="7" name="Rectangle: Folded Corner 6">
+            <a:extLst>
+              <a:ext uri="{FF2B5EF4-FFF2-40B4-BE49-F238E27FC236}">
+                <a16:creationId xmlns:a16="http://schemas.microsoft.com/office/drawing/2014/main" id="{1A65DF16-0693-852F-FB9A-1ABD78AFC950}"/>
+              </a:ext>
+            </a:extLst>
+          </p:cNvPr>
+          <p:cNvSpPr/>
+          <p:nvPr/>
+        </p:nvSpPr>
+        <p:spPr>
+          <a:xfrm>
+            <a:off x="7757198" y="6980266"/>
+            <a:ext cx="1386802" cy="1783891"/>
+          </a:xfrm>
+          <a:prstGeom prst="foldedCorner">
+            <a:avLst/>
+          </a:prstGeom>
+          <a:solidFill>
+            <a:schemeClr val="accent2"/>
+          </a:solidFill>
+          <a:ln>
+            <a:solidFill>
+              <a:schemeClr val="accent2">
+                <a:lumMod val="50000"/>
+              </a:schemeClr>
+            </a:solidFill>
+          </a:ln>
+        </p:spPr>
+        <p:style>
+          <a:lnRef idx="2">
+            <a:schemeClr val="accent1">
+              <a:shade val="50000"/>
+            </a:schemeClr>
+          </a:lnRef>
+          <a:fillRef idx="1">
+            <a:schemeClr val="accent1"/>
+          </a:fillRef>
+          <a:effectRef idx="0">
+            <a:schemeClr val="accent1"/>
+          </a:effectRef>
+          <a:fontRef idx="minor">
+            <a:schemeClr val="lt1"/>
+          </a:fontRef>
+        </p:style>
+        <p:txBody>
+          <a:bodyPr rtlCol="0" anchor="ctr"/>
+          <a:lstStyle/>
+          <a:p>
+            <a:pPr algn="ctr"/>
+            <a:r>
+              <a:rPr lang="en-US" dirty="0"/>
+              <a:t>Piece of theory</a:t>
+            </a:r>
+          </a:p>
+        </p:txBody>
+      </p:sp>
+      <p:sp>
+        <p:nvSpPr>
+          <p:cNvPr id="9" name="Sun 8">
+            <a:extLst>
+              <a:ext uri="{FF2B5EF4-FFF2-40B4-BE49-F238E27FC236}">
+                <a16:creationId xmlns:a16="http://schemas.microsoft.com/office/drawing/2014/main" id="{23DDCF6D-A517-D3C5-48FA-48E6D24C5667}"/>
+              </a:ext>
+            </a:extLst>
+          </p:cNvPr>
+          <p:cNvSpPr/>
+          <p:nvPr/>
+        </p:nvSpPr>
+        <p:spPr>
+          <a:xfrm>
+            <a:off x="10558355" y="5399647"/>
+            <a:ext cx="2640169" cy="2640169"/>
+          </a:xfrm>
+          <a:prstGeom prst="sun">
+            <a:avLst/>
+          </a:prstGeom>
+          <a:solidFill>
+            <a:schemeClr val="accent5"/>
+          </a:solidFill>
+          <a:ln>
+            <a:solidFill>
+              <a:schemeClr val="accent5">
+                <a:lumMod val="50000"/>
+              </a:schemeClr>
+            </a:solidFill>
+          </a:ln>
+        </p:spPr>
+        <p:style>
+          <a:lnRef idx="2">
+            <a:schemeClr val="accent1">
+              <a:shade val="50000"/>
+            </a:schemeClr>
+          </a:lnRef>
+          <a:fillRef idx="1">
+            <a:schemeClr val="accent1"/>
+          </a:fillRef>
+          <a:effectRef idx="0">
+            <a:schemeClr val="accent1"/>
+          </a:effectRef>
+          <a:fontRef idx="minor">
+            <a:schemeClr val="lt1"/>
+          </a:fontRef>
+        </p:style>
+        <p:txBody>
+          <a:bodyPr rtlCol="0" anchor="ctr"/>
+          <a:lstStyle/>
+          <a:p>
+            <a:pPr algn="ctr"/>
+            <a:r>
+              <a:rPr lang="en-US" dirty="0"/>
+              <a:t>Practice</a:t>
+            </a:r>
+          </a:p>
+        </p:txBody>
+      </p:sp>
+      <p:sp>
+        <p:nvSpPr>
+          <p:cNvPr id="11" name="TextBox 10">
+            <a:extLst>
+              <a:ext uri="{FF2B5EF4-FFF2-40B4-BE49-F238E27FC236}">
+                <a16:creationId xmlns:a16="http://schemas.microsoft.com/office/drawing/2014/main" id="{BDC2C075-9DCB-5BFB-B395-7C2A97A1B21B}"/>
+              </a:ext>
+            </a:extLst>
+          </p:cNvPr>
+          <p:cNvSpPr txBox="1"/>
+          <p:nvPr/>
+        </p:nvSpPr>
+        <p:spPr>
+          <a:xfrm>
+            <a:off x="6450257" y="3974277"/>
+            <a:ext cx="4816698" cy="923330"/>
+          </a:xfrm>
+          <a:prstGeom prst="rect">
+            <a:avLst/>
+          </a:prstGeom>
+          <a:noFill/>
+        </p:spPr>
+        <p:txBody>
+          <a:bodyPr wrap="square" rtlCol="0">
+            <a:spAutoFit/>
+          </a:bodyPr>
+          <a:lstStyle/>
+          <a:p>
+            <a:r>
+              <a:rPr lang="en-US" sz="5400" dirty="0">
+                <a:latin typeface="+mj-lt"/>
+              </a:rPr>
+              <a:t>Types of slides</a:t>
+            </a:r>
           </a:p>
         </p:txBody>
       </p:sp>
     </p:spTree>
     <p:extLst>
       <p:ext uri="{BB962C8B-B14F-4D97-AF65-F5344CB8AC3E}">
-        <p14:creationId xmlns:p14="http://schemas.microsoft.com/office/powerpoint/2010/main" val="595699458"/>
+        <p14:creationId xmlns:p14="http://schemas.microsoft.com/office/powerpoint/2010/main" val="4084952325"/>
       </p:ext>
     </p:extLst>
   </p:cSld>
@@ -14361,155 +18020,31 @@
           <a:lstStyle/>
           <a:p>
             <a:r>
-              <a:rPr lang="en-US" dirty="0"/>
-              <a:t>Q&amp;A: story</a:t>
-            </a:r>
-            <a:endParaRPr lang="en-RU" dirty="0"/>
-          </a:p>
-        </p:txBody>
-      </p:sp>
-      <p:sp>
-        <p:nvSpPr>
-          <p:cNvPr id="2" name="TextBox 1">
-            <a:extLst>
-              <a:ext uri="{FF2B5EF4-FFF2-40B4-BE49-F238E27FC236}">
-                <a16:creationId xmlns:a16="http://schemas.microsoft.com/office/drawing/2014/main" id="{AA4ACA97-5B52-34DD-BDB2-C2C151A36505}"/>
-              </a:ext>
-            </a:extLst>
-          </p:cNvPr>
-          <p:cNvSpPr txBox="1"/>
-          <p:nvPr/>
-        </p:nvSpPr>
-        <p:spPr>
-          <a:xfrm>
-            <a:off x="10654302" y="1111118"/>
-            <a:ext cx="3513762" cy="646331"/>
-          </a:xfrm>
-          <a:prstGeom prst="rect">
-            <a:avLst/>
-          </a:prstGeom>
-          <a:noFill/>
-        </p:spPr>
-        <p:txBody>
-          <a:bodyPr wrap="square" rtlCol="0">
-            <a:spAutoFit/>
-          </a:bodyPr>
-          <a:lstStyle/>
-          <a:p>
-            <a:r>
-              <a:rPr lang="en-US" dirty="0"/>
-              <a:t>WHY do we need this?</a:t>
-            </a:r>
-          </a:p>
-          <a:p>
-            <a:r>
-              <a:rPr lang="en-US" dirty="0"/>
-              <a:t>To see </a:t>
-            </a:r>
-            <a:r>
-              <a:rPr lang="en-US" dirty="0" err="1"/>
-              <a:t>usecases</a:t>
-            </a:r>
-            <a:r>
-              <a:rPr lang="en-US" dirty="0"/>
-              <a:t>.</a:t>
-            </a:r>
-          </a:p>
-        </p:txBody>
-      </p:sp>
-      <p:sp>
-        <p:nvSpPr>
-          <p:cNvPr id="4" name="TextBox 3">
-            <a:extLst>
-              <a:ext uri="{FF2B5EF4-FFF2-40B4-BE49-F238E27FC236}">
-                <a16:creationId xmlns:a16="http://schemas.microsoft.com/office/drawing/2014/main" id="{95BAC16E-7ACC-94DF-5B4C-368367FB7A4D}"/>
-              </a:ext>
-            </a:extLst>
-          </p:cNvPr>
-          <p:cNvSpPr txBox="1"/>
-          <p:nvPr/>
-        </p:nvSpPr>
-        <p:spPr>
-          <a:xfrm>
-            <a:off x="17508906" y="9659383"/>
-            <a:ext cx="464024" cy="369332"/>
-          </a:xfrm>
-          <a:prstGeom prst="rect">
-            <a:avLst/>
-          </a:prstGeom>
-          <a:noFill/>
-        </p:spPr>
-        <p:txBody>
-          <a:bodyPr wrap="square" rtlCol="0">
-            <a:spAutoFit/>
-          </a:bodyPr>
-          <a:lstStyle/>
-          <a:p>
-            <a:r>
-              <a:rPr lang="en-US" dirty="0"/>
-              <a:t>4</a:t>
-            </a:r>
-          </a:p>
-        </p:txBody>
-      </p:sp>
-      <p:sp>
-        <p:nvSpPr>
-          <p:cNvPr id="6" name="Thought Bubble: Cloud 5">
-            <a:extLst>
-              <a:ext uri="{FF2B5EF4-FFF2-40B4-BE49-F238E27FC236}">
-                <a16:creationId xmlns:a16="http://schemas.microsoft.com/office/drawing/2014/main" id="{CE76AC75-F0A2-D695-3545-2D4B565B01CF}"/>
-              </a:ext>
-            </a:extLst>
-          </p:cNvPr>
-          <p:cNvSpPr/>
-          <p:nvPr/>
-        </p:nvSpPr>
-        <p:spPr>
-          <a:xfrm>
-            <a:off x="3275462" y="3671247"/>
-            <a:ext cx="5513696" cy="1922833"/>
-          </a:xfrm>
-          <a:prstGeom prst="cloudCallout">
-            <a:avLst>
-              <a:gd name="adj1" fmla="val -46637"/>
-              <a:gd name="adj2" fmla="val 61080"/>
-            </a:avLst>
-          </a:prstGeom>
-        </p:spPr>
-        <p:style>
-          <a:lnRef idx="2">
-            <a:schemeClr val="accent1">
-              <a:shade val="50000"/>
-            </a:schemeClr>
-          </a:lnRef>
-          <a:fillRef idx="1">
-            <a:schemeClr val="accent1"/>
-          </a:fillRef>
-          <a:effectRef idx="0">
-            <a:schemeClr val="accent1"/>
-          </a:effectRef>
-          <a:fontRef idx="minor">
-            <a:schemeClr val="lt1"/>
-          </a:fontRef>
-        </p:style>
-        <p:txBody>
-          <a:bodyPr rtlCol="0" anchor="ctr"/>
-          <a:lstStyle/>
-          <a:p>
-            <a:pPr algn="ctr"/>
-            <a:r>
-              <a:rPr lang="en-US" dirty="0"/>
-              <a:t>It would be great to create world-level online tea-shop!</a:t>
-            </a:r>
+              <a:rPr lang="en-US" dirty="0">
+                <a:solidFill>
+                  <a:schemeClr val="accent2">
+                    <a:lumMod val="50000"/>
+                  </a:schemeClr>
+                </a:solidFill>
+              </a:rPr>
+              <a:t>History</a:t>
+            </a:r>
+            <a:endParaRPr lang="en-RU" dirty="0">
+              <a:solidFill>
+                <a:schemeClr val="accent2">
+                  <a:lumMod val="50000"/>
+                </a:schemeClr>
+              </a:solidFill>
+            </a:endParaRPr>
           </a:p>
         </p:txBody>
       </p:sp>
       <p:pic>
         <p:nvPicPr>
-          <p:cNvPr id="8" name="Graphic 7" descr="Female Profile with solid fill">
+          <p:cNvPr id="2" name="Graphic 1">
             <a:extLst>
               <a:ext uri="{FF2B5EF4-FFF2-40B4-BE49-F238E27FC236}">
-                <a16:creationId xmlns:a16="http://schemas.microsoft.com/office/drawing/2014/main" id="{5B2BDBD5-5678-202E-FAF3-A0DC4D68E807}"/>
+                <a16:creationId xmlns:a16="http://schemas.microsoft.com/office/drawing/2014/main" id="{EEE991AB-36FC-B786-0E0C-32B5C294EC32}"/>
               </a:ext>
             </a:extLst>
           </p:cNvPr>
@@ -14519,13 +18054,13 @@
           <p:nvPr/>
         </p:nvPicPr>
         <p:blipFill>
-          <a:blip r:embed="rId2">
+          <a:blip r:embed="rId3">
             <a:extLst>
               <a:ext uri="{28A0092B-C50C-407E-A947-70E740481C1C}">
                 <a14:useLocalDpi xmlns:a14="http://schemas.microsoft.com/office/drawing/2010/main" val="0"/>
               </a:ext>
               <a:ext uri="{96DAC541-7B7A-43D3-8B79-37D633B846F1}">
-                <asvg:svgBlip xmlns:asvg="http://schemas.microsoft.com/office/drawing/2016/SVG/main" r:embed="rId3"/>
+                <asvg:svgBlip xmlns:asvg="http://schemas.microsoft.com/office/drawing/2016/SVG/main" r:embed="rId4"/>
               </a:ext>
             </a:extLst>
           </a:blip>
@@ -14535,8 +18070,8 @@
         </p:blipFill>
         <p:spPr>
           <a:xfrm>
-            <a:off x="866400" y="5396777"/>
-            <a:ext cx="3323230" cy="3323230"/>
+            <a:off x="1188525" y="3277722"/>
+            <a:ext cx="15910949" cy="5863046"/>
           </a:xfrm>
           <a:prstGeom prst="rect">
             <a:avLst/>
@@ -14545,10 +18080,10 @@
       </p:pic>
       <p:sp>
         <p:nvSpPr>
-          <p:cNvPr id="10" name="TextBox 9">
+          <p:cNvPr id="4" name="TextBox 3">
             <a:extLst>
               <a:ext uri="{FF2B5EF4-FFF2-40B4-BE49-F238E27FC236}">
-                <a16:creationId xmlns:a16="http://schemas.microsoft.com/office/drawing/2014/main" id="{AC8232B7-9F05-F8DC-FCC9-582380AC9605}"/>
+                <a16:creationId xmlns:a16="http://schemas.microsoft.com/office/drawing/2014/main" id="{87A2F5E0-2A99-9009-FE3B-56F39EA0D184}"/>
               </a:ext>
             </a:extLst>
           </p:cNvPr>
@@ -14557,8 +18092,8 @@
         </p:nvSpPr>
         <p:spPr>
           <a:xfrm>
-            <a:off x="2186821" y="8322467"/>
-            <a:ext cx="982638" cy="369332"/>
+            <a:off x="17508906" y="9659383"/>
+            <a:ext cx="464024" cy="369332"/>
           </a:xfrm>
           <a:prstGeom prst="rect">
             <a:avLst/>
@@ -14572,134 +18107,14 @@
           <a:lstStyle/>
           <a:p>
             <a:r>
-              <a:rPr lang="en-US" dirty="0"/>
-              <a:t>Alice</a:t>
-            </a:r>
-          </a:p>
-        </p:txBody>
-      </p:sp>
-      <p:pic>
-        <p:nvPicPr>
-          <p:cNvPr id="12" name="Graphic 11" descr="Male profile with solid fill">
-            <a:extLst>
-              <a:ext uri="{FF2B5EF4-FFF2-40B4-BE49-F238E27FC236}">
-                <a16:creationId xmlns:a16="http://schemas.microsoft.com/office/drawing/2014/main" id="{E3414CCD-FACA-7861-4640-298E63FF41AD}"/>
-              </a:ext>
-            </a:extLst>
-          </p:cNvPr>
-          <p:cNvPicPr>
-            <a:picLocks noChangeAspect="1"/>
-          </p:cNvPicPr>
-          <p:nvPr/>
-        </p:nvPicPr>
-        <p:blipFill>
-          <a:blip r:embed="rId4">
-            <a:extLst>
-              <a:ext uri="{28A0092B-C50C-407E-A947-70E740481C1C}">
-                <a14:useLocalDpi xmlns:a14="http://schemas.microsoft.com/office/drawing/2010/main" val="0"/>
-              </a:ext>
-              <a:ext uri="{96DAC541-7B7A-43D3-8B79-37D633B846F1}">
-                <asvg:svgBlip xmlns:asvg="http://schemas.microsoft.com/office/drawing/2016/SVG/main" r:embed="rId5"/>
-              </a:ext>
-            </a:extLst>
-          </a:blip>
-          <a:stretch>
-            <a:fillRect/>
-          </a:stretch>
-        </p:blipFill>
-        <p:spPr>
-          <a:xfrm>
-            <a:off x="9144000" y="5368569"/>
-            <a:ext cx="3323230" cy="3323230"/>
-          </a:xfrm>
-          <a:prstGeom prst="rect">
-            <a:avLst/>
-          </a:prstGeom>
-        </p:spPr>
-      </p:pic>
-      <p:sp>
-        <p:nvSpPr>
-          <p:cNvPr id="13" name="TextBox 12">
-            <a:extLst>
-              <a:ext uri="{FF2B5EF4-FFF2-40B4-BE49-F238E27FC236}">
-                <a16:creationId xmlns:a16="http://schemas.microsoft.com/office/drawing/2014/main" id="{BD2861F6-C4E6-1ACF-9372-B7F2496D4888}"/>
-              </a:ext>
-            </a:extLst>
-          </p:cNvPr>
-          <p:cNvSpPr txBox="1"/>
-          <p:nvPr/>
-        </p:nvSpPr>
-        <p:spPr>
-          <a:xfrm>
-            <a:off x="10490115" y="8322467"/>
-            <a:ext cx="982638" cy="369332"/>
-          </a:xfrm>
-          <a:prstGeom prst="rect">
-            <a:avLst/>
-          </a:prstGeom>
-          <a:noFill/>
-        </p:spPr>
-        <p:txBody>
-          <a:bodyPr wrap="square" rtlCol="0">
-            <a:spAutoFit/>
-          </a:bodyPr>
-          <a:lstStyle/>
-          <a:p>
-            <a:r>
-              <a:rPr lang="en-US" dirty="0"/>
-              <a:t>Bob</a:t>
-            </a:r>
-          </a:p>
-        </p:txBody>
-      </p:sp>
-      <p:sp>
-        <p:nvSpPr>
-          <p:cNvPr id="15" name="Speech Bubble: Oval 14">
-            <a:extLst>
-              <a:ext uri="{FF2B5EF4-FFF2-40B4-BE49-F238E27FC236}">
-                <a16:creationId xmlns:a16="http://schemas.microsoft.com/office/drawing/2014/main" id="{B061D5B1-80BC-F4FB-3898-021F7B395B84}"/>
-              </a:ext>
-            </a:extLst>
-          </p:cNvPr>
-          <p:cNvSpPr/>
-          <p:nvPr/>
-        </p:nvSpPr>
-        <p:spPr>
-          <a:xfrm>
-            <a:off x="11198220" y="3671247"/>
-            <a:ext cx="5513696" cy="1786355"/>
-          </a:xfrm>
-          <a:prstGeom prst="wedgeEllipseCallout">
-            <a:avLst>
-              <a:gd name="adj1" fmla="val -44188"/>
-              <a:gd name="adj2" fmla="val 65122"/>
-            </a:avLst>
-          </a:prstGeom>
-        </p:spPr>
-        <p:style>
-          <a:lnRef idx="2">
-            <a:schemeClr val="accent1">
-              <a:shade val="50000"/>
-            </a:schemeClr>
-          </a:lnRef>
-          <a:fillRef idx="1">
-            <a:schemeClr val="accent1"/>
-          </a:fillRef>
-          <a:effectRef idx="0">
-            <a:schemeClr val="accent1"/>
-          </a:effectRef>
-          <a:fontRef idx="minor">
-            <a:schemeClr val="lt1"/>
-          </a:fontRef>
-        </p:style>
-        <p:txBody>
-          <a:bodyPr rtlCol="0" anchor="ctr"/>
-          <a:lstStyle/>
-          <a:p>
-            <a:pPr algn="ctr"/>
-            <a:r>
-              <a:rPr lang="en-US" dirty="0"/>
-              <a:t>Well, you need scalable and configurable, platform-agnostic solution, like docker containers.</a:t>
+              <a:rPr lang="en-US" dirty="0">
+                <a:solidFill>
+                  <a:schemeClr val="accent2">
+                    <a:lumMod val="50000"/>
+                  </a:schemeClr>
+                </a:solidFill>
+              </a:rPr>
+              <a:t>4</a:t>
             </a:r>
           </a:p>
         </p:txBody>
@@ -14707,7 +18122,7 @@
     </p:spTree>
     <p:extLst>
       <p:ext uri="{BB962C8B-B14F-4D97-AF65-F5344CB8AC3E}">
-        <p14:creationId xmlns:p14="http://schemas.microsoft.com/office/powerpoint/2010/main" val="124898625"/>
+        <p14:creationId xmlns:p14="http://schemas.microsoft.com/office/powerpoint/2010/main" val="1604063520"/>
       </p:ext>
     </p:extLst>
   </p:cSld>
@@ -14756,10 +18171,940 @@
           <a:lstStyle/>
           <a:p>
             <a:r>
+              <a:rPr lang="en-US" dirty="0">
+                <a:solidFill>
+                  <a:schemeClr val="accent2">
+                    <a:lumMod val="50000"/>
+                  </a:schemeClr>
+                </a:solidFill>
+              </a:rPr>
+              <a:t>Docker Containers</a:t>
+            </a:r>
+            <a:endParaRPr lang="en-RU" dirty="0">
+              <a:solidFill>
+                <a:schemeClr val="accent2">
+                  <a:lumMod val="50000"/>
+                </a:schemeClr>
+              </a:solidFill>
+            </a:endParaRPr>
+          </a:p>
+        </p:txBody>
+      </p:sp>
+      <p:pic>
+        <p:nvPicPr>
+          <p:cNvPr id="9" name="Picture 8">
+            <a:extLst>
+              <a:ext uri="{FF2B5EF4-FFF2-40B4-BE49-F238E27FC236}">
+                <a16:creationId xmlns:a16="http://schemas.microsoft.com/office/drawing/2014/main" id="{51A064D7-E2E3-233C-E0D1-A75394D2F548}"/>
+              </a:ext>
+            </a:extLst>
+          </p:cNvPr>
+          <p:cNvPicPr>
+            <a:picLocks noChangeAspect="1"/>
+          </p:cNvPicPr>
+          <p:nvPr/>
+        </p:nvPicPr>
+        <p:blipFill>
+          <a:blip r:embed="rId2">
+            <a:extLst>
+              <a:ext uri="{28A0092B-C50C-407E-A947-70E740481C1C}">
+                <a14:useLocalDpi xmlns:a14="http://schemas.microsoft.com/office/drawing/2010/main" val="0"/>
+              </a:ext>
+            </a:extLst>
+          </a:blip>
+          <a:srcRect/>
+          <a:stretch/>
+        </p:blipFill>
+        <p:spPr>
+          <a:xfrm>
+            <a:off x="3504126" y="3423097"/>
+            <a:ext cx="11279747" cy="5407428"/>
+          </a:xfrm>
+          <a:prstGeom prst="rect">
+            <a:avLst/>
+          </a:prstGeom>
+        </p:spPr>
+      </p:pic>
+      <p:sp>
+        <p:nvSpPr>
+          <p:cNvPr id="2" name="TextBox 1">
+            <a:extLst>
+              <a:ext uri="{FF2B5EF4-FFF2-40B4-BE49-F238E27FC236}">
+                <a16:creationId xmlns:a16="http://schemas.microsoft.com/office/drawing/2014/main" id="{AA4ACA97-5B52-34DD-BDB2-C2C151A36505}"/>
+              </a:ext>
+            </a:extLst>
+          </p:cNvPr>
+          <p:cNvSpPr txBox="1"/>
+          <p:nvPr/>
+        </p:nvSpPr>
+        <p:spPr>
+          <a:xfrm>
+            <a:off x="10654302" y="1111118"/>
+            <a:ext cx="3513762" cy="923330"/>
+          </a:xfrm>
+          <a:prstGeom prst="rect">
+            <a:avLst/>
+          </a:prstGeom>
+          <a:noFill/>
+        </p:spPr>
+        <p:txBody>
+          <a:bodyPr wrap="square" rtlCol="0">
+            <a:spAutoFit/>
+          </a:bodyPr>
+          <a:lstStyle/>
+          <a:p>
+            <a:r>
+              <a:rPr lang="en-US" dirty="0">
+                <a:solidFill>
+                  <a:schemeClr val="accent2">
+                    <a:lumMod val="50000"/>
+                  </a:schemeClr>
+                </a:solidFill>
+              </a:rPr>
+              <a:t>WHY do we need this?</a:t>
+            </a:r>
+          </a:p>
+          <a:p>
+            <a:r>
+              <a:rPr lang="en-US" dirty="0">
+                <a:solidFill>
+                  <a:schemeClr val="accent2">
+                    <a:lumMod val="50000"/>
+                  </a:schemeClr>
+                </a:solidFill>
+              </a:rPr>
+              <a:t>To simplify deployment process and increase resource utilization.</a:t>
+            </a:r>
+          </a:p>
+        </p:txBody>
+      </p:sp>
+      <p:sp>
+        <p:nvSpPr>
+          <p:cNvPr id="4" name="TextBox 3">
+            <a:extLst>
+              <a:ext uri="{FF2B5EF4-FFF2-40B4-BE49-F238E27FC236}">
+                <a16:creationId xmlns:a16="http://schemas.microsoft.com/office/drawing/2014/main" id="{95BAC16E-7ACC-94DF-5B4C-368367FB7A4D}"/>
+              </a:ext>
+            </a:extLst>
+          </p:cNvPr>
+          <p:cNvSpPr txBox="1"/>
+          <p:nvPr/>
+        </p:nvSpPr>
+        <p:spPr>
+          <a:xfrm>
+            <a:off x="17508906" y="9659383"/>
+            <a:ext cx="464024" cy="369332"/>
+          </a:xfrm>
+          <a:prstGeom prst="rect">
+            <a:avLst/>
+          </a:prstGeom>
+          <a:noFill/>
+        </p:spPr>
+        <p:txBody>
+          <a:bodyPr wrap="square" rtlCol="0">
+            <a:spAutoFit/>
+          </a:bodyPr>
+          <a:lstStyle/>
+          <a:p>
+            <a:r>
+              <a:rPr lang="en-US" dirty="0">
+                <a:solidFill>
+                  <a:schemeClr val="accent2">
+                    <a:lumMod val="50000"/>
+                  </a:schemeClr>
+                </a:solidFill>
+              </a:rPr>
+              <a:t>5</a:t>
+            </a:r>
+          </a:p>
+        </p:txBody>
+      </p:sp>
+    </p:spTree>
+    <p:extLst>
+      <p:ext uri="{BB962C8B-B14F-4D97-AF65-F5344CB8AC3E}">
+        <p14:creationId xmlns:p14="http://schemas.microsoft.com/office/powerpoint/2010/main" val="595699458"/>
+      </p:ext>
+    </p:extLst>
+  </p:cSld>
+  <p:clrMapOvr>
+    <a:masterClrMapping/>
+  </p:clrMapOvr>
+</p:sld>
+</file>
+
+<file path=ppt/slides/slide6.xml><?xml version="1.0" encoding="utf-8"?>
+<p:sld xmlns:a="http://schemas.openxmlformats.org/drawingml/2006/main" xmlns:r="http://schemas.openxmlformats.org/officeDocument/2006/relationships" xmlns:p="http://schemas.openxmlformats.org/presentationml/2006/main">
+  <p:cSld>
+    <p:spTree>
+      <p:nvGrpSpPr>
+        <p:cNvPr id="1" name=""/>
+        <p:cNvGrpSpPr/>
+        <p:nvPr/>
+      </p:nvGrpSpPr>
+      <p:grpSpPr>
+        <a:xfrm>
+          <a:off x="0" y="0"/>
+          <a:ext cx="0" cy="0"/>
+          <a:chOff x="0" y="0"/>
+          <a:chExt cx="0" cy="0"/>
+        </a:xfrm>
+      </p:grpSpPr>
+      <p:sp>
+        <p:nvSpPr>
+          <p:cNvPr id="3" name="Title 2">
+            <a:extLst>
+              <a:ext uri="{FF2B5EF4-FFF2-40B4-BE49-F238E27FC236}">
+                <a16:creationId xmlns:a16="http://schemas.microsoft.com/office/drawing/2014/main" id="{706501E4-6246-A606-7483-C427CF30CD57}"/>
+              </a:ext>
+            </a:extLst>
+          </p:cNvPr>
+          <p:cNvSpPr>
+            <a:spLocks noGrp="1"/>
+          </p:cNvSpPr>
+          <p:nvPr>
+            <p:ph type="title"/>
+          </p:nvPr>
+        </p:nvSpPr>
+        <p:spPr/>
+        <p:txBody>
+          <a:bodyPr/>
+          <a:lstStyle/>
+          <a:p>
+            <a:r>
+              <a:rPr lang="en-US" dirty="0">
+                <a:solidFill>
+                  <a:schemeClr val="accent1">
+                    <a:lumMod val="50000"/>
+                  </a:schemeClr>
+                </a:solidFill>
+              </a:rPr>
+              <a:t>Q&amp;A: story</a:t>
+            </a:r>
+            <a:endParaRPr lang="en-RU" dirty="0">
+              <a:solidFill>
+                <a:schemeClr val="accent1">
+                  <a:lumMod val="50000"/>
+                </a:schemeClr>
+              </a:solidFill>
+            </a:endParaRPr>
+          </a:p>
+        </p:txBody>
+      </p:sp>
+      <p:sp>
+        <p:nvSpPr>
+          <p:cNvPr id="2" name="TextBox 1">
+            <a:extLst>
+              <a:ext uri="{FF2B5EF4-FFF2-40B4-BE49-F238E27FC236}">
+                <a16:creationId xmlns:a16="http://schemas.microsoft.com/office/drawing/2014/main" id="{AA4ACA97-5B52-34DD-BDB2-C2C151A36505}"/>
+              </a:ext>
+            </a:extLst>
+          </p:cNvPr>
+          <p:cNvSpPr txBox="1"/>
+          <p:nvPr/>
+        </p:nvSpPr>
+        <p:spPr>
+          <a:xfrm>
+            <a:off x="10654302" y="1111118"/>
+            <a:ext cx="3513762" cy="646331"/>
+          </a:xfrm>
+          <a:prstGeom prst="rect">
+            <a:avLst/>
+          </a:prstGeom>
+          <a:noFill/>
+        </p:spPr>
+        <p:txBody>
+          <a:bodyPr wrap="square" rtlCol="0">
+            <a:spAutoFit/>
+          </a:bodyPr>
+          <a:lstStyle/>
+          <a:p>
+            <a:r>
+              <a:rPr lang="en-US" dirty="0">
+                <a:solidFill>
+                  <a:schemeClr val="accent1">
+                    <a:lumMod val="50000"/>
+                  </a:schemeClr>
+                </a:solidFill>
+              </a:rPr>
+              <a:t>WHY do we need this?</a:t>
+            </a:r>
+          </a:p>
+          <a:p>
+            <a:r>
+              <a:rPr lang="en-US" dirty="0">
+                <a:solidFill>
+                  <a:schemeClr val="accent1">
+                    <a:lumMod val="50000"/>
+                  </a:schemeClr>
+                </a:solidFill>
+              </a:rPr>
+              <a:t>To see </a:t>
+            </a:r>
+            <a:r>
+              <a:rPr lang="en-US" dirty="0" err="1">
+                <a:solidFill>
+                  <a:schemeClr val="accent1">
+                    <a:lumMod val="50000"/>
+                  </a:schemeClr>
+                </a:solidFill>
+              </a:rPr>
+              <a:t>usecases</a:t>
+            </a:r>
+            <a:r>
+              <a:rPr lang="en-US" dirty="0">
+                <a:solidFill>
+                  <a:schemeClr val="accent1">
+                    <a:lumMod val="50000"/>
+                  </a:schemeClr>
+                </a:solidFill>
+              </a:rPr>
+              <a:t>.</a:t>
+            </a:r>
+          </a:p>
+        </p:txBody>
+      </p:sp>
+      <p:sp>
+        <p:nvSpPr>
+          <p:cNvPr id="4" name="TextBox 3">
+            <a:extLst>
+              <a:ext uri="{FF2B5EF4-FFF2-40B4-BE49-F238E27FC236}">
+                <a16:creationId xmlns:a16="http://schemas.microsoft.com/office/drawing/2014/main" id="{95BAC16E-7ACC-94DF-5B4C-368367FB7A4D}"/>
+              </a:ext>
+            </a:extLst>
+          </p:cNvPr>
+          <p:cNvSpPr txBox="1"/>
+          <p:nvPr/>
+        </p:nvSpPr>
+        <p:spPr>
+          <a:xfrm>
+            <a:off x="17508906" y="9659383"/>
+            <a:ext cx="464024" cy="369332"/>
+          </a:xfrm>
+          <a:prstGeom prst="rect">
+            <a:avLst/>
+          </a:prstGeom>
+          <a:noFill/>
+        </p:spPr>
+        <p:txBody>
+          <a:bodyPr wrap="square" rtlCol="0">
+            <a:spAutoFit/>
+          </a:bodyPr>
+          <a:lstStyle/>
+          <a:p>
+            <a:r>
+              <a:rPr lang="en-US" dirty="0">
+                <a:solidFill>
+                  <a:schemeClr val="accent1">
+                    <a:lumMod val="50000"/>
+                  </a:schemeClr>
+                </a:solidFill>
+              </a:rPr>
+              <a:t>6</a:t>
+            </a:r>
+          </a:p>
+        </p:txBody>
+      </p:sp>
+      <p:sp>
+        <p:nvSpPr>
+          <p:cNvPr id="6" name="Thought Bubble: Cloud 5">
+            <a:extLst>
+              <a:ext uri="{FF2B5EF4-FFF2-40B4-BE49-F238E27FC236}">
+                <a16:creationId xmlns:a16="http://schemas.microsoft.com/office/drawing/2014/main" id="{CE76AC75-F0A2-D695-3545-2D4B565B01CF}"/>
+              </a:ext>
+            </a:extLst>
+          </p:cNvPr>
+          <p:cNvSpPr/>
+          <p:nvPr/>
+        </p:nvSpPr>
+        <p:spPr>
+          <a:xfrm>
+            <a:off x="3275462" y="3671247"/>
+            <a:ext cx="5513696" cy="1922833"/>
+          </a:xfrm>
+          <a:prstGeom prst="cloudCallout">
+            <a:avLst>
+              <a:gd name="adj1" fmla="val -46637"/>
+              <a:gd name="adj2" fmla="val 61080"/>
+            </a:avLst>
+          </a:prstGeom>
+        </p:spPr>
+        <p:style>
+          <a:lnRef idx="2">
+            <a:schemeClr val="accent1">
+              <a:shade val="50000"/>
+            </a:schemeClr>
+          </a:lnRef>
+          <a:fillRef idx="1">
+            <a:schemeClr val="accent1"/>
+          </a:fillRef>
+          <a:effectRef idx="0">
+            <a:schemeClr val="accent1"/>
+          </a:effectRef>
+          <a:fontRef idx="minor">
+            <a:schemeClr val="lt1"/>
+          </a:fontRef>
+        </p:style>
+        <p:txBody>
+          <a:bodyPr rtlCol="0" anchor="ctr"/>
+          <a:lstStyle/>
+          <a:p>
+            <a:pPr algn="ctr"/>
+            <a:r>
+              <a:rPr lang="en-US" dirty="0"/>
+              <a:t>It would be great to create world-level online tea-shop!</a:t>
+            </a:r>
+          </a:p>
+        </p:txBody>
+      </p:sp>
+      <p:pic>
+        <p:nvPicPr>
+          <p:cNvPr id="8" name="Graphic 7" descr="Female Profile with solid fill">
+            <a:extLst>
+              <a:ext uri="{FF2B5EF4-FFF2-40B4-BE49-F238E27FC236}">
+                <a16:creationId xmlns:a16="http://schemas.microsoft.com/office/drawing/2014/main" id="{5B2BDBD5-5678-202E-FAF3-A0DC4D68E807}"/>
+              </a:ext>
+            </a:extLst>
+          </p:cNvPr>
+          <p:cNvPicPr>
+            <a:picLocks noChangeAspect="1"/>
+          </p:cNvPicPr>
+          <p:nvPr/>
+        </p:nvPicPr>
+        <p:blipFill>
+          <a:blip r:embed="rId2">
+            <a:extLst>
+              <a:ext uri="{28A0092B-C50C-407E-A947-70E740481C1C}">
+                <a14:useLocalDpi xmlns:a14="http://schemas.microsoft.com/office/drawing/2010/main" val="0"/>
+              </a:ext>
+              <a:ext uri="{96DAC541-7B7A-43D3-8B79-37D633B846F1}">
+                <asvg:svgBlip xmlns:asvg="http://schemas.microsoft.com/office/drawing/2016/SVG/main" r:embed="rId3"/>
+              </a:ext>
+            </a:extLst>
+          </a:blip>
+          <a:stretch>
+            <a:fillRect/>
+          </a:stretch>
+        </p:blipFill>
+        <p:spPr>
+          <a:xfrm>
+            <a:off x="866400" y="5396777"/>
+            <a:ext cx="3323230" cy="3323230"/>
+          </a:xfrm>
+          <a:prstGeom prst="rect">
+            <a:avLst/>
+          </a:prstGeom>
+        </p:spPr>
+      </p:pic>
+      <p:sp>
+        <p:nvSpPr>
+          <p:cNvPr id="10" name="TextBox 9">
+            <a:extLst>
+              <a:ext uri="{FF2B5EF4-FFF2-40B4-BE49-F238E27FC236}">
+                <a16:creationId xmlns:a16="http://schemas.microsoft.com/office/drawing/2014/main" id="{AC8232B7-9F05-F8DC-FCC9-582380AC9605}"/>
+              </a:ext>
+            </a:extLst>
+          </p:cNvPr>
+          <p:cNvSpPr txBox="1"/>
+          <p:nvPr/>
+        </p:nvSpPr>
+        <p:spPr>
+          <a:xfrm>
+            <a:off x="2186821" y="8322467"/>
+            <a:ext cx="982638" cy="369332"/>
+          </a:xfrm>
+          <a:prstGeom prst="rect">
+            <a:avLst/>
+          </a:prstGeom>
+          <a:noFill/>
+        </p:spPr>
+        <p:txBody>
+          <a:bodyPr wrap="square" rtlCol="0">
+            <a:spAutoFit/>
+          </a:bodyPr>
+          <a:lstStyle/>
+          <a:p>
+            <a:r>
+              <a:rPr lang="en-US" dirty="0">
+                <a:solidFill>
+                  <a:schemeClr val="accent1">
+                    <a:lumMod val="50000"/>
+                  </a:schemeClr>
+                </a:solidFill>
+              </a:rPr>
+              <a:t>Alice</a:t>
+            </a:r>
+          </a:p>
+        </p:txBody>
+      </p:sp>
+      <p:pic>
+        <p:nvPicPr>
+          <p:cNvPr id="12" name="Graphic 11" descr="Male profile with solid fill">
+            <a:extLst>
+              <a:ext uri="{FF2B5EF4-FFF2-40B4-BE49-F238E27FC236}">
+                <a16:creationId xmlns:a16="http://schemas.microsoft.com/office/drawing/2014/main" id="{E3414CCD-FACA-7861-4640-298E63FF41AD}"/>
+              </a:ext>
+            </a:extLst>
+          </p:cNvPr>
+          <p:cNvPicPr>
+            <a:picLocks noChangeAspect="1"/>
+          </p:cNvPicPr>
+          <p:nvPr/>
+        </p:nvPicPr>
+        <p:blipFill>
+          <a:blip r:embed="rId4">
+            <a:extLst>
+              <a:ext uri="{28A0092B-C50C-407E-A947-70E740481C1C}">
+                <a14:useLocalDpi xmlns:a14="http://schemas.microsoft.com/office/drawing/2010/main" val="0"/>
+              </a:ext>
+              <a:ext uri="{96DAC541-7B7A-43D3-8B79-37D633B846F1}">
+                <asvg:svgBlip xmlns:asvg="http://schemas.microsoft.com/office/drawing/2016/SVG/main" r:embed="rId5"/>
+              </a:ext>
+            </a:extLst>
+          </a:blip>
+          <a:stretch>
+            <a:fillRect/>
+          </a:stretch>
+        </p:blipFill>
+        <p:spPr>
+          <a:xfrm>
+            <a:off x="9144000" y="5368569"/>
+            <a:ext cx="3323230" cy="3323230"/>
+          </a:xfrm>
+          <a:prstGeom prst="rect">
+            <a:avLst/>
+          </a:prstGeom>
+        </p:spPr>
+      </p:pic>
+      <p:sp>
+        <p:nvSpPr>
+          <p:cNvPr id="13" name="TextBox 12">
+            <a:extLst>
+              <a:ext uri="{FF2B5EF4-FFF2-40B4-BE49-F238E27FC236}">
+                <a16:creationId xmlns:a16="http://schemas.microsoft.com/office/drawing/2014/main" id="{BD2861F6-C4E6-1ACF-9372-B7F2496D4888}"/>
+              </a:ext>
+            </a:extLst>
+          </p:cNvPr>
+          <p:cNvSpPr txBox="1"/>
+          <p:nvPr/>
+        </p:nvSpPr>
+        <p:spPr>
+          <a:xfrm>
+            <a:off x="10490115" y="8322467"/>
+            <a:ext cx="982638" cy="369332"/>
+          </a:xfrm>
+          <a:prstGeom prst="rect">
+            <a:avLst/>
+          </a:prstGeom>
+          <a:noFill/>
+        </p:spPr>
+        <p:txBody>
+          <a:bodyPr wrap="square" rtlCol="0">
+            <a:spAutoFit/>
+          </a:bodyPr>
+          <a:lstStyle/>
+          <a:p>
+            <a:r>
+              <a:rPr lang="en-US" dirty="0">
+                <a:solidFill>
+                  <a:schemeClr val="accent1">
+                    <a:lumMod val="50000"/>
+                  </a:schemeClr>
+                </a:solidFill>
+              </a:rPr>
+              <a:t>Bob</a:t>
+            </a:r>
+          </a:p>
+        </p:txBody>
+      </p:sp>
+      <p:sp>
+        <p:nvSpPr>
+          <p:cNvPr id="15" name="Speech Bubble: Oval 14">
+            <a:extLst>
+              <a:ext uri="{FF2B5EF4-FFF2-40B4-BE49-F238E27FC236}">
+                <a16:creationId xmlns:a16="http://schemas.microsoft.com/office/drawing/2014/main" id="{B061D5B1-80BC-F4FB-3898-021F7B395B84}"/>
+              </a:ext>
+            </a:extLst>
+          </p:cNvPr>
+          <p:cNvSpPr/>
+          <p:nvPr/>
+        </p:nvSpPr>
+        <p:spPr>
+          <a:xfrm>
+            <a:off x="11198220" y="3671247"/>
+            <a:ext cx="5513696" cy="1786355"/>
+          </a:xfrm>
+          <a:prstGeom prst="wedgeEllipseCallout">
+            <a:avLst>
+              <a:gd name="adj1" fmla="val -44188"/>
+              <a:gd name="adj2" fmla="val 65122"/>
+            </a:avLst>
+          </a:prstGeom>
+        </p:spPr>
+        <p:style>
+          <a:lnRef idx="2">
+            <a:schemeClr val="accent1">
+              <a:shade val="50000"/>
+            </a:schemeClr>
+          </a:lnRef>
+          <a:fillRef idx="1">
+            <a:schemeClr val="accent1"/>
+          </a:fillRef>
+          <a:effectRef idx="0">
+            <a:schemeClr val="accent1"/>
+          </a:effectRef>
+          <a:fontRef idx="minor">
+            <a:schemeClr val="lt1"/>
+          </a:fontRef>
+        </p:style>
+        <p:txBody>
+          <a:bodyPr rtlCol="0" anchor="ctr"/>
+          <a:lstStyle/>
+          <a:p>
+            <a:pPr algn="ctr"/>
+            <a:r>
+              <a:rPr lang="en-US" dirty="0"/>
+              <a:t>Well, you need scalable and configurable, platform-agnostic solution, like docker containers.</a:t>
+            </a:r>
+          </a:p>
+        </p:txBody>
+      </p:sp>
+    </p:spTree>
+    <p:extLst>
+      <p:ext uri="{BB962C8B-B14F-4D97-AF65-F5344CB8AC3E}">
+        <p14:creationId xmlns:p14="http://schemas.microsoft.com/office/powerpoint/2010/main" val="124898625"/>
+      </p:ext>
+    </p:extLst>
+  </p:cSld>
+  <p:clrMapOvr>
+    <a:masterClrMapping/>
+  </p:clrMapOvr>
+</p:sld>
+</file>
+
+<file path=ppt/slides/slide7.xml><?xml version="1.0" encoding="utf-8"?>
+<p:sld xmlns:a="http://schemas.openxmlformats.org/drawingml/2006/main" xmlns:r="http://schemas.openxmlformats.org/officeDocument/2006/relationships" xmlns:p="http://schemas.openxmlformats.org/presentationml/2006/main">
+  <p:cSld>
+    <p:spTree>
+      <p:nvGrpSpPr>
+        <p:cNvPr id="1" name=""/>
+        <p:cNvGrpSpPr/>
+        <p:nvPr/>
+      </p:nvGrpSpPr>
+      <p:grpSpPr>
+        <a:xfrm>
+          <a:off x="0" y="0"/>
+          <a:ext cx="0" cy="0"/>
+          <a:chOff x="0" y="0"/>
+          <a:chExt cx="0" cy="0"/>
+        </a:xfrm>
+      </p:grpSpPr>
+      <p:sp>
+        <p:nvSpPr>
+          <p:cNvPr id="3" name="Title 2">
+            <a:extLst>
+              <a:ext uri="{FF2B5EF4-FFF2-40B4-BE49-F238E27FC236}">
+                <a16:creationId xmlns:a16="http://schemas.microsoft.com/office/drawing/2014/main" id="{706501E4-6246-A606-7483-C427CF30CD57}"/>
+              </a:ext>
+            </a:extLst>
+          </p:cNvPr>
+          <p:cNvSpPr>
+            <a:spLocks noGrp="1"/>
+          </p:cNvSpPr>
+          <p:nvPr>
+            <p:ph type="title"/>
+          </p:nvPr>
+        </p:nvSpPr>
+        <p:spPr/>
+        <p:txBody>
+          <a:bodyPr/>
+          <a:lstStyle/>
+          <a:p>
+            <a:r>
+              <a:rPr lang="en-US" dirty="0">
+                <a:solidFill>
+                  <a:schemeClr val="accent5">
+                    <a:lumMod val="50000"/>
+                  </a:schemeClr>
+                </a:solidFill>
+              </a:rPr>
+              <a:t>Task</a:t>
+            </a:r>
+            <a:endParaRPr lang="en-RU" dirty="0">
+              <a:solidFill>
+                <a:schemeClr val="accent5">
+                  <a:lumMod val="50000"/>
+                </a:schemeClr>
+              </a:solidFill>
+            </a:endParaRPr>
+          </a:p>
+        </p:txBody>
+      </p:sp>
+      <p:sp>
+        <p:nvSpPr>
+          <p:cNvPr id="2" name="TextBox 1">
+            <a:extLst>
+              <a:ext uri="{FF2B5EF4-FFF2-40B4-BE49-F238E27FC236}">
+                <a16:creationId xmlns:a16="http://schemas.microsoft.com/office/drawing/2014/main" id="{AA4ACA97-5B52-34DD-BDB2-C2C151A36505}"/>
+              </a:ext>
+            </a:extLst>
+          </p:cNvPr>
+          <p:cNvSpPr txBox="1"/>
+          <p:nvPr/>
+        </p:nvSpPr>
+        <p:spPr>
+          <a:xfrm>
+            <a:off x="10654302" y="1111118"/>
+            <a:ext cx="3513762" cy="646331"/>
+          </a:xfrm>
+          <a:prstGeom prst="rect">
+            <a:avLst/>
+          </a:prstGeom>
+          <a:noFill/>
+        </p:spPr>
+        <p:txBody>
+          <a:bodyPr wrap="square" rtlCol="0">
+            <a:spAutoFit/>
+          </a:bodyPr>
+          <a:lstStyle/>
+          <a:p>
+            <a:r>
+              <a:rPr lang="en-US" dirty="0">
+                <a:solidFill>
+                  <a:schemeClr val="accent5">
+                    <a:lumMod val="50000"/>
+                  </a:schemeClr>
+                </a:solidFill>
+              </a:rPr>
+              <a:t>WHY do we need this?</a:t>
+            </a:r>
+          </a:p>
+          <a:p>
+            <a:r>
+              <a:rPr lang="en-US" dirty="0">
+                <a:solidFill>
+                  <a:schemeClr val="accent5">
+                    <a:lumMod val="50000"/>
+                  </a:schemeClr>
+                </a:solidFill>
+              </a:rPr>
+              <a:t>To practice (</a:t>
+            </a:r>
+            <a:r>
+              <a:rPr lang="ru-RU" dirty="0">
+                <a:solidFill>
+                  <a:schemeClr val="accent5">
+                    <a:lumMod val="50000"/>
+                  </a:schemeClr>
+                </a:solidFill>
+              </a:rPr>
+              <a:t>:</a:t>
+            </a:r>
+            <a:endParaRPr lang="en-US" dirty="0">
+              <a:solidFill>
+                <a:schemeClr val="accent5">
+                  <a:lumMod val="50000"/>
+                </a:schemeClr>
+              </a:solidFill>
+            </a:endParaRPr>
+          </a:p>
+        </p:txBody>
+      </p:sp>
+      <p:sp>
+        <p:nvSpPr>
+          <p:cNvPr id="4" name="TextBox 3">
+            <a:extLst>
+              <a:ext uri="{FF2B5EF4-FFF2-40B4-BE49-F238E27FC236}">
+                <a16:creationId xmlns:a16="http://schemas.microsoft.com/office/drawing/2014/main" id="{95BAC16E-7ACC-94DF-5B4C-368367FB7A4D}"/>
+              </a:ext>
+            </a:extLst>
+          </p:cNvPr>
+          <p:cNvSpPr txBox="1"/>
+          <p:nvPr/>
+        </p:nvSpPr>
+        <p:spPr>
+          <a:xfrm>
+            <a:off x="17508906" y="9659383"/>
+            <a:ext cx="464024" cy="369332"/>
+          </a:xfrm>
+          <a:prstGeom prst="rect">
+            <a:avLst/>
+          </a:prstGeom>
+          <a:noFill/>
+        </p:spPr>
+        <p:txBody>
+          <a:bodyPr wrap="square" rtlCol="0">
+            <a:spAutoFit/>
+          </a:bodyPr>
+          <a:lstStyle/>
+          <a:p>
+            <a:r>
+              <a:rPr lang="en-US" dirty="0">
+                <a:solidFill>
+                  <a:schemeClr val="accent5">
+                    <a:lumMod val="50000"/>
+                  </a:schemeClr>
+                </a:solidFill>
+              </a:rPr>
+              <a:t>7</a:t>
+            </a:r>
+          </a:p>
+        </p:txBody>
+      </p:sp>
+      <p:sp>
+        <p:nvSpPr>
+          <p:cNvPr id="5" name="Sun 4">
+            <a:extLst>
+              <a:ext uri="{FF2B5EF4-FFF2-40B4-BE49-F238E27FC236}">
+                <a16:creationId xmlns:a16="http://schemas.microsoft.com/office/drawing/2014/main" id="{A5A39E55-B16C-11B1-A82F-60B6F8216AA4}"/>
+              </a:ext>
+            </a:extLst>
+          </p:cNvPr>
+          <p:cNvSpPr/>
+          <p:nvPr/>
+        </p:nvSpPr>
+        <p:spPr>
+          <a:xfrm>
+            <a:off x="3901475" y="1997747"/>
+            <a:ext cx="10485049" cy="7790347"/>
+          </a:xfrm>
+          <a:prstGeom prst="sun">
+            <a:avLst/>
+          </a:prstGeom>
+        </p:spPr>
+        <p:style>
+          <a:lnRef idx="2">
+            <a:schemeClr val="accent5">
+              <a:shade val="50000"/>
+            </a:schemeClr>
+          </a:lnRef>
+          <a:fillRef idx="1">
+            <a:schemeClr val="accent5"/>
+          </a:fillRef>
+          <a:effectRef idx="0">
+            <a:schemeClr val="accent5"/>
+          </a:effectRef>
+          <a:fontRef idx="minor">
+            <a:schemeClr val="lt1"/>
+          </a:fontRef>
+        </p:style>
+        <p:txBody>
+          <a:bodyPr rtlCol="0" anchor="ctr"/>
+          <a:lstStyle/>
+          <a:p>
+            <a:pPr algn="ctr"/>
+            <a:r>
+              <a:rPr lang="en-US" dirty="0"/>
+              <a:t>Create Docker image that prints</a:t>
+            </a:r>
+          </a:p>
+          <a:p>
+            <a:pPr algn="ctr"/>
+            <a:r>
+              <a:rPr lang="en-US" dirty="0"/>
+              <a:t> “Hello world! $date $NAME” message, where is $date is current date and $NAME is value of NAME environment variable. Use </a:t>
+            </a:r>
+            <a:r>
               <a:rPr lang="en-US" dirty="0" err="1"/>
+              <a:t>fredblgr</a:t>
+            </a:r>
+            <a:r>
+              <a:rPr lang="en-US" dirty="0"/>
+              <a:t>/ubuntu-novnc:20.04 as a base image. To have script automatically executed, place it under the folder /</a:t>
+            </a:r>
+            <a:r>
+              <a:rPr lang="en-US" dirty="0" err="1"/>
+              <a:t>etc</a:t>
+            </a:r>
+            <a:r>
+              <a:rPr lang="en-US" dirty="0"/>
+              <a:t>/startup/. Set value of RELATIVE_URL_ROOT to </a:t>
+            </a:r>
+            <a:r>
+              <a:rPr lang="en-US" dirty="0" err="1"/>
+              <a:t>yourname</a:t>
+            </a:r>
+            <a:r>
+              <a:rPr lang="en-US" dirty="0"/>
+              <a:t>.</a:t>
+            </a:r>
+          </a:p>
+          <a:p>
+            <a:pPr algn="ctr"/>
+            <a:r>
+              <a:rPr lang="en-US" dirty="0"/>
+              <a:t>Test it and push to ECR registry with tag matching your name.</a:t>
+            </a:r>
+          </a:p>
+        </p:txBody>
+      </p:sp>
+    </p:spTree>
+    <p:extLst>
+      <p:ext uri="{BB962C8B-B14F-4D97-AF65-F5344CB8AC3E}">
+        <p14:creationId xmlns:p14="http://schemas.microsoft.com/office/powerpoint/2010/main" val="3547694920"/>
+      </p:ext>
+    </p:extLst>
+  </p:cSld>
+  <p:clrMapOvr>
+    <a:masterClrMapping/>
+  </p:clrMapOvr>
+</p:sld>
+</file>
+
+<file path=ppt/slides/slide8.xml><?xml version="1.0" encoding="utf-8"?>
+<p:sld xmlns:a="http://schemas.openxmlformats.org/drawingml/2006/main" xmlns:r="http://schemas.openxmlformats.org/officeDocument/2006/relationships" xmlns:p="http://schemas.openxmlformats.org/presentationml/2006/main">
+  <p:cSld>
+    <p:spTree>
+      <p:nvGrpSpPr>
+        <p:cNvPr id="1" name=""/>
+        <p:cNvGrpSpPr/>
+        <p:nvPr/>
+      </p:nvGrpSpPr>
+      <p:grpSpPr>
+        <a:xfrm>
+          <a:off x="0" y="0"/>
+          <a:ext cx="0" cy="0"/>
+          <a:chOff x="0" y="0"/>
+          <a:chExt cx="0" cy="0"/>
+        </a:xfrm>
+      </p:grpSpPr>
+      <p:sp>
+        <p:nvSpPr>
+          <p:cNvPr id="3" name="Title 2">
+            <a:extLst>
+              <a:ext uri="{FF2B5EF4-FFF2-40B4-BE49-F238E27FC236}">
+                <a16:creationId xmlns:a16="http://schemas.microsoft.com/office/drawing/2014/main" id="{706501E4-6246-A606-7483-C427CF30CD57}"/>
+              </a:ext>
+            </a:extLst>
+          </p:cNvPr>
+          <p:cNvSpPr>
+            <a:spLocks noGrp="1"/>
+          </p:cNvSpPr>
+          <p:nvPr>
+            <p:ph type="title"/>
+          </p:nvPr>
+        </p:nvSpPr>
+        <p:spPr/>
+        <p:txBody>
+          <a:bodyPr/>
+          <a:lstStyle/>
+          <a:p>
+            <a:r>
+              <a:rPr lang="en-US" dirty="0" err="1">
+                <a:solidFill>
+                  <a:schemeClr val="accent2">
+                    <a:lumMod val="50000"/>
+                  </a:schemeClr>
+                </a:solidFill>
+              </a:rPr>
               <a:t>Kubectl</a:t>
             </a:r>
-            <a:endParaRPr lang="en-RU" dirty="0"/>
+            <a:endParaRPr lang="en-RU" dirty="0">
+              <a:solidFill>
+                <a:schemeClr val="accent2">
+                  <a:lumMod val="50000"/>
+                </a:schemeClr>
+              </a:solidFill>
+            </a:endParaRPr>
           </a:p>
         </p:txBody>
       </p:sp>
@@ -15004,13 +19349,25 @@
           <a:lstStyle/>
           <a:p>
             <a:r>
-              <a:rPr lang="en-US" dirty="0"/>
+              <a:rPr lang="en-US" dirty="0">
+                <a:solidFill>
+                  <a:schemeClr val="accent2">
+                    <a:lumMod val="50000"/>
+                  </a:schemeClr>
+                </a:solidFill>
+              </a:rPr>
               <a:t>API server aka </a:t>
             </a:r>
           </a:p>
           <a:p>
             <a:r>
-              <a:rPr lang="en-US" dirty="0"/>
+              <a:rPr lang="en-US" dirty="0">
+                <a:solidFill>
+                  <a:schemeClr val="accent2">
+                    <a:lumMod val="50000"/>
+                  </a:schemeClr>
+                </a:solidFill>
+              </a:rPr>
               <a:t>“control-plane frontend”</a:t>
             </a:r>
           </a:p>
@@ -15045,13 +19402,25 @@
           <a:lstStyle/>
           <a:p>
             <a:r>
-              <a:rPr lang="en-US" dirty="0"/>
+              <a:rPr lang="en-US" dirty="0">
+                <a:solidFill>
+                  <a:schemeClr val="accent2">
+                    <a:lumMod val="50000"/>
+                  </a:schemeClr>
+                </a:solidFill>
+              </a:rPr>
               <a:t>ETCD aka </a:t>
             </a:r>
           </a:p>
           <a:p>
             <a:r>
-              <a:rPr lang="en-US" dirty="0"/>
+              <a:rPr lang="en-US" dirty="0">
+                <a:solidFill>
+                  <a:schemeClr val="accent2">
+                    <a:lumMod val="50000"/>
+                  </a:schemeClr>
+                </a:solidFill>
+              </a:rPr>
               <a:t>“cluster distributed backup storage”</a:t>
             </a:r>
           </a:p>
@@ -15086,13 +19455,25 @@
           <a:lstStyle/>
           <a:p>
             <a:r>
-              <a:rPr lang="en-US" dirty="0"/>
+              <a:rPr lang="en-US" dirty="0">
+                <a:solidFill>
+                  <a:schemeClr val="accent2">
+                    <a:lumMod val="50000"/>
+                  </a:schemeClr>
+                </a:solidFill>
+              </a:rPr>
               <a:t>Controller-manager aka </a:t>
             </a:r>
           </a:p>
           <a:p>
             <a:r>
-              <a:rPr lang="en-US" dirty="0"/>
+              <a:rPr lang="en-US" dirty="0">
+                <a:solidFill>
+                  <a:schemeClr val="accent2">
+                    <a:lumMod val="50000"/>
+                  </a:schemeClr>
+                </a:solidFill>
+              </a:rPr>
               <a:t>“cluster internal processes manager”</a:t>
             </a:r>
           </a:p>
@@ -15127,7 +19508,13 @@
           <a:lstStyle/>
           <a:p>
             <a:r>
-              <a:rPr lang="en-US" dirty="0"/>
+              <a:rPr lang="en-US" dirty="0">
+                <a:solidFill>
+                  <a:schemeClr val="accent2">
+                    <a:lumMod val="50000"/>
+                  </a:schemeClr>
+                </a:solidFill>
+              </a:rPr>
               <a:t>Scheduler - schedules pods</a:t>
             </a:r>
           </a:p>
@@ -15162,13 +19549,25 @@
           <a:lstStyle/>
           <a:p>
             <a:r>
-              <a:rPr lang="en-US" dirty="0"/>
+              <a:rPr lang="en-US" dirty="0">
+                <a:solidFill>
+                  <a:schemeClr val="accent2">
+                    <a:lumMod val="50000"/>
+                  </a:schemeClr>
+                </a:solidFill>
+              </a:rPr>
               <a:t>WHY do we need this?</a:t>
             </a:r>
           </a:p>
           <a:p>
             <a:r>
-              <a:rPr lang="en-US" dirty="0"/>
+              <a:rPr lang="en-US" dirty="0">
+                <a:solidFill>
+                  <a:schemeClr val="accent2">
+                    <a:lumMod val="50000"/>
+                  </a:schemeClr>
+                </a:solidFill>
+              </a:rPr>
               <a:t>To be able to deploy resources to cluster.</a:t>
             </a:r>
           </a:p>
@@ -15203,8 +19602,14 @@
           <a:lstStyle/>
           <a:p>
             <a:r>
-              <a:rPr lang="en-US" dirty="0"/>
-              <a:t>5</a:t>
+              <a:rPr lang="en-US" dirty="0">
+                <a:solidFill>
+                  <a:schemeClr val="accent2">
+                    <a:lumMod val="50000"/>
+                  </a:schemeClr>
+                </a:solidFill>
+              </a:rPr>
+              <a:t>8</a:t>
             </a:r>
           </a:p>
         </p:txBody>
@@ -15711,743 +20116,6 @@
 </p:sld>
 </file>
 
-<file path=ppt/slides/slide6.xml><?xml version="1.0" encoding="utf-8"?>
-<p:sld xmlns:a="http://schemas.openxmlformats.org/drawingml/2006/main" xmlns:r="http://schemas.openxmlformats.org/officeDocument/2006/relationships" xmlns:p="http://schemas.openxmlformats.org/presentationml/2006/main">
-  <p:cSld>
-    <p:spTree>
-      <p:nvGrpSpPr>
-        <p:cNvPr id="1" name=""/>
-        <p:cNvGrpSpPr/>
-        <p:nvPr/>
-      </p:nvGrpSpPr>
-      <p:grpSpPr>
-        <a:xfrm>
-          <a:off x="0" y="0"/>
-          <a:ext cx="0" cy="0"/>
-          <a:chOff x="0" y="0"/>
-          <a:chExt cx="0" cy="0"/>
-        </a:xfrm>
-      </p:grpSpPr>
-      <p:sp>
-        <p:nvSpPr>
-          <p:cNvPr id="3" name="Title 2">
-            <a:extLst>
-              <a:ext uri="{FF2B5EF4-FFF2-40B4-BE49-F238E27FC236}">
-                <a16:creationId xmlns:a16="http://schemas.microsoft.com/office/drawing/2014/main" id="{706501E4-6246-A606-7483-C427CF30CD57}"/>
-              </a:ext>
-            </a:extLst>
-          </p:cNvPr>
-          <p:cNvSpPr>
-            <a:spLocks noGrp="1"/>
-          </p:cNvSpPr>
-          <p:nvPr>
-            <p:ph type="title"/>
-          </p:nvPr>
-        </p:nvSpPr>
-        <p:spPr/>
-        <p:txBody>
-          <a:bodyPr/>
-          <a:lstStyle/>
-          <a:p>
-            <a:r>
-              <a:rPr lang="en-US" dirty="0"/>
-              <a:t>Nodes and Namespaces</a:t>
-            </a:r>
-            <a:endParaRPr lang="en-RU" dirty="0"/>
-          </a:p>
-        </p:txBody>
-      </p:sp>
-      <p:pic>
-        <p:nvPicPr>
-          <p:cNvPr id="4" name="Picture 3">
-            <a:extLst>
-              <a:ext uri="{FF2B5EF4-FFF2-40B4-BE49-F238E27FC236}">
-                <a16:creationId xmlns:a16="http://schemas.microsoft.com/office/drawing/2014/main" id="{72E490EB-5808-A3BA-478B-8A7EC5BB71AF}"/>
-              </a:ext>
-            </a:extLst>
-          </p:cNvPr>
-          <p:cNvPicPr>
-            <a:picLocks noChangeAspect="1"/>
-          </p:cNvPicPr>
-          <p:nvPr/>
-        </p:nvPicPr>
-        <p:blipFill>
-          <a:blip r:embed="rId2">
-            <a:extLst>
-              <a:ext uri="{28A0092B-C50C-407E-A947-70E740481C1C}">
-                <a14:useLocalDpi xmlns:a14="http://schemas.microsoft.com/office/drawing/2010/main" val="0"/>
-              </a:ext>
-            </a:extLst>
-          </a:blip>
-          <a:stretch>
-            <a:fillRect/>
-          </a:stretch>
-        </p:blipFill>
-        <p:spPr>
-          <a:xfrm>
-            <a:off x="1392652" y="3140293"/>
-            <a:ext cx="15502695" cy="6000475"/>
-          </a:xfrm>
-          <a:prstGeom prst="rect">
-            <a:avLst/>
-          </a:prstGeom>
-        </p:spPr>
-      </p:pic>
-      <p:sp>
-        <p:nvSpPr>
-          <p:cNvPr id="6" name="TextBox 5">
-            <a:extLst>
-              <a:ext uri="{FF2B5EF4-FFF2-40B4-BE49-F238E27FC236}">
-                <a16:creationId xmlns:a16="http://schemas.microsoft.com/office/drawing/2014/main" id="{9A3DFCEA-7225-0EE0-B900-0F2A673DB07D}"/>
-              </a:ext>
-            </a:extLst>
-          </p:cNvPr>
-          <p:cNvSpPr txBox="1"/>
-          <p:nvPr/>
-        </p:nvSpPr>
-        <p:spPr>
-          <a:xfrm>
-            <a:off x="10654302" y="1111118"/>
-            <a:ext cx="3513762" cy="1200329"/>
-          </a:xfrm>
-          <a:prstGeom prst="rect">
-            <a:avLst/>
-          </a:prstGeom>
-          <a:noFill/>
-        </p:spPr>
-        <p:txBody>
-          <a:bodyPr wrap="square" rtlCol="0">
-            <a:spAutoFit/>
-          </a:bodyPr>
-          <a:lstStyle/>
-          <a:p>
-            <a:r>
-              <a:rPr lang="en-US" dirty="0"/>
-              <a:t>WHY do we need this?</a:t>
-            </a:r>
-          </a:p>
-          <a:p>
-            <a:r>
-              <a:rPr lang="en-US" dirty="0"/>
-              <a:t>Nodes – to run docker containers, Namespaces - to simplify resource management, like folders for files.</a:t>
-            </a:r>
-          </a:p>
-        </p:txBody>
-      </p:sp>
-      <p:sp>
-        <p:nvSpPr>
-          <p:cNvPr id="2" name="TextBox 1">
-            <a:extLst>
-              <a:ext uri="{FF2B5EF4-FFF2-40B4-BE49-F238E27FC236}">
-                <a16:creationId xmlns:a16="http://schemas.microsoft.com/office/drawing/2014/main" id="{26CC477E-E6DF-956D-82AD-A7A90DFDE171}"/>
-              </a:ext>
-            </a:extLst>
-          </p:cNvPr>
-          <p:cNvSpPr txBox="1"/>
-          <p:nvPr/>
-        </p:nvSpPr>
-        <p:spPr>
-          <a:xfrm>
-            <a:off x="17508906" y="9659383"/>
-            <a:ext cx="464024" cy="369332"/>
-          </a:xfrm>
-          <a:prstGeom prst="rect">
-            <a:avLst/>
-          </a:prstGeom>
-          <a:noFill/>
-        </p:spPr>
-        <p:txBody>
-          <a:bodyPr wrap="square" rtlCol="0">
-            <a:spAutoFit/>
-          </a:bodyPr>
-          <a:lstStyle/>
-          <a:p>
-            <a:r>
-              <a:rPr lang="en-US" dirty="0"/>
-              <a:t>6</a:t>
-            </a:r>
-          </a:p>
-        </p:txBody>
-      </p:sp>
-    </p:spTree>
-    <p:extLst>
-      <p:ext uri="{BB962C8B-B14F-4D97-AF65-F5344CB8AC3E}">
-        <p14:creationId xmlns:p14="http://schemas.microsoft.com/office/powerpoint/2010/main" val="2447174169"/>
-      </p:ext>
-    </p:extLst>
-  </p:cSld>
-  <p:clrMapOvr>
-    <a:masterClrMapping/>
-  </p:clrMapOvr>
-</p:sld>
-</file>
-
-<file path=ppt/slides/slide7.xml><?xml version="1.0" encoding="utf-8"?>
-<p:sld xmlns:a="http://schemas.openxmlformats.org/drawingml/2006/main" xmlns:r="http://schemas.openxmlformats.org/officeDocument/2006/relationships" xmlns:p="http://schemas.openxmlformats.org/presentationml/2006/main">
-  <p:cSld>
-    <p:spTree>
-      <p:nvGrpSpPr>
-        <p:cNvPr id="1" name=""/>
-        <p:cNvGrpSpPr/>
-        <p:nvPr/>
-      </p:nvGrpSpPr>
-      <p:grpSpPr>
-        <a:xfrm>
-          <a:off x="0" y="0"/>
-          <a:ext cx="0" cy="0"/>
-          <a:chOff x="0" y="0"/>
-          <a:chExt cx="0" cy="0"/>
-        </a:xfrm>
-      </p:grpSpPr>
-      <p:sp>
-        <p:nvSpPr>
-          <p:cNvPr id="3" name="Title 2">
-            <a:extLst>
-              <a:ext uri="{FF2B5EF4-FFF2-40B4-BE49-F238E27FC236}">
-                <a16:creationId xmlns:a16="http://schemas.microsoft.com/office/drawing/2014/main" id="{706501E4-6246-A606-7483-C427CF30CD57}"/>
-              </a:ext>
-            </a:extLst>
-          </p:cNvPr>
-          <p:cNvSpPr>
-            <a:spLocks noGrp="1"/>
-          </p:cNvSpPr>
-          <p:nvPr>
-            <p:ph type="title"/>
-          </p:nvPr>
-        </p:nvSpPr>
-        <p:spPr/>
-        <p:txBody>
-          <a:bodyPr/>
-          <a:lstStyle/>
-          <a:p>
-            <a:r>
-              <a:rPr lang="en-US" dirty="0"/>
-              <a:t>Q&amp;A: story</a:t>
-            </a:r>
-            <a:endParaRPr lang="en-RU" dirty="0"/>
-          </a:p>
-        </p:txBody>
-      </p:sp>
-      <p:sp>
-        <p:nvSpPr>
-          <p:cNvPr id="2" name="TextBox 1">
-            <a:extLst>
-              <a:ext uri="{FF2B5EF4-FFF2-40B4-BE49-F238E27FC236}">
-                <a16:creationId xmlns:a16="http://schemas.microsoft.com/office/drawing/2014/main" id="{AA4ACA97-5B52-34DD-BDB2-C2C151A36505}"/>
-              </a:ext>
-            </a:extLst>
-          </p:cNvPr>
-          <p:cNvSpPr txBox="1"/>
-          <p:nvPr/>
-        </p:nvSpPr>
-        <p:spPr>
-          <a:xfrm>
-            <a:off x="10654302" y="1111118"/>
-            <a:ext cx="3513762" cy="646331"/>
-          </a:xfrm>
-          <a:prstGeom prst="rect">
-            <a:avLst/>
-          </a:prstGeom>
-          <a:noFill/>
-        </p:spPr>
-        <p:txBody>
-          <a:bodyPr wrap="square" rtlCol="0">
-            <a:spAutoFit/>
-          </a:bodyPr>
-          <a:lstStyle/>
-          <a:p>
-            <a:r>
-              <a:rPr lang="en-US" dirty="0"/>
-              <a:t>WHY do we need this?</a:t>
-            </a:r>
-          </a:p>
-          <a:p>
-            <a:r>
-              <a:rPr lang="en-US" dirty="0"/>
-              <a:t>To see </a:t>
-            </a:r>
-            <a:r>
-              <a:rPr lang="en-US" dirty="0" err="1"/>
-              <a:t>usecases</a:t>
-            </a:r>
-            <a:r>
-              <a:rPr lang="en-US" dirty="0"/>
-              <a:t>.</a:t>
-            </a:r>
-          </a:p>
-        </p:txBody>
-      </p:sp>
-      <p:sp>
-        <p:nvSpPr>
-          <p:cNvPr id="4" name="TextBox 3">
-            <a:extLst>
-              <a:ext uri="{FF2B5EF4-FFF2-40B4-BE49-F238E27FC236}">
-                <a16:creationId xmlns:a16="http://schemas.microsoft.com/office/drawing/2014/main" id="{95BAC16E-7ACC-94DF-5B4C-368367FB7A4D}"/>
-              </a:ext>
-            </a:extLst>
-          </p:cNvPr>
-          <p:cNvSpPr txBox="1"/>
-          <p:nvPr/>
-        </p:nvSpPr>
-        <p:spPr>
-          <a:xfrm>
-            <a:off x="17508906" y="9659383"/>
-            <a:ext cx="464024" cy="369332"/>
-          </a:xfrm>
-          <a:prstGeom prst="rect">
-            <a:avLst/>
-          </a:prstGeom>
-          <a:noFill/>
-        </p:spPr>
-        <p:txBody>
-          <a:bodyPr wrap="square" rtlCol="0">
-            <a:spAutoFit/>
-          </a:bodyPr>
-          <a:lstStyle/>
-          <a:p>
-            <a:r>
-              <a:rPr lang="en-US" dirty="0"/>
-              <a:t>7</a:t>
-            </a:r>
-          </a:p>
-        </p:txBody>
-      </p:sp>
-      <p:sp>
-        <p:nvSpPr>
-          <p:cNvPr id="6" name="Thought Bubble: Cloud 5">
-            <a:extLst>
-              <a:ext uri="{FF2B5EF4-FFF2-40B4-BE49-F238E27FC236}">
-                <a16:creationId xmlns:a16="http://schemas.microsoft.com/office/drawing/2014/main" id="{CE76AC75-F0A2-D695-3545-2D4B565B01CF}"/>
-              </a:ext>
-            </a:extLst>
-          </p:cNvPr>
-          <p:cNvSpPr/>
-          <p:nvPr/>
-        </p:nvSpPr>
-        <p:spPr>
-          <a:xfrm>
-            <a:off x="3275462" y="3671247"/>
-            <a:ext cx="5513696" cy="1922833"/>
-          </a:xfrm>
-          <a:prstGeom prst="cloudCallout">
-            <a:avLst>
-              <a:gd name="adj1" fmla="val -46637"/>
-              <a:gd name="adj2" fmla="val 61080"/>
-            </a:avLst>
-          </a:prstGeom>
-        </p:spPr>
-        <p:style>
-          <a:lnRef idx="2">
-            <a:schemeClr val="accent1">
-              <a:shade val="50000"/>
-            </a:schemeClr>
-          </a:lnRef>
-          <a:fillRef idx="1">
-            <a:schemeClr val="accent1"/>
-          </a:fillRef>
-          <a:effectRef idx="0">
-            <a:schemeClr val="accent1"/>
-          </a:effectRef>
-          <a:fontRef idx="minor">
-            <a:schemeClr val="lt1"/>
-          </a:fontRef>
-        </p:style>
-        <p:txBody>
-          <a:bodyPr rtlCol="0" anchor="ctr"/>
-          <a:lstStyle/>
-          <a:p>
-            <a:pPr algn="ctr"/>
-            <a:r>
-              <a:rPr lang="en-US" dirty="0"/>
-              <a:t>I need deployment, configuration and maintenance automatization for docker containers.</a:t>
-            </a:r>
-          </a:p>
-        </p:txBody>
-      </p:sp>
-      <p:pic>
-        <p:nvPicPr>
-          <p:cNvPr id="8" name="Graphic 7" descr="Female Profile with solid fill">
-            <a:extLst>
-              <a:ext uri="{FF2B5EF4-FFF2-40B4-BE49-F238E27FC236}">
-                <a16:creationId xmlns:a16="http://schemas.microsoft.com/office/drawing/2014/main" id="{5B2BDBD5-5678-202E-FAF3-A0DC4D68E807}"/>
-              </a:ext>
-            </a:extLst>
-          </p:cNvPr>
-          <p:cNvPicPr>
-            <a:picLocks noChangeAspect="1"/>
-          </p:cNvPicPr>
-          <p:nvPr/>
-        </p:nvPicPr>
-        <p:blipFill>
-          <a:blip r:embed="rId2">
-            <a:extLst>
-              <a:ext uri="{28A0092B-C50C-407E-A947-70E740481C1C}">
-                <a14:useLocalDpi xmlns:a14="http://schemas.microsoft.com/office/drawing/2010/main" val="0"/>
-              </a:ext>
-              <a:ext uri="{96DAC541-7B7A-43D3-8B79-37D633B846F1}">
-                <asvg:svgBlip xmlns:asvg="http://schemas.microsoft.com/office/drawing/2016/SVG/main" r:embed="rId3"/>
-              </a:ext>
-            </a:extLst>
-          </a:blip>
-          <a:stretch>
-            <a:fillRect/>
-          </a:stretch>
-        </p:blipFill>
-        <p:spPr>
-          <a:xfrm>
-            <a:off x="866400" y="5396777"/>
-            <a:ext cx="3323230" cy="3323230"/>
-          </a:xfrm>
-          <a:prstGeom prst="rect">
-            <a:avLst/>
-          </a:prstGeom>
-        </p:spPr>
-      </p:pic>
-      <p:sp>
-        <p:nvSpPr>
-          <p:cNvPr id="10" name="TextBox 9">
-            <a:extLst>
-              <a:ext uri="{FF2B5EF4-FFF2-40B4-BE49-F238E27FC236}">
-                <a16:creationId xmlns:a16="http://schemas.microsoft.com/office/drawing/2014/main" id="{AC8232B7-9F05-F8DC-FCC9-582380AC9605}"/>
-              </a:ext>
-            </a:extLst>
-          </p:cNvPr>
-          <p:cNvSpPr txBox="1"/>
-          <p:nvPr/>
-        </p:nvSpPr>
-        <p:spPr>
-          <a:xfrm>
-            <a:off x="2186821" y="8322467"/>
-            <a:ext cx="982638" cy="369332"/>
-          </a:xfrm>
-          <a:prstGeom prst="rect">
-            <a:avLst/>
-          </a:prstGeom>
-          <a:noFill/>
-        </p:spPr>
-        <p:txBody>
-          <a:bodyPr wrap="square" rtlCol="0">
-            <a:spAutoFit/>
-          </a:bodyPr>
-          <a:lstStyle/>
-          <a:p>
-            <a:r>
-              <a:rPr lang="en-US" dirty="0"/>
-              <a:t>Alice</a:t>
-            </a:r>
-          </a:p>
-        </p:txBody>
-      </p:sp>
-      <p:pic>
-        <p:nvPicPr>
-          <p:cNvPr id="12" name="Graphic 11" descr="Male profile with solid fill">
-            <a:extLst>
-              <a:ext uri="{FF2B5EF4-FFF2-40B4-BE49-F238E27FC236}">
-                <a16:creationId xmlns:a16="http://schemas.microsoft.com/office/drawing/2014/main" id="{E3414CCD-FACA-7861-4640-298E63FF41AD}"/>
-              </a:ext>
-            </a:extLst>
-          </p:cNvPr>
-          <p:cNvPicPr>
-            <a:picLocks noChangeAspect="1"/>
-          </p:cNvPicPr>
-          <p:nvPr/>
-        </p:nvPicPr>
-        <p:blipFill>
-          <a:blip r:embed="rId4">
-            <a:extLst>
-              <a:ext uri="{28A0092B-C50C-407E-A947-70E740481C1C}">
-                <a14:useLocalDpi xmlns:a14="http://schemas.microsoft.com/office/drawing/2010/main" val="0"/>
-              </a:ext>
-              <a:ext uri="{96DAC541-7B7A-43D3-8B79-37D633B846F1}">
-                <asvg:svgBlip xmlns:asvg="http://schemas.microsoft.com/office/drawing/2016/SVG/main" r:embed="rId5"/>
-              </a:ext>
-            </a:extLst>
-          </a:blip>
-          <a:stretch>
-            <a:fillRect/>
-          </a:stretch>
-        </p:blipFill>
-        <p:spPr>
-          <a:xfrm>
-            <a:off x="9144000" y="5368569"/>
-            <a:ext cx="3323230" cy="3323230"/>
-          </a:xfrm>
-          <a:prstGeom prst="rect">
-            <a:avLst/>
-          </a:prstGeom>
-        </p:spPr>
-      </p:pic>
-      <p:sp>
-        <p:nvSpPr>
-          <p:cNvPr id="13" name="TextBox 12">
-            <a:extLst>
-              <a:ext uri="{FF2B5EF4-FFF2-40B4-BE49-F238E27FC236}">
-                <a16:creationId xmlns:a16="http://schemas.microsoft.com/office/drawing/2014/main" id="{BD2861F6-C4E6-1ACF-9372-B7F2496D4888}"/>
-              </a:ext>
-            </a:extLst>
-          </p:cNvPr>
-          <p:cNvSpPr txBox="1"/>
-          <p:nvPr/>
-        </p:nvSpPr>
-        <p:spPr>
-          <a:xfrm>
-            <a:off x="10490115" y="8322467"/>
-            <a:ext cx="982638" cy="369332"/>
-          </a:xfrm>
-          <a:prstGeom prst="rect">
-            <a:avLst/>
-          </a:prstGeom>
-          <a:noFill/>
-        </p:spPr>
-        <p:txBody>
-          <a:bodyPr wrap="square" rtlCol="0">
-            <a:spAutoFit/>
-          </a:bodyPr>
-          <a:lstStyle/>
-          <a:p>
-            <a:r>
-              <a:rPr lang="en-US" dirty="0"/>
-              <a:t>Bob</a:t>
-            </a:r>
-          </a:p>
-        </p:txBody>
-      </p:sp>
-      <p:sp>
-        <p:nvSpPr>
-          <p:cNvPr id="15" name="Speech Bubble: Oval 14">
-            <a:extLst>
-              <a:ext uri="{FF2B5EF4-FFF2-40B4-BE49-F238E27FC236}">
-                <a16:creationId xmlns:a16="http://schemas.microsoft.com/office/drawing/2014/main" id="{B061D5B1-80BC-F4FB-3898-021F7B395B84}"/>
-              </a:ext>
-            </a:extLst>
-          </p:cNvPr>
-          <p:cNvSpPr/>
-          <p:nvPr/>
-        </p:nvSpPr>
-        <p:spPr>
-          <a:xfrm>
-            <a:off x="11198220" y="3671247"/>
-            <a:ext cx="5513696" cy="1786355"/>
-          </a:xfrm>
-          <a:prstGeom prst="wedgeEllipseCallout">
-            <a:avLst>
-              <a:gd name="adj1" fmla="val -44188"/>
-              <a:gd name="adj2" fmla="val 65122"/>
-            </a:avLst>
-          </a:prstGeom>
-        </p:spPr>
-        <p:style>
-          <a:lnRef idx="2">
-            <a:schemeClr val="accent1">
-              <a:shade val="50000"/>
-            </a:schemeClr>
-          </a:lnRef>
-          <a:fillRef idx="1">
-            <a:schemeClr val="accent1"/>
-          </a:fillRef>
-          <a:effectRef idx="0">
-            <a:schemeClr val="accent1"/>
-          </a:effectRef>
-          <a:fontRef idx="minor">
-            <a:schemeClr val="lt1"/>
-          </a:fontRef>
-        </p:style>
-        <p:txBody>
-          <a:bodyPr rtlCol="0" anchor="ctr"/>
-          <a:lstStyle/>
-          <a:p>
-            <a:pPr algn="ctr"/>
-            <a:r>
-              <a:rPr lang="en-US" dirty="0"/>
-              <a:t>Well, you need container orchestration system like Kubernetes.</a:t>
-            </a:r>
-          </a:p>
-        </p:txBody>
-      </p:sp>
-    </p:spTree>
-    <p:extLst>
-      <p:ext uri="{BB962C8B-B14F-4D97-AF65-F5344CB8AC3E}">
-        <p14:creationId xmlns:p14="http://schemas.microsoft.com/office/powerpoint/2010/main" val="956246918"/>
-      </p:ext>
-    </p:extLst>
-  </p:cSld>
-  <p:clrMapOvr>
-    <a:masterClrMapping/>
-  </p:clrMapOvr>
-</p:sld>
-</file>
-
-<file path=ppt/slides/slide8.xml><?xml version="1.0" encoding="utf-8"?>
-<p:sld xmlns:a="http://schemas.openxmlformats.org/drawingml/2006/main" xmlns:r="http://schemas.openxmlformats.org/officeDocument/2006/relationships" xmlns:p="http://schemas.openxmlformats.org/presentationml/2006/main">
-  <p:cSld>
-    <p:spTree>
-      <p:nvGrpSpPr>
-        <p:cNvPr id="1" name=""/>
-        <p:cNvGrpSpPr/>
-        <p:nvPr/>
-      </p:nvGrpSpPr>
-      <p:grpSpPr>
-        <a:xfrm>
-          <a:off x="0" y="0"/>
-          <a:ext cx="0" cy="0"/>
-          <a:chOff x="0" y="0"/>
-          <a:chExt cx="0" cy="0"/>
-        </a:xfrm>
-      </p:grpSpPr>
-      <p:sp>
-        <p:nvSpPr>
-          <p:cNvPr id="3" name="Title 2">
-            <a:extLst>
-              <a:ext uri="{FF2B5EF4-FFF2-40B4-BE49-F238E27FC236}">
-                <a16:creationId xmlns:a16="http://schemas.microsoft.com/office/drawing/2014/main" id="{706501E4-6246-A606-7483-C427CF30CD57}"/>
-              </a:ext>
-            </a:extLst>
-          </p:cNvPr>
-          <p:cNvSpPr>
-            <a:spLocks noGrp="1"/>
-          </p:cNvSpPr>
-          <p:nvPr>
-            <p:ph type="title"/>
-          </p:nvPr>
-        </p:nvSpPr>
-        <p:spPr/>
-        <p:txBody>
-          <a:bodyPr/>
-          <a:lstStyle/>
-          <a:p>
-            <a:r>
-              <a:rPr lang="en-US" dirty="0"/>
-              <a:t>Pods</a:t>
-            </a:r>
-            <a:endParaRPr lang="en-RU" dirty="0"/>
-          </a:p>
-        </p:txBody>
-      </p:sp>
-      <p:pic>
-        <p:nvPicPr>
-          <p:cNvPr id="4" name="Picture 3">
-            <a:extLst>
-              <a:ext uri="{FF2B5EF4-FFF2-40B4-BE49-F238E27FC236}">
-                <a16:creationId xmlns:a16="http://schemas.microsoft.com/office/drawing/2014/main" id="{1EBC2B00-923A-C683-59B6-861349277516}"/>
-              </a:ext>
-            </a:extLst>
-          </p:cNvPr>
-          <p:cNvPicPr>
-            <a:picLocks noChangeAspect="1"/>
-          </p:cNvPicPr>
-          <p:nvPr/>
-        </p:nvPicPr>
-        <p:blipFill>
-          <a:blip r:embed="rId2">
-            <a:extLst>
-              <a:ext uri="{28A0092B-C50C-407E-A947-70E740481C1C}">
-                <a14:useLocalDpi xmlns:a14="http://schemas.microsoft.com/office/drawing/2010/main" val="0"/>
-              </a:ext>
-            </a:extLst>
-          </a:blip>
-          <a:stretch>
-            <a:fillRect/>
-          </a:stretch>
-        </p:blipFill>
-        <p:spPr>
-          <a:xfrm>
-            <a:off x="6312494" y="3069771"/>
-            <a:ext cx="5863908" cy="5840547"/>
-          </a:xfrm>
-          <a:prstGeom prst="rect">
-            <a:avLst/>
-          </a:prstGeom>
-        </p:spPr>
-      </p:pic>
-      <p:sp>
-        <p:nvSpPr>
-          <p:cNvPr id="6" name="TextBox 5">
-            <a:extLst>
-              <a:ext uri="{FF2B5EF4-FFF2-40B4-BE49-F238E27FC236}">
-                <a16:creationId xmlns:a16="http://schemas.microsoft.com/office/drawing/2014/main" id="{FC1BDF3A-33C9-E0D7-BE04-26E52D86563A}"/>
-              </a:ext>
-            </a:extLst>
-          </p:cNvPr>
-          <p:cNvSpPr txBox="1"/>
-          <p:nvPr/>
-        </p:nvSpPr>
-        <p:spPr>
-          <a:xfrm>
-            <a:off x="10654302" y="1111118"/>
-            <a:ext cx="3513762" cy="923330"/>
-          </a:xfrm>
-          <a:prstGeom prst="rect">
-            <a:avLst/>
-          </a:prstGeom>
-          <a:noFill/>
-        </p:spPr>
-        <p:txBody>
-          <a:bodyPr wrap="square" rtlCol="0">
-            <a:spAutoFit/>
-          </a:bodyPr>
-          <a:lstStyle/>
-          <a:p>
-            <a:r>
-              <a:rPr lang="en-US" dirty="0"/>
-              <a:t>WHY do we need this?</a:t>
-            </a:r>
-          </a:p>
-          <a:p>
-            <a:r>
-              <a:rPr lang="en-US" dirty="0"/>
-              <a:t>To configure and run docker container in an efficient way.</a:t>
-            </a:r>
-          </a:p>
-        </p:txBody>
-      </p:sp>
-      <p:sp>
-        <p:nvSpPr>
-          <p:cNvPr id="2" name="TextBox 1">
-            <a:extLst>
-              <a:ext uri="{FF2B5EF4-FFF2-40B4-BE49-F238E27FC236}">
-                <a16:creationId xmlns:a16="http://schemas.microsoft.com/office/drawing/2014/main" id="{933B8E0B-BB38-E855-19CC-4E3AB6764EAC}"/>
-              </a:ext>
-            </a:extLst>
-          </p:cNvPr>
-          <p:cNvSpPr txBox="1"/>
-          <p:nvPr/>
-        </p:nvSpPr>
-        <p:spPr>
-          <a:xfrm>
-            <a:off x="17508906" y="9659383"/>
-            <a:ext cx="464024" cy="369332"/>
-          </a:xfrm>
-          <a:prstGeom prst="rect">
-            <a:avLst/>
-          </a:prstGeom>
-          <a:noFill/>
-        </p:spPr>
-        <p:txBody>
-          <a:bodyPr wrap="square" rtlCol="0">
-            <a:spAutoFit/>
-          </a:bodyPr>
-          <a:lstStyle/>
-          <a:p>
-            <a:r>
-              <a:rPr lang="en-US" dirty="0"/>
-              <a:t>8</a:t>
-            </a:r>
-          </a:p>
-        </p:txBody>
-      </p:sp>
-    </p:spTree>
-    <p:extLst>
-      <p:ext uri="{BB962C8B-B14F-4D97-AF65-F5344CB8AC3E}">
-        <p14:creationId xmlns:p14="http://schemas.microsoft.com/office/powerpoint/2010/main" val="3483448441"/>
-      </p:ext>
-    </p:extLst>
-  </p:cSld>
-  <p:clrMapOvr>
-    <a:masterClrMapping/>
-  </p:clrMapOvr>
-</p:sld>
-</file>
-
 <file path=ppt/slides/slide9.xml><?xml version="1.0" encoding="utf-8"?>
 <p:sld xmlns:a="http://schemas.openxmlformats.org/drawingml/2006/main" xmlns:r="http://schemas.openxmlformats.org/officeDocument/2006/relationships" xmlns:p="http://schemas.openxmlformats.org/presentationml/2006/main">
   <p:cSld>
@@ -16487,19 +20155,31 @@
           <a:lstStyle/>
           <a:p>
             <a:r>
-              <a:rPr lang="en-US" dirty="0"/>
-              <a:t>Deployment</a:t>
-            </a:r>
-            <a:endParaRPr lang="en-RU" dirty="0"/>
+              <a:rPr lang="en-US" dirty="0">
+                <a:solidFill>
+                  <a:schemeClr val="accent2">
+                    <a:lumMod val="50000"/>
+                  </a:schemeClr>
+                </a:solidFill>
+              </a:rPr>
+              <a:t>Nodes and Namespaces</a:t>
+            </a:r>
+            <a:endParaRPr lang="en-RU" dirty="0">
+              <a:solidFill>
+                <a:schemeClr val="accent2">
+                  <a:lumMod val="50000"/>
+                </a:schemeClr>
+              </a:solidFill>
+            </a:endParaRPr>
           </a:p>
         </p:txBody>
       </p:sp>
       <p:pic>
         <p:nvPicPr>
-          <p:cNvPr id="2" name="Picture 1">
+          <p:cNvPr id="4" name="Picture 3">
             <a:extLst>
               <a:ext uri="{FF2B5EF4-FFF2-40B4-BE49-F238E27FC236}">
-                <a16:creationId xmlns:a16="http://schemas.microsoft.com/office/drawing/2014/main" id="{2A456C20-ECCF-C086-1082-362B6BEE2682}"/>
+                <a16:creationId xmlns:a16="http://schemas.microsoft.com/office/drawing/2014/main" id="{72E490EB-5808-A3BA-478B-8A7EC5BB71AF}"/>
               </a:ext>
             </a:extLst>
           </p:cNvPr>
@@ -16522,8 +20202,8 @@
         </p:blipFill>
         <p:spPr>
           <a:xfrm>
-            <a:off x="2704387" y="2774751"/>
-            <a:ext cx="12879226" cy="6366017"/>
+            <a:off x="1392652" y="3140293"/>
+            <a:ext cx="15502695" cy="6000475"/>
           </a:xfrm>
           <a:prstGeom prst="rect">
             <a:avLst/>
@@ -16532,10 +20212,10 @@
       </p:pic>
       <p:sp>
         <p:nvSpPr>
-          <p:cNvPr id="4" name="TextBox 3">
+          <p:cNvPr id="6" name="TextBox 5">
             <a:extLst>
               <a:ext uri="{FF2B5EF4-FFF2-40B4-BE49-F238E27FC236}">
-                <a16:creationId xmlns:a16="http://schemas.microsoft.com/office/drawing/2014/main" id="{A518D08B-AF5A-728E-A98D-4E1C5FEE9B11}"/>
+                <a16:creationId xmlns:a16="http://schemas.microsoft.com/office/drawing/2014/main" id="{9A3DFCEA-7225-0EE0-B900-0F2A673DB07D}"/>
               </a:ext>
             </a:extLst>
           </p:cNvPr>
@@ -16545,7 +20225,7 @@
         <p:spPr>
           <a:xfrm>
             <a:off x="10654302" y="1111118"/>
-            <a:ext cx="3513762" cy="923330"/>
+            <a:ext cx="3513762" cy="1200329"/>
           </a:xfrm>
           <a:prstGeom prst="rect">
             <a:avLst/>
@@ -16559,24 +20239,36 @@
           <a:lstStyle/>
           <a:p>
             <a:r>
-              <a:rPr lang="en-US" dirty="0"/>
+              <a:rPr lang="en-US" dirty="0">
+                <a:solidFill>
+                  <a:schemeClr val="accent2">
+                    <a:lumMod val="50000"/>
+                  </a:schemeClr>
+                </a:solidFill>
+              </a:rPr>
               <a:t>WHY do we need this?</a:t>
             </a:r>
           </a:p>
           <a:p>
             <a:r>
-              <a:rPr lang="en-US" dirty="0"/>
-              <a:t>To make pods scalable and fault-tolerant.</a:t>
-            </a:r>
-          </a:p>
-        </p:txBody>
-      </p:sp>
-      <p:sp>
-        <p:nvSpPr>
-          <p:cNvPr id="5" name="TextBox 4">
+              <a:rPr lang="en-US" dirty="0">
+                <a:solidFill>
+                  <a:schemeClr val="accent2">
+                    <a:lumMod val="50000"/>
+                  </a:schemeClr>
+                </a:solidFill>
+              </a:rPr>
+              <a:t>Nodes – to run docker containers, Namespaces - to simplify resource management, like folders for files.</a:t>
+            </a:r>
+          </a:p>
+        </p:txBody>
+      </p:sp>
+      <p:sp>
+        <p:nvSpPr>
+          <p:cNvPr id="2" name="TextBox 1">
             <a:extLst>
               <a:ext uri="{FF2B5EF4-FFF2-40B4-BE49-F238E27FC236}">
-                <a16:creationId xmlns:a16="http://schemas.microsoft.com/office/drawing/2014/main" id="{9B2B8B01-2911-4280-51C4-8F2D3E831A35}"/>
+                <a16:creationId xmlns:a16="http://schemas.microsoft.com/office/drawing/2014/main" id="{26CC477E-E6DF-956D-82AD-A7A90DFDE171}"/>
               </a:ext>
             </a:extLst>
           </p:cNvPr>
@@ -16600,7 +20292,13 @@
           <a:lstStyle/>
           <a:p>
             <a:r>
-              <a:rPr lang="en-US" dirty="0"/>
+              <a:rPr lang="en-US" dirty="0">
+                <a:solidFill>
+                  <a:schemeClr val="accent2">
+                    <a:lumMod val="50000"/>
+                  </a:schemeClr>
+                </a:solidFill>
+              </a:rPr>
               <a:t>9</a:t>
             </a:r>
           </a:p>
@@ -16609,7 +20307,7 @@
     </p:spTree>
     <p:extLst>
       <p:ext uri="{BB962C8B-B14F-4D97-AF65-F5344CB8AC3E}">
-        <p14:creationId xmlns:p14="http://schemas.microsoft.com/office/powerpoint/2010/main" val="1009337504"/>
+        <p14:creationId xmlns:p14="http://schemas.microsoft.com/office/powerpoint/2010/main" val="2447174169"/>
       </p:ext>
     </p:extLst>
   </p:cSld>
